--- a/prez/2018-07-20 - Open Data Community Meet-up - Nicholas Car.pptx
+++ b/prez/2018-07-20 - Open Data Community Meet-up - Nicholas Car.pptx
@@ -5,7 +5,7 @@
     <p:sldMasterId id="2147483659" r:id="rId1"/>
   </p:sldMasterIdLst>
   <p:notesMasterIdLst>
-    <p:notesMasterId r:id="rId19"/>
+    <p:notesMasterId r:id="rId32"/>
   </p:notesMasterIdLst>
   <p:sldIdLst>
     <p:sldId id="256" r:id="rId2"/>
@@ -21,10 +21,23 @@
     <p:sldId id="279" r:id="rId12"/>
     <p:sldId id="258" r:id="rId13"/>
     <p:sldId id="266" r:id="rId14"/>
-    <p:sldId id="287" r:id="rId15"/>
-    <p:sldId id="280" r:id="rId16"/>
-    <p:sldId id="285" r:id="rId17"/>
-    <p:sldId id="275" r:id="rId18"/>
+    <p:sldId id="301" r:id="rId15"/>
+    <p:sldId id="300" r:id="rId16"/>
+    <p:sldId id="299" r:id="rId17"/>
+    <p:sldId id="298" r:id="rId18"/>
+    <p:sldId id="302" r:id="rId19"/>
+    <p:sldId id="296" r:id="rId20"/>
+    <p:sldId id="303" r:id="rId21"/>
+    <p:sldId id="304" r:id="rId22"/>
+    <p:sldId id="305" r:id="rId23"/>
+    <p:sldId id="306" r:id="rId24"/>
+    <p:sldId id="307" r:id="rId25"/>
+    <p:sldId id="308" r:id="rId26"/>
+    <p:sldId id="309" r:id="rId27"/>
+    <p:sldId id="310" r:id="rId28"/>
+    <p:sldId id="311" r:id="rId29"/>
+    <p:sldId id="312" r:id="rId30"/>
+    <p:sldId id="275" r:id="rId31"/>
   </p:sldIdLst>
   <p:sldSz cx="9144000" cy="6858000" type="screen4x3"/>
   <p:notesSz cx="6797675" cy="9926638"/>
@@ -269,6 +282,10 @@
 <p:cmAuthorLst xmlns:a="http://schemas.openxmlformats.org/drawingml/2006/main" xmlns:r="http://schemas.openxmlformats.org/officeDocument/2006/relationships" xmlns:p="http://schemas.openxmlformats.org/presentationml/2006/main">
   <p:cmAuthor id="0" name="nicholas.car" initials="" lastIdx="2" clrIdx="0"/>
 </p:cmAuthorLst>
+</file>
+
+<file path=ppt/revisionInfo.xml><?xml version="1.0" encoding="utf-8"?>
+<p1510:revInfo xmlns:a="http://schemas.openxmlformats.org/drawingml/2006/main" xmlns:r="http://schemas.openxmlformats.org/officeDocument/2006/relationships" xmlns:p1510="http://schemas.microsoft.com/office/powerpoint/2015/10/main"/>
 </file>
 
 <file path=ppt/notesMasters/notesMaster1.xml><?xml version="1.0" encoding="utf-8"?>
@@ -1649,6 +1666,1091 @@
   <p:cSld>
     <p:spTree>
       <p:nvGrpSpPr>
+        <p:cNvPr id="1" name="Shape 179"/>
+        <p:cNvGrpSpPr/>
+        <p:nvPr/>
+      </p:nvGrpSpPr>
+      <p:grpSpPr>
+        <a:xfrm>
+          <a:off x="0" y="0"/>
+          <a:ext cx="0" cy="0"/>
+          <a:chOff x="0" y="0"/>
+          <a:chExt cx="0" cy="0"/>
+        </a:xfrm>
+      </p:grpSpPr>
+      <p:sp>
+        <p:nvSpPr>
+          <p:cNvPr id="180" name="Shape 180"/>
+          <p:cNvSpPr>
+            <a:spLocks noGrp="1" noRot="1" noChangeAspect="1"/>
+          </p:cNvSpPr>
+          <p:nvPr>
+            <p:ph type="sldImg" idx="2"/>
+          </p:nvPr>
+        </p:nvSpPr>
+        <p:spPr>
+          <a:xfrm>
+            <a:off x="917575" y="744538"/>
+            <a:ext cx="4962525" cy="3722687"/>
+          </a:xfrm>
+          <a:custGeom>
+            <a:avLst/>
+            <a:gdLst/>
+            <a:ahLst/>
+            <a:cxnLst/>
+            <a:rect l="0" t="0" r="0" b="0"/>
+            <a:pathLst>
+              <a:path w="120000" h="120000" extrusionOk="0">
+                <a:moveTo>
+                  <a:pt x="0" y="0"/>
+                </a:moveTo>
+                <a:lnTo>
+                  <a:pt x="120000" y="0"/>
+                </a:lnTo>
+                <a:lnTo>
+                  <a:pt x="120000" y="120000"/>
+                </a:lnTo>
+                <a:lnTo>
+                  <a:pt x="0" y="120000"/>
+                </a:lnTo>
+                <a:close/>
+              </a:path>
+            </a:pathLst>
+          </a:custGeom>
+        </p:spPr>
+      </p:sp>
+      <p:sp>
+        <p:nvSpPr>
+          <p:cNvPr id="181" name="Shape 181"/>
+          <p:cNvSpPr txBox="1">
+            <a:spLocks noGrp="1"/>
+          </p:cNvSpPr>
+          <p:nvPr>
+            <p:ph type="body" idx="1"/>
+          </p:nvPr>
+        </p:nvSpPr>
+        <p:spPr>
+          <a:xfrm>
+            <a:off x="679464" y="4714653"/>
+            <a:ext cx="5438700" cy="4466700"/>
+          </a:xfrm>
+          <a:prstGeom prst="rect">
+            <a:avLst/>
+          </a:prstGeom>
+        </p:spPr>
+        <p:txBody>
+          <a:bodyPr spcFirstLastPara="1" wrap="square" lIns="91425" tIns="91425" rIns="91425" bIns="91425" anchor="t" anchorCtr="0">
+            <a:noAutofit/>
+          </a:bodyPr>
+          <a:lstStyle/>
+          <a:p>
+            <a:pPr marL="0" lvl="0" indent="0">
+              <a:spcBef>
+                <a:spcPts val="360"/>
+              </a:spcBef>
+              <a:spcAft>
+                <a:spcPts val="0"/>
+              </a:spcAft>
+              <a:buNone/>
+            </a:pPr>
+            <a:endParaRPr/>
+          </a:p>
+        </p:txBody>
+      </p:sp>
+      <p:sp>
+        <p:nvSpPr>
+          <p:cNvPr id="182" name="Shape 182"/>
+          <p:cNvSpPr txBox="1">
+            <a:spLocks noGrp="1"/>
+          </p:cNvSpPr>
+          <p:nvPr>
+            <p:ph type="sldNum" idx="12"/>
+          </p:nvPr>
+        </p:nvSpPr>
+        <p:spPr>
+          <a:xfrm>
+            <a:off x="3850294" y="9427766"/>
+            <a:ext cx="2946000" cy="497400"/>
+          </a:xfrm>
+          <a:prstGeom prst="rect">
+            <a:avLst/>
+          </a:prstGeom>
+        </p:spPr>
+        <p:txBody>
+          <a:bodyPr spcFirstLastPara="1" wrap="square" lIns="91425" tIns="45700" rIns="91425" bIns="45700" anchor="b" anchorCtr="0">
+            <a:noAutofit/>
+          </a:bodyPr>
+          <a:lstStyle/>
+          <a:p>
+            <a:pPr marL="0" lvl="0" indent="0">
+              <a:spcBef>
+                <a:spcPts val="0"/>
+              </a:spcBef>
+              <a:spcAft>
+                <a:spcPts val="0"/>
+              </a:spcAft>
+              <a:buClr>
+                <a:srgbClr val="000000"/>
+              </a:buClr>
+              <a:buFont typeface="Arial"/>
+              <a:buNone/>
+            </a:pPr>
+            <a:fld id="{00000000-1234-1234-1234-123412341234}" type="slidenum">
+              <a:rPr lang="en-US"/>
+              <a:t>17</a:t>
+            </a:fld>
+            <a:endParaRPr/>
+          </a:p>
+        </p:txBody>
+      </p:sp>
+    </p:spTree>
+    <p:extLst>
+      <p:ext uri="{BB962C8B-B14F-4D97-AF65-F5344CB8AC3E}">
+        <p14:creationId xmlns:p14="http://schemas.microsoft.com/office/powerpoint/2010/main" val="1847511126"/>
+      </p:ext>
+    </p:extLst>
+  </p:cSld>
+  <p:clrMapOvr>
+    <a:masterClrMapping/>
+  </p:clrMapOvr>
+</p:notes>
+</file>
+
+<file path=ppt/notesSlides/notesSlide11.xml><?xml version="1.0" encoding="utf-8"?>
+<p:notes xmlns:a="http://schemas.openxmlformats.org/drawingml/2006/main" xmlns:r="http://schemas.openxmlformats.org/officeDocument/2006/relationships" xmlns:p="http://schemas.openxmlformats.org/presentationml/2006/main" showMasterSp="0" showMasterPhAnim="0">
+  <p:cSld>
+    <p:spTree>
+      <p:nvGrpSpPr>
+        <p:cNvPr id="1" name="Shape 179"/>
+        <p:cNvGrpSpPr/>
+        <p:nvPr/>
+      </p:nvGrpSpPr>
+      <p:grpSpPr>
+        <a:xfrm>
+          <a:off x="0" y="0"/>
+          <a:ext cx="0" cy="0"/>
+          <a:chOff x="0" y="0"/>
+          <a:chExt cx="0" cy="0"/>
+        </a:xfrm>
+      </p:grpSpPr>
+      <p:sp>
+        <p:nvSpPr>
+          <p:cNvPr id="180" name="Shape 180"/>
+          <p:cNvSpPr>
+            <a:spLocks noGrp="1" noRot="1" noChangeAspect="1"/>
+          </p:cNvSpPr>
+          <p:nvPr>
+            <p:ph type="sldImg" idx="2"/>
+          </p:nvPr>
+        </p:nvSpPr>
+        <p:spPr>
+          <a:xfrm>
+            <a:off x="917575" y="744538"/>
+            <a:ext cx="4962525" cy="3722687"/>
+          </a:xfrm>
+          <a:custGeom>
+            <a:avLst/>
+            <a:gdLst/>
+            <a:ahLst/>
+            <a:cxnLst/>
+            <a:rect l="0" t="0" r="0" b="0"/>
+            <a:pathLst>
+              <a:path w="120000" h="120000" extrusionOk="0">
+                <a:moveTo>
+                  <a:pt x="0" y="0"/>
+                </a:moveTo>
+                <a:lnTo>
+                  <a:pt x="120000" y="0"/>
+                </a:lnTo>
+                <a:lnTo>
+                  <a:pt x="120000" y="120000"/>
+                </a:lnTo>
+                <a:lnTo>
+                  <a:pt x="0" y="120000"/>
+                </a:lnTo>
+                <a:close/>
+              </a:path>
+            </a:pathLst>
+          </a:custGeom>
+        </p:spPr>
+      </p:sp>
+      <p:sp>
+        <p:nvSpPr>
+          <p:cNvPr id="181" name="Shape 181"/>
+          <p:cNvSpPr txBox="1">
+            <a:spLocks noGrp="1"/>
+          </p:cNvSpPr>
+          <p:nvPr>
+            <p:ph type="body" idx="1"/>
+          </p:nvPr>
+        </p:nvSpPr>
+        <p:spPr>
+          <a:xfrm>
+            <a:off x="679464" y="4714653"/>
+            <a:ext cx="5438700" cy="4466700"/>
+          </a:xfrm>
+          <a:prstGeom prst="rect">
+            <a:avLst/>
+          </a:prstGeom>
+        </p:spPr>
+        <p:txBody>
+          <a:bodyPr spcFirstLastPara="1" wrap="square" lIns="91425" tIns="91425" rIns="91425" bIns="91425" anchor="t" anchorCtr="0">
+            <a:noAutofit/>
+          </a:bodyPr>
+          <a:lstStyle/>
+          <a:p>
+            <a:pPr marL="0" lvl="0" indent="0">
+              <a:spcBef>
+                <a:spcPts val="360"/>
+              </a:spcBef>
+              <a:spcAft>
+                <a:spcPts val="0"/>
+              </a:spcAft>
+              <a:buNone/>
+            </a:pPr>
+            <a:endParaRPr/>
+          </a:p>
+        </p:txBody>
+      </p:sp>
+      <p:sp>
+        <p:nvSpPr>
+          <p:cNvPr id="182" name="Shape 182"/>
+          <p:cNvSpPr txBox="1">
+            <a:spLocks noGrp="1"/>
+          </p:cNvSpPr>
+          <p:nvPr>
+            <p:ph type="sldNum" idx="12"/>
+          </p:nvPr>
+        </p:nvSpPr>
+        <p:spPr>
+          <a:xfrm>
+            <a:off x="3850294" y="9427766"/>
+            <a:ext cx="2946000" cy="497400"/>
+          </a:xfrm>
+          <a:prstGeom prst="rect">
+            <a:avLst/>
+          </a:prstGeom>
+        </p:spPr>
+        <p:txBody>
+          <a:bodyPr spcFirstLastPara="1" wrap="square" lIns="91425" tIns="45700" rIns="91425" bIns="45700" anchor="b" anchorCtr="0">
+            <a:noAutofit/>
+          </a:bodyPr>
+          <a:lstStyle/>
+          <a:p>
+            <a:pPr marL="0" lvl="0" indent="0">
+              <a:spcBef>
+                <a:spcPts val="0"/>
+              </a:spcBef>
+              <a:spcAft>
+                <a:spcPts val="0"/>
+              </a:spcAft>
+              <a:buClr>
+                <a:srgbClr val="000000"/>
+              </a:buClr>
+              <a:buFont typeface="Arial"/>
+              <a:buNone/>
+            </a:pPr>
+            <a:fld id="{00000000-1234-1234-1234-123412341234}" type="slidenum">
+              <a:rPr lang="en-US"/>
+              <a:t>18</a:t>
+            </a:fld>
+            <a:endParaRPr/>
+          </a:p>
+        </p:txBody>
+      </p:sp>
+    </p:spTree>
+    <p:extLst>
+      <p:ext uri="{BB962C8B-B14F-4D97-AF65-F5344CB8AC3E}">
+        <p14:creationId xmlns:p14="http://schemas.microsoft.com/office/powerpoint/2010/main" val="3152805614"/>
+      </p:ext>
+    </p:extLst>
+  </p:cSld>
+  <p:clrMapOvr>
+    <a:masterClrMapping/>
+  </p:clrMapOvr>
+</p:notes>
+</file>
+
+<file path=ppt/notesSlides/notesSlide12.xml><?xml version="1.0" encoding="utf-8"?>
+<p:notes xmlns:a="http://schemas.openxmlformats.org/drawingml/2006/main" xmlns:r="http://schemas.openxmlformats.org/officeDocument/2006/relationships" xmlns:p="http://schemas.openxmlformats.org/presentationml/2006/main" showMasterSp="0" showMasterPhAnim="0">
+  <p:cSld>
+    <p:spTree>
+      <p:nvGrpSpPr>
+        <p:cNvPr id="1" name="Shape 179"/>
+        <p:cNvGrpSpPr/>
+        <p:nvPr/>
+      </p:nvGrpSpPr>
+      <p:grpSpPr>
+        <a:xfrm>
+          <a:off x="0" y="0"/>
+          <a:ext cx="0" cy="0"/>
+          <a:chOff x="0" y="0"/>
+          <a:chExt cx="0" cy="0"/>
+        </a:xfrm>
+      </p:grpSpPr>
+      <p:sp>
+        <p:nvSpPr>
+          <p:cNvPr id="180" name="Shape 180"/>
+          <p:cNvSpPr>
+            <a:spLocks noGrp="1" noRot="1" noChangeAspect="1"/>
+          </p:cNvSpPr>
+          <p:nvPr>
+            <p:ph type="sldImg" idx="2"/>
+          </p:nvPr>
+        </p:nvSpPr>
+        <p:spPr>
+          <a:xfrm>
+            <a:off x="917575" y="744538"/>
+            <a:ext cx="4962525" cy="3722687"/>
+          </a:xfrm>
+          <a:custGeom>
+            <a:avLst/>
+            <a:gdLst/>
+            <a:ahLst/>
+            <a:cxnLst/>
+            <a:rect l="0" t="0" r="0" b="0"/>
+            <a:pathLst>
+              <a:path w="120000" h="120000" extrusionOk="0">
+                <a:moveTo>
+                  <a:pt x="0" y="0"/>
+                </a:moveTo>
+                <a:lnTo>
+                  <a:pt x="120000" y="0"/>
+                </a:lnTo>
+                <a:lnTo>
+                  <a:pt x="120000" y="120000"/>
+                </a:lnTo>
+                <a:lnTo>
+                  <a:pt x="0" y="120000"/>
+                </a:lnTo>
+                <a:close/>
+              </a:path>
+            </a:pathLst>
+          </a:custGeom>
+        </p:spPr>
+      </p:sp>
+      <p:sp>
+        <p:nvSpPr>
+          <p:cNvPr id="181" name="Shape 181"/>
+          <p:cNvSpPr txBox="1">
+            <a:spLocks noGrp="1"/>
+          </p:cNvSpPr>
+          <p:nvPr>
+            <p:ph type="body" idx="1"/>
+          </p:nvPr>
+        </p:nvSpPr>
+        <p:spPr>
+          <a:xfrm>
+            <a:off x="679464" y="4714653"/>
+            <a:ext cx="5438700" cy="4466700"/>
+          </a:xfrm>
+          <a:prstGeom prst="rect">
+            <a:avLst/>
+          </a:prstGeom>
+        </p:spPr>
+        <p:txBody>
+          <a:bodyPr spcFirstLastPara="1" wrap="square" lIns="91425" tIns="91425" rIns="91425" bIns="91425" anchor="t" anchorCtr="0">
+            <a:noAutofit/>
+          </a:bodyPr>
+          <a:lstStyle/>
+          <a:p>
+            <a:pPr marL="0" lvl="0" indent="0">
+              <a:spcBef>
+                <a:spcPts val="360"/>
+              </a:spcBef>
+              <a:spcAft>
+                <a:spcPts val="0"/>
+              </a:spcAft>
+              <a:buNone/>
+            </a:pPr>
+            <a:endParaRPr/>
+          </a:p>
+        </p:txBody>
+      </p:sp>
+      <p:sp>
+        <p:nvSpPr>
+          <p:cNvPr id="182" name="Shape 182"/>
+          <p:cNvSpPr txBox="1">
+            <a:spLocks noGrp="1"/>
+          </p:cNvSpPr>
+          <p:nvPr>
+            <p:ph type="sldNum" idx="12"/>
+          </p:nvPr>
+        </p:nvSpPr>
+        <p:spPr>
+          <a:xfrm>
+            <a:off x="3850294" y="9427766"/>
+            <a:ext cx="2946000" cy="497400"/>
+          </a:xfrm>
+          <a:prstGeom prst="rect">
+            <a:avLst/>
+          </a:prstGeom>
+        </p:spPr>
+        <p:txBody>
+          <a:bodyPr spcFirstLastPara="1" wrap="square" lIns="91425" tIns="45700" rIns="91425" bIns="45700" anchor="b" anchorCtr="0">
+            <a:noAutofit/>
+          </a:bodyPr>
+          <a:lstStyle/>
+          <a:p>
+            <a:pPr marL="0" lvl="0" indent="0">
+              <a:spcBef>
+                <a:spcPts val="0"/>
+              </a:spcBef>
+              <a:spcAft>
+                <a:spcPts val="0"/>
+              </a:spcAft>
+              <a:buClr>
+                <a:srgbClr val="000000"/>
+              </a:buClr>
+              <a:buFont typeface="Arial"/>
+              <a:buNone/>
+            </a:pPr>
+            <a:fld id="{00000000-1234-1234-1234-123412341234}" type="slidenum">
+              <a:rPr lang="en-US"/>
+              <a:t>19</a:t>
+            </a:fld>
+            <a:endParaRPr/>
+          </a:p>
+        </p:txBody>
+      </p:sp>
+    </p:spTree>
+    <p:extLst>
+      <p:ext uri="{BB962C8B-B14F-4D97-AF65-F5344CB8AC3E}">
+        <p14:creationId xmlns:p14="http://schemas.microsoft.com/office/powerpoint/2010/main" val="2132266232"/>
+      </p:ext>
+    </p:extLst>
+  </p:cSld>
+  <p:clrMapOvr>
+    <a:masterClrMapping/>
+  </p:clrMapOvr>
+</p:notes>
+</file>
+
+<file path=ppt/notesSlides/notesSlide13.xml><?xml version="1.0" encoding="utf-8"?>
+<p:notes xmlns:a="http://schemas.openxmlformats.org/drawingml/2006/main" xmlns:r="http://schemas.openxmlformats.org/officeDocument/2006/relationships" xmlns:p="http://schemas.openxmlformats.org/presentationml/2006/main" showMasterSp="0" showMasterPhAnim="0">
+  <p:cSld>
+    <p:spTree>
+      <p:nvGrpSpPr>
+        <p:cNvPr id="1" name="Shape 179"/>
+        <p:cNvGrpSpPr/>
+        <p:nvPr/>
+      </p:nvGrpSpPr>
+      <p:grpSpPr>
+        <a:xfrm>
+          <a:off x="0" y="0"/>
+          <a:ext cx="0" cy="0"/>
+          <a:chOff x="0" y="0"/>
+          <a:chExt cx="0" cy="0"/>
+        </a:xfrm>
+      </p:grpSpPr>
+      <p:sp>
+        <p:nvSpPr>
+          <p:cNvPr id="180" name="Shape 180"/>
+          <p:cNvSpPr>
+            <a:spLocks noGrp="1" noRot="1" noChangeAspect="1"/>
+          </p:cNvSpPr>
+          <p:nvPr>
+            <p:ph type="sldImg" idx="2"/>
+          </p:nvPr>
+        </p:nvSpPr>
+        <p:spPr>
+          <a:xfrm>
+            <a:off x="917575" y="744538"/>
+            <a:ext cx="4962525" cy="3722687"/>
+          </a:xfrm>
+          <a:custGeom>
+            <a:avLst/>
+            <a:gdLst/>
+            <a:ahLst/>
+            <a:cxnLst/>
+            <a:rect l="0" t="0" r="0" b="0"/>
+            <a:pathLst>
+              <a:path w="120000" h="120000" extrusionOk="0">
+                <a:moveTo>
+                  <a:pt x="0" y="0"/>
+                </a:moveTo>
+                <a:lnTo>
+                  <a:pt x="120000" y="0"/>
+                </a:lnTo>
+                <a:lnTo>
+                  <a:pt x="120000" y="120000"/>
+                </a:lnTo>
+                <a:lnTo>
+                  <a:pt x="0" y="120000"/>
+                </a:lnTo>
+                <a:close/>
+              </a:path>
+            </a:pathLst>
+          </a:custGeom>
+        </p:spPr>
+      </p:sp>
+      <p:sp>
+        <p:nvSpPr>
+          <p:cNvPr id="181" name="Shape 181"/>
+          <p:cNvSpPr txBox="1">
+            <a:spLocks noGrp="1"/>
+          </p:cNvSpPr>
+          <p:nvPr>
+            <p:ph type="body" idx="1"/>
+          </p:nvPr>
+        </p:nvSpPr>
+        <p:spPr>
+          <a:xfrm>
+            <a:off x="679464" y="4714653"/>
+            <a:ext cx="5438700" cy="4466700"/>
+          </a:xfrm>
+          <a:prstGeom prst="rect">
+            <a:avLst/>
+          </a:prstGeom>
+        </p:spPr>
+        <p:txBody>
+          <a:bodyPr spcFirstLastPara="1" wrap="square" lIns="91425" tIns="91425" rIns="91425" bIns="91425" anchor="t" anchorCtr="0">
+            <a:noAutofit/>
+          </a:bodyPr>
+          <a:lstStyle/>
+          <a:p>
+            <a:pPr marL="0" lvl="0" indent="0">
+              <a:spcBef>
+                <a:spcPts val="360"/>
+              </a:spcBef>
+              <a:spcAft>
+                <a:spcPts val="0"/>
+              </a:spcAft>
+              <a:buNone/>
+            </a:pPr>
+            <a:endParaRPr/>
+          </a:p>
+        </p:txBody>
+      </p:sp>
+      <p:sp>
+        <p:nvSpPr>
+          <p:cNvPr id="182" name="Shape 182"/>
+          <p:cNvSpPr txBox="1">
+            <a:spLocks noGrp="1"/>
+          </p:cNvSpPr>
+          <p:nvPr>
+            <p:ph type="sldNum" idx="12"/>
+          </p:nvPr>
+        </p:nvSpPr>
+        <p:spPr>
+          <a:xfrm>
+            <a:off x="3850294" y="9427766"/>
+            <a:ext cx="2946000" cy="497400"/>
+          </a:xfrm>
+          <a:prstGeom prst="rect">
+            <a:avLst/>
+          </a:prstGeom>
+        </p:spPr>
+        <p:txBody>
+          <a:bodyPr spcFirstLastPara="1" wrap="square" lIns="91425" tIns="45700" rIns="91425" bIns="45700" anchor="b" anchorCtr="0">
+            <a:noAutofit/>
+          </a:bodyPr>
+          <a:lstStyle/>
+          <a:p>
+            <a:pPr marL="0" lvl="0" indent="0">
+              <a:spcBef>
+                <a:spcPts val="0"/>
+              </a:spcBef>
+              <a:spcAft>
+                <a:spcPts val="0"/>
+              </a:spcAft>
+              <a:buClr>
+                <a:srgbClr val="000000"/>
+              </a:buClr>
+              <a:buFont typeface="Arial"/>
+              <a:buNone/>
+            </a:pPr>
+            <a:fld id="{00000000-1234-1234-1234-123412341234}" type="slidenum">
+              <a:rPr lang="en-US"/>
+              <a:t>20</a:t>
+            </a:fld>
+            <a:endParaRPr/>
+          </a:p>
+        </p:txBody>
+      </p:sp>
+    </p:spTree>
+    <p:extLst>
+      <p:ext uri="{BB962C8B-B14F-4D97-AF65-F5344CB8AC3E}">
+        <p14:creationId xmlns:p14="http://schemas.microsoft.com/office/powerpoint/2010/main" val="1479634384"/>
+      </p:ext>
+    </p:extLst>
+  </p:cSld>
+  <p:clrMapOvr>
+    <a:masterClrMapping/>
+  </p:clrMapOvr>
+</p:notes>
+</file>
+
+<file path=ppt/notesSlides/notesSlide14.xml><?xml version="1.0" encoding="utf-8"?>
+<p:notes xmlns:a="http://schemas.openxmlformats.org/drawingml/2006/main" xmlns:r="http://schemas.openxmlformats.org/officeDocument/2006/relationships" xmlns:p="http://schemas.openxmlformats.org/presentationml/2006/main" showMasterSp="0" showMasterPhAnim="0">
+  <p:cSld>
+    <p:spTree>
+      <p:nvGrpSpPr>
+        <p:cNvPr id="1" name="Shape 179"/>
+        <p:cNvGrpSpPr/>
+        <p:nvPr/>
+      </p:nvGrpSpPr>
+      <p:grpSpPr>
+        <a:xfrm>
+          <a:off x="0" y="0"/>
+          <a:ext cx="0" cy="0"/>
+          <a:chOff x="0" y="0"/>
+          <a:chExt cx="0" cy="0"/>
+        </a:xfrm>
+      </p:grpSpPr>
+      <p:sp>
+        <p:nvSpPr>
+          <p:cNvPr id="180" name="Shape 180"/>
+          <p:cNvSpPr>
+            <a:spLocks noGrp="1" noRot="1" noChangeAspect="1"/>
+          </p:cNvSpPr>
+          <p:nvPr>
+            <p:ph type="sldImg" idx="2"/>
+          </p:nvPr>
+        </p:nvSpPr>
+        <p:spPr>
+          <a:xfrm>
+            <a:off x="917575" y="744538"/>
+            <a:ext cx="4962525" cy="3722687"/>
+          </a:xfrm>
+          <a:custGeom>
+            <a:avLst/>
+            <a:gdLst/>
+            <a:ahLst/>
+            <a:cxnLst/>
+            <a:rect l="0" t="0" r="0" b="0"/>
+            <a:pathLst>
+              <a:path w="120000" h="120000" extrusionOk="0">
+                <a:moveTo>
+                  <a:pt x="0" y="0"/>
+                </a:moveTo>
+                <a:lnTo>
+                  <a:pt x="120000" y="0"/>
+                </a:lnTo>
+                <a:lnTo>
+                  <a:pt x="120000" y="120000"/>
+                </a:lnTo>
+                <a:lnTo>
+                  <a:pt x="0" y="120000"/>
+                </a:lnTo>
+                <a:close/>
+              </a:path>
+            </a:pathLst>
+          </a:custGeom>
+        </p:spPr>
+      </p:sp>
+      <p:sp>
+        <p:nvSpPr>
+          <p:cNvPr id="181" name="Shape 181"/>
+          <p:cNvSpPr txBox="1">
+            <a:spLocks noGrp="1"/>
+          </p:cNvSpPr>
+          <p:nvPr>
+            <p:ph type="body" idx="1"/>
+          </p:nvPr>
+        </p:nvSpPr>
+        <p:spPr>
+          <a:xfrm>
+            <a:off x="679464" y="4714653"/>
+            <a:ext cx="5438700" cy="4466700"/>
+          </a:xfrm>
+          <a:prstGeom prst="rect">
+            <a:avLst/>
+          </a:prstGeom>
+        </p:spPr>
+        <p:txBody>
+          <a:bodyPr spcFirstLastPara="1" wrap="square" lIns="91425" tIns="91425" rIns="91425" bIns="91425" anchor="t" anchorCtr="0">
+            <a:noAutofit/>
+          </a:bodyPr>
+          <a:lstStyle/>
+          <a:p>
+            <a:pPr marL="0" lvl="0" indent="0">
+              <a:spcBef>
+                <a:spcPts val="360"/>
+              </a:spcBef>
+              <a:spcAft>
+                <a:spcPts val="0"/>
+              </a:spcAft>
+              <a:buNone/>
+            </a:pPr>
+            <a:endParaRPr/>
+          </a:p>
+        </p:txBody>
+      </p:sp>
+      <p:sp>
+        <p:nvSpPr>
+          <p:cNvPr id="182" name="Shape 182"/>
+          <p:cNvSpPr txBox="1">
+            <a:spLocks noGrp="1"/>
+          </p:cNvSpPr>
+          <p:nvPr>
+            <p:ph type="sldNum" idx="12"/>
+          </p:nvPr>
+        </p:nvSpPr>
+        <p:spPr>
+          <a:xfrm>
+            <a:off x="3850294" y="9427766"/>
+            <a:ext cx="2946000" cy="497400"/>
+          </a:xfrm>
+          <a:prstGeom prst="rect">
+            <a:avLst/>
+          </a:prstGeom>
+        </p:spPr>
+        <p:txBody>
+          <a:bodyPr spcFirstLastPara="1" wrap="square" lIns="91425" tIns="45700" rIns="91425" bIns="45700" anchor="b" anchorCtr="0">
+            <a:noAutofit/>
+          </a:bodyPr>
+          <a:lstStyle/>
+          <a:p>
+            <a:pPr marL="0" lvl="0" indent="0">
+              <a:spcBef>
+                <a:spcPts val="0"/>
+              </a:spcBef>
+              <a:spcAft>
+                <a:spcPts val="0"/>
+              </a:spcAft>
+              <a:buClr>
+                <a:srgbClr val="000000"/>
+              </a:buClr>
+              <a:buFont typeface="Arial"/>
+              <a:buNone/>
+            </a:pPr>
+            <a:fld id="{00000000-1234-1234-1234-123412341234}" type="slidenum">
+              <a:rPr lang="en-US"/>
+              <a:t>21</a:t>
+            </a:fld>
+            <a:endParaRPr/>
+          </a:p>
+        </p:txBody>
+      </p:sp>
+    </p:spTree>
+    <p:extLst>
+      <p:ext uri="{BB962C8B-B14F-4D97-AF65-F5344CB8AC3E}">
+        <p14:creationId xmlns:p14="http://schemas.microsoft.com/office/powerpoint/2010/main" val="2805386093"/>
+      </p:ext>
+    </p:extLst>
+  </p:cSld>
+  <p:clrMapOvr>
+    <a:masterClrMapping/>
+  </p:clrMapOvr>
+</p:notes>
+</file>
+
+<file path=ppt/notesSlides/notesSlide15.xml><?xml version="1.0" encoding="utf-8"?>
+<p:notes xmlns:a="http://schemas.openxmlformats.org/drawingml/2006/main" xmlns:r="http://schemas.openxmlformats.org/officeDocument/2006/relationships" xmlns:p="http://schemas.openxmlformats.org/presentationml/2006/main" showMasterSp="0" showMasterPhAnim="0">
+  <p:cSld>
+    <p:spTree>
+      <p:nvGrpSpPr>
+        <p:cNvPr id="1" name="Shape 179"/>
+        <p:cNvGrpSpPr/>
+        <p:nvPr/>
+      </p:nvGrpSpPr>
+      <p:grpSpPr>
+        <a:xfrm>
+          <a:off x="0" y="0"/>
+          <a:ext cx="0" cy="0"/>
+          <a:chOff x="0" y="0"/>
+          <a:chExt cx="0" cy="0"/>
+        </a:xfrm>
+      </p:grpSpPr>
+      <p:sp>
+        <p:nvSpPr>
+          <p:cNvPr id="180" name="Shape 180"/>
+          <p:cNvSpPr>
+            <a:spLocks noGrp="1" noRot="1" noChangeAspect="1"/>
+          </p:cNvSpPr>
+          <p:nvPr>
+            <p:ph type="sldImg" idx="2"/>
+          </p:nvPr>
+        </p:nvSpPr>
+        <p:spPr>
+          <a:xfrm>
+            <a:off x="917575" y="744538"/>
+            <a:ext cx="4962525" cy="3722687"/>
+          </a:xfrm>
+          <a:custGeom>
+            <a:avLst/>
+            <a:gdLst/>
+            <a:ahLst/>
+            <a:cxnLst/>
+            <a:rect l="0" t="0" r="0" b="0"/>
+            <a:pathLst>
+              <a:path w="120000" h="120000" extrusionOk="0">
+                <a:moveTo>
+                  <a:pt x="0" y="0"/>
+                </a:moveTo>
+                <a:lnTo>
+                  <a:pt x="120000" y="0"/>
+                </a:lnTo>
+                <a:lnTo>
+                  <a:pt x="120000" y="120000"/>
+                </a:lnTo>
+                <a:lnTo>
+                  <a:pt x="0" y="120000"/>
+                </a:lnTo>
+                <a:close/>
+              </a:path>
+            </a:pathLst>
+          </a:custGeom>
+        </p:spPr>
+      </p:sp>
+      <p:sp>
+        <p:nvSpPr>
+          <p:cNvPr id="181" name="Shape 181"/>
+          <p:cNvSpPr txBox="1">
+            <a:spLocks noGrp="1"/>
+          </p:cNvSpPr>
+          <p:nvPr>
+            <p:ph type="body" idx="1"/>
+          </p:nvPr>
+        </p:nvSpPr>
+        <p:spPr>
+          <a:xfrm>
+            <a:off x="679464" y="4714653"/>
+            <a:ext cx="5438700" cy="4466700"/>
+          </a:xfrm>
+          <a:prstGeom prst="rect">
+            <a:avLst/>
+          </a:prstGeom>
+        </p:spPr>
+        <p:txBody>
+          <a:bodyPr spcFirstLastPara="1" wrap="square" lIns="91425" tIns="91425" rIns="91425" bIns="91425" anchor="t" anchorCtr="0">
+            <a:noAutofit/>
+          </a:bodyPr>
+          <a:lstStyle/>
+          <a:p>
+            <a:pPr marL="0" lvl="0" indent="0">
+              <a:spcBef>
+                <a:spcPts val="360"/>
+              </a:spcBef>
+              <a:spcAft>
+                <a:spcPts val="0"/>
+              </a:spcAft>
+              <a:buNone/>
+            </a:pPr>
+            <a:endParaRPr/>
+          </a:p>
+        </p:txBody>
+      </p:sp>
+      <p:sp>
+        <p:nvSpPr>
+          <p:cNvPr id="182" name="Shape 182"/>
+          <p:cNvSpPr txBox="1">
+            <a:spLocks noGrp="1"/>
+          </p:cNvSpPr>
+          <p:nvPr>
+            <p:ph type="sldNum" idx="12"/>
+          </p:nvPr>
+        </p:nvSpPr>
+        <p:spPr>
+          <a:xfrm>
+            <a:off x="3850294" y="9427766"/>
+            <a:ext cx="2946000" cy="497400"/>
+          </a:xfrm>
+          <a:prstGeom prst="rect">
+            <a:avLst/>
+          </a:prstGeom>
+        </p:spPr>
+        <p:txBody>
+          <a:bodyPr spcFirstLastPara="1" wrap="square" lIns="91425" tIns="45700" rIns="91425" bIns="45700" anchor="b" anchorCtr="0">
+            <a:noAutofit/>
+          </a:bodyPr>
+          <a:lstStyle/>
+          <a:p>
+            <a:pPr marL="0" lvl="0" indent="0">
+              <a:spcBef>
+                <a:spcPts val="0"/>
+              </a:spcBef>
+              <a:spcAft>
+                <a:spcPts val="0"/>
+              </a:spcAft>
+              <a:buClr>
+                <a:srgbClr val="000000"/>
+              </a:buClr>
+              <a:buFont typeface="Arial"/>
+              <a:buNone/>
+            </a:pPr>
+            <a:fld id="{00000000-1234-1234-1234-123412341234}" type="slidenum">
+              <a:rPr lang="en-US"/>
+              <a:t>22</a:t>
+            </a:fld>
+            <a:endParaRPr/>
+          </a:p>
+        </p:txBody>
+      </p:sp>
+    </p:spTree>
+    <p:extLst>
+      <p:ext uri="{BB962C8B-B14F-4D97-AF65-F5344CB8AC3E}">
+        <p14:creationId xmlns:p14="http://schemas.microsoft.com/office/powerpoint/2010/main" val="1969775586"/>
+      </p:ext>
+    </p:extLst>
+  </p:cSld>
+  <p:clrMapOvr>
+    <a:masterClrMapping/>
+  </p:clrMapOvr>
+</p:notes>
+</file>
+
+<file path=ppt/notesSlides/notesSlide16.xml><?xml version="1.0" encoding="utf-8"?>
+<p:notes xmlns:a="http://schemas.openxmlformats.org/drawingml/2006/main" xmlns:r="http://schemas.openxmlformats.org/officeDocument/2006/relationships" xmlns:p="http://schemas.openxmlformats.org/presentationml/2006/main" showMasterSp="0" showMasterPhAnim="0">
+  <p:cSld>
+    <p:spTree>
+      <p:nvGrpSpPr>
+        <p:cNvPr id="1" name="Shape 179"/>
+        <p:cNvGrpSpPr/>
+        <p:nvPr/>
+      </p:nvGrpSpPr>
+      <p:grpSpPr>
+        <a:xfrm>
+          <a:off x="0" y="0"/>
+          <a:ext cx="0" cy="0"/>
+          <a:chOff x="0" y="0"/>
+          <a:chExt cx="0" cy="0"/>
+        </a:xfrm>
+      </p:grpSpPr>
+      <p:sp>
+        <p:nvSpPr>
+          <p:cNvPr id="180" name="Shape 180"/>
+          <p:cNvSpPr>
+            <a:spLocks noGrp="1" noRot="1" noChangeAspect="1"/>
+          </p:cNvSpPr>
+          <p:nvPr>
+            <p:ph type="sldImg" idx="2"/>
+          </p:nvPr>
+        </p:nvSpPr>
+        <p:spPr>
+          <a:xfrm>
+            <a:off x="917575" y="744538"/>
+            <a:ext cx="4962525" cy="3722687"/>
+          </a:xfrm>
+          <a:custGeom>
+            <a:avLst/>
+            <a:gdLst/>
+            <a:ahLst/>
+            <a:cxnLst/>
+            <a:rect l="0" t="0" r="0" b="0"/>
+            <a:pathLst>
+              <a:path w="120000" h="120000" extrusionOk="0">
+                <a:moveTo>
+                  <a:pt x="0" y="0"/>
+                </a:moveTo>
+                <a:lnTo>
+                  <a:pt x="120000" y="0"/>
+                </a:lnTo>
+                <a:lnTo>
+                  <a:pt x="120000" y="120000"/>
+                </a:lnTo>
+                <a:lnTo>
+                  <a:pt x="0" y="120000"/>
+                </a:lnTo>
+                <a:close/>
+              </a:path>
+            </a:pathLst>
+          </a:custGeom>
+        </p:spPr>
+      </p:sp>
+      <p:sp>
+        <p:nvSpPr>
+          <p:cNvPr id="181" name="Shape 181"/>
+          <p:cNvSpPr txBox="1">
+            <a:spLocks noGrp="1"/>
+          </p:cNvSpPr>
+          <p:nvPr>
+            <p:ph type="body" idx="1"/>
+          </p:nvPr>
+        </p:nvSpPr>
+        <p:spPr>
+          <a:xfrm>
+            <a:off x="679464" y="4714653"/>
+            <a:ext cx="5438700" cy="4466700"/>
+          </a:xfrm>
+          <a:prstGeom prst="rect">
+            <a:avLst/>
+          </a:prstGeom>
+        </p:spPr>
+        <p:txBody>
+          <a:bodyPr spcFirstLastPara="1" wrap="square" lIns="91425" tIns="91425" rIns="91425" bIns="91425" anchor="t" anchorCtr="0">
+            <a:noAutofit/>
+          </a:bodyPr>
+          <a:lstStyle/>
+          <a:p>
+            <a:pPr marL="0" lvl="0" indent="0">
+              <a:spcBef>
+                <a:spcPts val="360"/>
+              </a:spcBef>
+              <a:spcAft>
+                <a:spcPts val="0"/>
+              </a:spcAft>
+              <a:buNone/>
+            </a:pPr>
+            <a:endParaRPr/>
+          </a:p>
+        </p:txBody>
+      </p:sp>
+      <p:sp>
+        <p:nvSpPr>
+          <p:cNvPr id="182" name="Shape 182"/>
+          <p:cNvSpPr txBox="1">
+            <a:spLocks noGrp="1"/>
+          </p:cNvSpPr>
+          <p:nvPr>
+            <p:ph type="sldNum" idx="12"/>
+          </p:nvPr>
+        </p:nvSpPr>
+        <p:spPr>
+          <a:xfrm>
+            <a:off x="3850294" y="9427766"/>
+            <a:ext cx="2946000" cy="497400"/>
+          </a:xfrm>
+          <a:prstGeom prst="rect">
+            <a:avLst/>
+          </a:prstGeom>
+        </p:spPr>
+        <p:txBody>
+          <a:bodyPr spcFirstLastPara="1" wrap="square" lIns="91425" tIns="45700" rIns="91425" bIns="45700" anchor="b" anchorCtr="0">
+            <a:noAutofit/>
+          </a:bodyPr>
+          <a:lstStyle/>
+          <a:p>
+            <a:pPr marL="0" lvl="0" indent="0">
+              <a:spcBef>
+                <a:spcPts val="0"/>
+              </a:spcBef>
+              <a:spcAft>
+                <a:spcPts val="0"/>
+              </a:spcAft>
+              <a:buClr>
+                <a:srgbClr val="000000"/>
+              </a:buClr>
+              <a:buFont typeface="Arial"/>
+              <a:buNone/>
+            </a:pPr>
+            <a:fld id="{00000000-1234-1234-1234-123412341234}" type="slidenum">
+              <a:rPr lang="en-US"/>
+              <a:t>23</a:t>
+            </a:fld>
+            <a:endParaRPr/>
+          </a:p>
+        </p:txBody>
+      </p:sp>
+    </p:spTree>
+    <p:extLst>
+      <p:ext uri="{BB962C8B-B14F-4D97-AF65-F5344CB8AC3E}">
+        <p14:creationId xmlns:p14="http://schemas.microsoft.com/office/powerpoint/2010/main" val="1733564679"/>
+      </p:ext>
+    </p:extLst>
+  </p:cSld>
+  <p:clrMapOvr>
+    <a:masterClrMapping/>
+  </p:clrMapOvr>
+</p:notes>
+</file>
+
+<file path=ppt/notesSlides/notesSlide17.xml><?xml version="1.0" encoding="utf-8"?>
+<p:notes xmlns:a="http://schemas.openxmlformats.org/drawingml/2006/main" xmlns:r="http://schemas.openxmlformats.org/officeDocument/2006/relationships" xmlns:p="http://schemas.openxmlformats.org/presentationml/2006/main" showMasterSp="0" showMasterPhAnim="0">
+  <p:cSld>
+    <p:spTree>
+      <p:nvGrpSpPr>
         <p:cNvPr id="1" name="Shape 252"/>
         <p:cNvGrpSpPr/>
         <p:nvPr/>
@@ -2729,7 +3831,7 @@
     </p:spTree>
     <p:extLst>
       <p:ext uri="{BB962C8B-B14F-4D97-AF65-F5344CB8AC3E}">
-        <p14:creationId xmlns:p14="http://schemas.microsoft.com/office/powerpoint/2010/main" val="1795536857"/>
+        <p14:creationId xmlns:p14="http://schemas.microsoft.com/office/powerpoint/2010/main" val="410070357"/>
       </p:ext>
     </p:extLst>
   </p:cSld>
@@ -2884,7 +3986,7 @@
     </p:spTree>
     <p:extLst>
       <p:ext uri="{BB962C8B-B14F-4D97-AF65-F5344CB8AC3E}">
-        <p14:creationId xmlns:p14="http://schemas.microsoft.com/office/powerpoint/2010/main" val="1558642770"/>
+        <p14:creationId xmlns:p14="http://schemas.microsoft.com/office/powerpoint/2010/main" val="606395694"/>
       </p:ext>
     </p:extLst>
   </p:cSld>
@@ -3039,7 +4141,7 @@
     </p:spTree>
     <p:extLst>
       <p:ext uri="{BB962C8B-B14F-4D97-AF65-F5344CB8AC3E}">
-        <p14:creationId xmlns:p14="http://schemas.microsoft.com/office/powerpoint/2010/main" val="1108710547"/>
+        <p14:creationId xmlns:p14="http://schemas.microsoft.com/office/powerpoint/2010/main" val="386790105"/>
       </p:ext>
     </p:extLst>
   </p:cSld>
@@ -18273,7 +19375,7 @@
                 <a:ea typeface="Arial Unicode MS" panose="020B0604020202020204" pitchFamily="34" charset="-128"/>
                 <a:cs typeface="Arial Unicode MS" panose="020B0604020202020204" pitchFamily="34" charset="-128"/>
               </a:rPr>
-              <a:t>Things the AGLDWG Does</a:t>
+              <a:t>Things the AGLDWG is doing now</a:t>
             </a:r>
             <a:endParaRPr sz="3200" dirty="0">
               <a:solidFill>
@@ -18308,7 +19410,7 @@
         </p:blipFill>
         <p:spPr>
           <a:xfrm rot="1242436">
-            <a:off x="4846739" y="1875294"/>
+            <a:off x="5331930" y="1968600"/>
             <a:ext cx="4319782" cy="3348441"/>
           </a:xfrm>
           <a:prstGeom prst="rect">
@@ -18363,7 +19465,23 @@
                 <a:ea typeface="Arial Unicode MS" panose="020B0604020202020204" pitchFamily="34" charset="-128"/>
                 <a:cs typeface="Arial Unicode MS" panose="020B0604020202020204" pitchFamily="34" charset="-128"/>
               </a:rPr>
-              <a:t>Facilitate the LD community</a:t>
+              <a:t>Engaging with </a:t>
+            </a:r>
+            <a:r>
+              <a:rPr lang="en-AU" sz="1600" dirty="0" err="1">
+                <a:latin typeface="Arial Unicode MS" panose="020B0604020202020204" pitchFamily="34" charset="-128"/>
+                <a:ea typeface="Arial Unicode MS" panose="020B0604020202020204" pitchFamily="34" charset="-128"/>
+                <a:cs typeface="Arial Unicode MS" panose="020B0604020202020204" pitchFamily="34" charset="-128"/>
+              </a:rPr>
+              <a:t>WoG</a:t>
+            </a:r>
+            <a:r>
+              <a:rPr lang="en-AU" sz="1600" dirty="0">
+                <a:latin typeface="Arial Unicode MS" panose="020B0604020202020204" pitchFamily="34" charset="-128"/>
+                <a:ea typeface="Arial Unicode MS" panose="020B0604020202020204" pitchFamily="34" charset="-128"/>
+                <a:cs typeface="Arial Unicode MS" panose="020B0604020202020204" pitchFamily="34" charset="-128"/>
+              </a:rPr>
+              <a:t> data initiatives - DAU</a:t>
             </a:r>
           </a:p>
           <a:p>
@@ -18392,23 +19510,7 @@
                 <a:ea typeface="Arial Unicode MS" panose="020B0604020202020204" pitchFamily="34" charset="-128"/>
                 <a:cs typeface="Arial Unicode MS" panose="020B0604020202020204" pitchFamily="34" charset="-128"/>
               </a:rPr>
-              <a:t>Engage with </a:t>
-            </a:r>
-            <a:r>
-              <a:rPr lang="en-AU" sz="1600" dirty="0" err="1">
-                <a:latin typeface="Arial Unicode MS" panose="020B0604020202020204" pitchFamily="34" charset="-128"/>
-                <a:ea typeface="Arial Unicode MS" panose="020B0604020202020204" pitchFamily="34" charset="-128"/>
-                <a:cs typeface="Arial Unicode MS" panose="020B0604020202020204" pitchFamily="34" charset="-128"/>
-              </a:rPr>
-              <a:t>WoG</a:t>
-            </a:r>
-            <a:r>
-              <a:rPr lang="en-AU" sz="1600" dirty="0">
-                <a:latin typeface="Arial Unicode MS" panose="020B0604020202020204" pitchFamily="34" charset="-128"/>
-                <a:ea typeface="Arial Unicode MS" panose="020B0604020202020204" pitchFamily="34" charset="-128"/>
-                <a:cs typeface="Arial Unicode MS" panose="020B0604020202020204" pitchFamily="34" charset="-128"/>
-              </a:rPr>
-              <a:t> data initiatives</a:t>
+              <a:t>Managing the linked.data.gov.au namespace</a:t>
             </a:r>
           </a:p>
           <a:p>
@@ -18437,7 +19539,7 @@
                 <a:ea typeface="Arial Unicode MS" panose="020B0604020202020204" pitchFamily="34" charset="-128"/>
                 <a:cs typeface="Arial Unicode MS" panose="020B0604020202020204" pitchFamily="34" charset="-128"/>
               </a:rPr>
-              <a:t>Manage linked.data.gov.au namespace</a:t>
+              <a:t>Establishing a LD resource catalogue</a:t>
             </a:r>
           </a:p>
           <a:p>
@@ -18466,98 +19568,7 @@
                 <a:ea typeface="Arial Unicode MS" panose="020B0604020202020204" pitchFamily="34" charset="-128"/>
                 <a:cs typeface="Arial Unicode MS" panose="020B0604020202020204" pitchFamily="34" charset="-128"/>
               </a:rPr>
-              <a:t>Provide guidelines for establishment of </a:t>
-            </a:r>
-            <a:br>
-              <a:rPr lang="en-AU" sz="1600" dirty="0">
-                <a:latin typeface="Arial Unicode MS" panose="020B0604020202020204" pitchFamily="34" charset="-128"/>
-                <a:ea typeface="Arial Unicode MS" panose="020B0604020202020204" pitchFamily="34" charset="-128"/>
-                <a:cs typeface="Arial Unicode MS" panose="020B0604020202020204" pitchFamily="34" charset="-128"/>
-              </a:rPr>
-            </a:br>
-            <a:r>
-              <a:rPr lang="en-AU" sz="1600" dirty="0">
-                <a:latin typeface="Arial Unicode MS" panose="020B0604020202020204" pitchFamily="34" charset="-128"/>
-                <a:ea typeface="Arial Unicode MS" panose="020B0604020202020204" pitchFamily="34" charset="-128"/>
-                <a:cs typeface="Arial Unicode MS" panose="020B0604020202020204" pitchFamily="34" charset="-128"/>
-              </a:rPr>
-              <a:t>Linked Data resources</a:t>
-            </a:r>
-          </a:p>
-          <a:p>
-            <a:pPr marL="285750" indent="-285750">
-              <a:spcBef>
-                <a:spcPts val="0"/>
-              </a:spcBef>
-              <a:buSzPts val="1600"/>
-            </a:pPr>
-            <a:endParaRPr lang="en-AU" sz="1600" dirty="0">
-              <a:latin typeface="Arial Unicode MS" panose="020B0604020202020204" pitchFamily="34" charset="-128"/>
-              <a:ea typeface="Arial Unicode MS" panose="020B0604020202020204" pitchFamily="34" charset="-128"/>
-              <a:cs typeface="Arial Unicode MS" panose="020B0604020202020204" pitchFamily="34" charset="-128"/>
-            </a:endParaRPr>
-          </a:p>
-          <a:p>
-            <a:pPr marL="285750" indent="-285750">
-              <a:spcBef>
-                <a:spcPts val="0"/>
-              </a:spcBef>
-              <a:buSzPts val="1600"/>
-            </a:pPr>
-            <a:r>
-              <a:rPr lang="en-AU" sz="1600" dirty="0">
-                <a:latin typeface="Arial Unicode MS" panose="020B0604020202020204" pitchFamily="34" charset="-128"/>
-                <a:ea typeface="Arial Unicode MS" panose="020B0604020202020204" pitchFamily="34" charset="-128"/>
-                <a:cs typeface="Arial Unicode MS" panose="020B0604020202020204" pitchFamily="34" charset="-128"/>
-              </a:rPr>
-              <a:t>Starting to move towards an integrated</a:t>
-            </a:r>
-            <a:br>
-              <a:rPr lang="en-AU" sz="1600" dirty="0">
-                <a:latin typeface="Arial Unicode MS" panose="020B0604020202020204" pitchFamily="34" charset="-128"/>
-                <a:ea typeface="Arial Unicode MS" panose="020B0604020202020204" pitchFamily="34" charset="-128"/>
-                <a:cs typeface="Arial Unicode MS" panose="020B0604020202020204" pitchFamily="34" charset="-128"/>
-              </a:rPr>
-            </a:br>
-            <a:r>
-              <a:rPr lang="en-AU" sz="1600" dirty="0">
-                <a:latin typeface="Arial Unicode MS" panose="020B0604020202020204" pitchFamily="34" charset="-128"/>
-                <a:ea typeface="Arial Unicode MS" panose="020B0604020202020204" pitchFamily="34" charset="-128"/>
-                <a:cs typeface="Arial Unicode MS" panose="020B0604020202020204" pitchFamily="34" charset="-128"/>
-              </a:rPr>
-              <a:t>set of </a:t>
-            </a:r>
-            <a:r>
-              <a:rPr lang="en-AU" sz="1600" dirty="0" err="1">
-                <a:latin typeface="Arial Unicode MS" panose="020B0604020202020204" pitchFamily="34" charset="-128"/>
-                <a:ea typeface="Arial Unicode MS" panose="020B0604020202020204" pitchFamily="34" charset="-128"/>
-                <a:cs typeface="Arial Unicode MS" panose="020B0604020202020204" pitchFamily="34" charset="-128"/>
-              </a:rPr>
-              <a:t>Aut</a:t>
-            </a:r>
-            <a:r>
-              <a:rPr lang="en-AU" sz="1600" dirty="0">
-                <a:latin typeface="Arial Unicode MS" panose="020B0604020202020204" pitchFamily="34" charset="-128"/>
-                <a:ea typeface="Arial Unicode MS" panose="020B0604020202020204" pitchFamily="34" charset="-128"/>
-                <a:cs typeface="Arial Unicode MS" panose="020B0604020202020204" pitchFamily="34" charset="-128"/>
-              </a:rPr>
-              <a:t> </a:t>
-            </a:r>
-            <a:r>
-              <a:rPr lang="en-AU" sz="1600" dirty="0" err="1">
-                <a:latin typeface="Arial Unicode MS" panose="020B0604020202020204" pitchFamily="34" charset="-128"/>
-                <a:ea typeface="Arial Unicode MS" panose="020B0604020202020204" pitchFamily="34" charset="-128"/>
-                <a:cs typeface="Arial Unicode MS" panose="020B0604020202020204" pitchFamily="34" charset="-128"/>
-              </a:rPr>
-              <a:t>Gov</a:t>
-            </a:r>
-            <a:r>
-              <a:rPr lang="en-AU" sz="1600" dirty="0">
-                <a:latin typeface="Arial Unicode MS" panose="020B0604020202020204" pitchFamily="34" charset="-128"/>
-                <a:ea typeface="Arial Unicode MS" panose="020B0604020202020204" pitchFamily="34" charset="-128"/>
-                <a:cs typeface="Arial Unicode MS" panose="020B0604020202020204" pitchFamily="34" charset="-128"/>
-              </a:rPr>
-              <a:t>-approved ontologies</a:t>
+              <a:t>Moving towards an integrated set of ontologies</a:t>
             </a:r>
             <a:endParaRPr lang="en-AU" sz="1400" dirty="0">
               <a:solidFill>
@@ -18639,7 +19650,7 @@
                 <a:ea typeface="Arial Unicode MS" panose="020B0604020202020204" pitchFamily="34" charset="-128"/>
                 <a:cs typeface="Arial Unicode MS" panose="020B0604020202020204" pitchFamily="34" charset="-128"/>
               </a:rPr>
-              <a:t>Linked Data catalogue</a:t>
+              <a:t>Managing linked.data.gov.au</a:t>
             </a:r>
             <a:endParaRPr sz="3000" b="0" dirty="0"/>
           </a:p>
@@ -18685,16 +19696,16 @@
                 <a:ea typeface="Arial Unicode MS" panose="020B0604020202020204" pitchFamily="34" charset="-128"/>
                 <a:cs typeface="Arial Unicode MS" panose="020B0604020202020204" pitchFamily="34" charset="-128"/>
               </a:rPr>
-              <a:t>Developing a catalogue of Linked Data </a:t>
-            </a:r>
-          </a:p>
-          <a:p>
-            <a:pPr marL="457200" marR="0" lvl="0" indent="-342900" algn="l" rtl="0">
+              <a:t>The WG is establishing a new URI allocation mechanism that:</a:t>
+            </a:r>
+          </a:p>
+          <a:p>
+            <a:pPr lvl="1" indent="-342900">
               <a:lnSpc>
                 <a:spcPct val="150000"/>
               </a:lnSpc>
               <a:spcBef>
-                <a:spcPts val="0"/>
+                <a:spcPts val="640"/>
               </a:spcBef>
               <a:spcAft>
                 <a:spcPts val="600"/>
@@ -18703,21 +19714,21 @@
               <a:buChar char="•"/>
             </a:pPr>
             <a:r>
-              <a:rPr lang="en-AU" sz="1600" dirty="0">
+              <a:rPr lang="en-AU" sz="1400" dirty="0">
                 <a:latin typeface="Arial Unicode MS" panose="020B0604020202020204" pitchFamily="34" charset="-128"/>
                 <a:ea typeface="Arial Unicode MS" panose="020B0604020202020204" pitchFamily="34" charset="-128"/>
                 <a:cs typeface="Arial Unicode MS" panose="020B0604020202020204" pitchFamily="34" charset="-128"/>
               </a:rPr>
-              <a:t>AGISO aims to integrate these and future ontologies allowing them to be used individually or collectively in a seamless way: as if they were one data model</a:t>
-            </a:r>
-          </a:p>
-          <a:p>
-            <a:pPr marL="457200" marR="0" lvl="0" indent="-342900" algn="l" rtl="0">
+              <a:t>Stable for the long-term</a:t>
+            </a:r>
+          </a:p>
+          <a:p>
+            <a:pPr lvl="1" indent="-342900">
               <a:lnSpc>
                 <a:spcPct val="150000"/>
               </a:lnSpc>
               <a:spcBef>
-                <a:spcPts val="0"/>
+                <a:spcPts val="640"/>
               </a:spcBef>
               <a:spcAft>
                 <a:spcPts val="600"/>
@@ -18725,14 +19736,11 @@
               <a:buSzPts val="1800"/>
               <a:buChar char="•"/>
             </a:pPr>
-            <a:r>
-              <a:rPr lang="en-AU" sz="1600" dirty="0">
-                <a:latin typeface="Arial Unicode MS" panose="020B0604020202020204" pitchFamily="34" charset="-128"/>
-                <a:ea typeface="Arial Unicode MS" panose="020B0604020202020204" pitchFamily="34" charset="-128"/>
-                <a:cs typeface="Arial Unicode MS" panose="020B0604020202020204" pitchFamily="34" charset="-128"/>
-              </a:rPr>
-              <a:t>In making this proposal, the AGLDWG steps beyond international precedent regarding government Linked Data initiatives, in that we intend to provide semantic modelling resources and governance, not just guidelines and recommendations for Linked Data publication</a:t>
-            </a:r>
+            <a:endParaRPr lang="en-AU" sz="1400" dirty="0">
+              <a:latin typeface="Arial Unicode MS" panose="020B0604020202020204" pitchFamily="34" charset="-128"/>
+              <a:ea typeface="Arial Unicode MS" panose="020B0604020202020204" pitchFamily="34" charset="-128"/>
+              <a:cs typeface="Arial Unicode MS" panose="020B0604020202020204" pitchFamily="34" charset="-128"/>
+            </a:endParaRPr>
           </a:p>
         </p:txBody>
       </p:sp>
@@ -18805,7 +19813,7 @@
                 <a:ea typeface="Arial Unicode MS" panose="020B0604020202020204" pitchFamily="34" charset="-128"/>
                 <a:cs typeface="Arial Unicode MS" panose="020B0604020202020204" pitchFamily="34" charset="-128"/>
               </a:rPr>
-              <a:t>Aust Govt Integrated Set of Ontologies (AGISO)</a:t>
+              <a:t>Managing linked.data.gov.au</a:t>
             </a:r>
             <a:endParaRPr sz="3000" b="0" dirty="0"/>
           </a:p>
@@ -18832,7 +19840,7 @@
           </a:bodyPr>
           <a:lstStyle/>
           <a:p>
-            <a:pPr marL="0" lvl="0" indent="0" rtl="0">
+            <a:pPr marL="457200" marR="0" lvl="0" indent="-342900" algn="l" rtl="0">
               <a:lnSpc>
                 <a:spcPct val="150000"/>
               </a:lnSpc>
@@ -18842,37 +19850,63 @@
               <a:spcAft>
                 <a:spcPts val="600"/>
               </a:spcAft>
-              <a:buClr>
-                <a:schemeClr val="dk1"/>
-              </a:buClr>
-              <a:buSzPts val="1100"/>
-              <a:buFont typeface="Arial"/>
-              <a:buNone/>
+              <a:buSzPts val="1800"/>
+              <a:buChar char="•"/>
             </a:pPr>
             <a:r>
-              <a:rPr lang="en-US" sz="1600" dirty="0">
+              <a:rPr lang="en-AU" sz="1600" dirty="0">
                 <a:latin typeface="Arial Unicode MS" panose="020B0604020202020204" pitchFamily="34" charset="-128"/>
                 <a:ea typeface="Arial Unicode MS" panose="020B0604020202020204" pitchFamily="34" charset="-128"/>
                 <a:cs typeface="Arial Unicode MS" panose="020B0604020202020204" pitchFamily="34" charset="-128"/>
               </a:rPr>
-              <a:t>The WG is in the process of developing a proposal for an </a:t>
-            </a:r>
-            <a:r>
-              <a:rPr lang="en-US" sz="1600" u="sng" dirty="0">
+              <a:t>The WG is establishing a new URI allocation mechanism that:</a:t>
+            </a:r>
+          </a:p>
+          <a:p>
+            <a:pPr lvl="1" indent="-342900">
+              <a:lnSpc>
+                <a:spcPct val="150000"/>
+              </a:lnSpc>
+              <a:spcBef>
+                <a:spcPts val="640"/>
+              </a:spcBef>
+              <a:spcAft>
+                <a:spcPts val="600"/>
+              </a:spcAft>
+              <a:buSzPts val="1800"/>
+              <a:buChar char="•"/>
+            </a:pPr>
+            <a:r>
+              <a:rPr lang="en-AU" sz="1400" dirty="0">
                 <a:latin typeface="Arial Unicode MS" panose="020B0604020202020204" pitchFamily="34" charset="-128"/>
                 <a:ea typeface="Arial Unicode MS" panose="020B0604020202020204" pitchFamily="34" charset="-128"/>
                 <a:cs typeface="Arial Unicode MS" panose="020B0604020202020204" pitchFamily="34" charset="-128"/>
               </a:rPr>
-              <a:t>integrated set of ontologies</a:t>
-            </a:r>
-            <a:endParaRPr sz="1600" u="sng" dirty="0">
+              <a:t>Stable for the long-term</a:t>
+            </a:r>
+          </a:p>
+          <a:p>
+            <a:pPr lvl="1" indent="-342900">
+              <a:lnSpc>
+                <a:spcPct val="150000"/>
+              </a:lnSpc>
+              <a:spcBef>
+                <a:spcPts val="640"/>
+              </a:spcBef>
+              <a:spcAft>
+                <a:spcPts val="600"/>
+              </a:spcAft>
+              <a:buSzPts val="1800"/>
+              <a:buChar char="•"/>
+            </a:pPr>
+            <a:endParaRPr lang="en-AU" sz="1400" dirty="0">
               <a:latin typeface="Arial Unicode MS" panose="020B0604020202020204" pitchFamily="34" charset="-128"/>
               <a:ea typeface="Arial Unicode MS" panose="020B0604020202020204" pitchFamily="34" charset="-128"/>
               <a:cs typeface="Arial Unicode MS" panose="020B0604020202020204" pitchFamily="34" charset="-128"/>
             </a:endParaRPr>
           </a:p>
           <a:p>
-            <a:pPr marL="457200" marR="0" lvl="0" indent="-342900" algn="l" rtl="0">
+            <a:pPr lvl="1" indent="-342900">
               <a:lnSpc>
                 <a:spcPct val="150000"/>
               </a:lnSpc>
@@ -18886,26 +19920,21 @@
               <a:buChar char="•"/>
             </a:pPr>
             <a:r>
-              <a:rPr lang="en-US" sz="1600" dirty="0">
+              <a:rPr lang="en-AU" sz="1400" dirty="0">
                 <a:latin typeface="Arial Unicode MS" panose="020B0604020202020204" pitchFamily="34" charset="-128"/>
                 <a:ea typeface="Arial Unicode MS" panose="020B0604020202020204" pitchFamily="34" charset="-128"/>
                 <a:cs typeface="Arial Unicode MS" panose="020B0604020202020204" pitchFamily="34" charset="-128"/>
               </a:rPr>
-              <a:t>Currently, there are several ontologies (e.g. Dataset ontology, AGRIF) being developed with a ‘whole of government’ focus</a:t>
-            </a:r>
-            <a:endParaRPr sz="1600" dirty="0">
-              <a:latin typeface="Arial Unicode MS" panose="020B0604020202020204" pitchFamily="34" charset="-128"/>
-              <a:ea typeface="Arial Unicode MS" panose="020B0604020202020204" pitchFamily="34" charset="-128"/>
-              <a:cs typeface="Arial Unicode MS" panose="020B0604020202020204" pitchFamily="34" charset="-128"/>
-            </a:endParaRPr>
-          </a:p>
-          <a:p>
-            <a:pPr marL="457200" marR="0" lvl="0" indent="-342900" algn="l" rtl="0">
+              <a:t>An MoU is the start of that</a:t>
+            </a:r>
+          </a:p>
+          <a:p>
+            <a:pPr lvl="1" indent="-342900">
               <a:lnSpc>
                 <a:spcPct val="150000"/>
               </a:lnSpc>
               <a:spcBef>
-                <a:spcPts val="0"/>
+                <a:spcPts val="640"/>
               </a:spcBef>
               <a:spcAft>
                 <a:spcPts val="600"/>
@@ -18914,53 +19943,20 @@
               <a:buChar char="•"/>
             </a:pPr>
             <a:r>
-              <a:rPr lang="en-US" sz="1600" dirty="0">
+              <a:rPr lang="en-AU" sz="1400" dirty="0">
                 <a:latin typeface="Arial Unicode MS" panose="020B0604020202020204" pitchFamily="34" charset="-128"/>
                 <a:ea typeface="Arial Unicode MS" panose="020B0604020202020204" pitchFamily="34" charset="-128"/>
                 <a:cs typeface="Arial Unicode MS" panose="020B0604020202020204" pitchFamily="34" charset="-128"/>
               </a:rPr>
-              <a:t>AGISO aims to integrate these and future ontologies allowing them to be used individually or collectively in a seamless way: as if they were one data model</a:t>
-            </a:r>
-            <a:endParaRPr sz="1600" dirty="0">
-              <a:latin typeface="Arial Unicode MS" panose="020B0604020202020204" pitchFamily="34" charset="-128"/>
-              <a:ea typeface="Arial Unicode MS" panose="020B0604020202020204" pitchFamily="34" charset="-128"/>
-              <a:cs typeface="Arial Unicode MS" panose="020B0604020202020204" pitchFamily="34" charset="-128"/>
-            </a:endParaRPr>
-          </a:p>
-          <a:p>
-            <a:pPr marL="457200" marR="0" lvl="0" indent="-342900" algn="l" rtl="0">
-              <a:lnSpc>
-                <a:spcPct val="150000"/>
-              </a:lnSpc>
-              <a:spcBef>
-                <a:spcPts val="0"/>
-              </a:spcBef>
-              <a:spcAft>
-                <a:spcPts val="600"/>
-              </a:spcAft>
-              <a:buSzPts val="1800"/>
-              <a:buChar char="•"/>
-            </a:pPr>
-            <a:r>
-              <a:rPr lang="en-US" sz="1600" dirty="0">
-                <a:latin typeface="Arial Unicode MS" panose="020B0604020202020204" pitchFamily="34" charset="-128"/>
-                <a:ea typeface="Arial Unicode MS" panose="020B0604020202020204" pitchFamily="34" charset="-128"/>
-                <a:cs typeface="Arial Unicode MS" panose="020B0604020202020204" pitchFamily="34" charset="-128"/>
-              </a:rPr>
-              <a:t>In making this proposal, the AGLDWG steps beyond international precedent regarding government Linked Data initiatives, in that we intend to provide semantic modelling resources and governance, not just guidelines and recommendations for Linked Data publication</a:t>
-            </a:r>
-            <a:endParaRPr sz="1600" dirty="0">
-              <a:latin typeface="Arial Unicode MS" panose="020B0604020202020204" pitchFamily="34" charset="-128"/>
-              <a:ea typeface="Arial Unicode MS" panose="020B0604020202020204" pitchFamily="34" charset="-128"/>
-              <a:cs typeface="Arial Unicode MS" panose="020B0604020202020204" pitchFamily="34" charset="-128"/>
-            </a:endParaRPr>
+              <a:t>Likely more formal agreements to come</a:t>
+            </a:r>
           </a:p>
         </p:txBody>
       </p:sp>
     </p:spTree>
     <p:extLst>
       <p:ext uri="{BB962C8B-B14F-4D97-AF65-F5344CB8AC3E}">
-        <p14:creationId xmlns:p14="http://schemas.microsoft.com/office/powerpoint/2010/main" val="3201475373"/>
+        <p14:creationId xmlns:p14="http://schemas.microsoft.com/office/powerpoint/2010/main" val="938071572"/>
       </p:ext>
     </p:extLst>
   </p:cSld>
@@ -19031,7 +20027,7 @@
                 <a:ea typeface="Arial Unicode MS" panose="020B0604020202020204" pitchFamily="34" charset="-128"/>
                 <a:cs typeface="Arial Unicode MS" panose="020B0604020202020204" pitchFamily="34" charset="-128"/>
               </a:rPr>
-              <a:t>AGISO cont.</a:t>
+              <a:t>Managing linked.data.gov.au</a:t>
             </a:r>
             <a:endParaRPr sz="3000" b="0" dirty="0"/>
           </a:p>
@@ -19058,42 +20054,18 @@
           </a:bodyPr>
           <a:lstStyle/>
           <a:p>
-            <a:pPr marL="0" lvl="0" indent="0" rtl="0">
+            <a:pPr marL="457200" marR="0" lvl="0" indent="-342900" algn="l" rtl="0">
+              <a:lnSpc>
+                <a:spcPct val="150000"/>
+              </a:lnSpc>
               <a:spcBef>
                 <a:spcPts val="640"/>
               </a:spcBef>
               <a:spcAft>
                 <a:spcPts val="600"/>
               </a:spcAft>
-              <a:buClr>
-                <a:schemeClr val="dk1"/>
-              </a:buClr>
-              <a:buSzPts val="1100"/>
-              <a:buFont typeface="Arial"/>
-              <a:buNone/>
-            </a:pPr>
-            <a:r>
-              <a:rPr lang="en-AU" sz="1600" b="1" dirty="0">
-                <a:latin typeface="Arial Unicode MS" panose="020B0604020202020204" pitchFamily="34" charset="-128"/>
-                <a:ea typeface="Arial Unicode MS" panose="020B0604020202020204" pitchFamily="34" charset="-128"/>
-                <a:cs typeface="Arial Unicode MS" panose="020B0604020202020204" pitchFamily="34" charset="-128"/>
-              </a:rPr>
-              <a:t>Expected methods</a:t>
-            </a:r>
-          </a:p>
-          <a:p>
-            <a:pPr marL="0" indent="0">
-              <a:spcBef>
-                <a:spcPts val="640"/>
-              </a:spcBef>
-              <a:spcAft>
-                <a:spcPts val="600"/>
-              </a:spcAft>
-              <a:buClr>
-                <a:schemeClr val="dk1"/>
-              </a:buClr>
-              <a:buSzPts val="1100"/>
-              <a:buNone/>
+              <a:buSzPts val="1800"/>
+              <a:buChar char="•"/>
             </a:pPr>
             <a:r>
               <a:rPr lang="en-AU" sz="1600" dirty="0">
@@ -19101,170 +20073,104 @@
                 <a:ea typeface="Arial Unicode MS" panose="020B0604020202020204" pitchFamily="34" charset="-128"/>
                 <a:cs typeface="Arial Unicode MS" panose="020B0604020202020204" pitchFamily="34" charset="-128"/>
               </a:rPr>
-              <a:t>A new ontology is submitted:</a:t>
-            </a:r>
-          </a:p>
-          <a:p>
-            <a:pPr lvl="0" indent="-330200">
+              <a:t>The WG is establishing a new URI allocation mechanism that:</a:t>
+            </a:r>
+          </a:p>
+          <a:p>
+            <a:pPr lvl="1" indent="-342900">
               <a:lnSpc>
                 <a:spcPct val="150000"/>
               </a:lnSpc>
               <a:spcBef>
-                <a:spcPts val="0"/>
-              </a:spcBef>
-              <a:buSzPts val="1600"/>
+                <a:spcPts val="640"/>
+              </a:spcBef>
+              <a:spcAft>
+                <a:spcPts val="600"/>
+              </a:spcAft>
+              <a:buSzPts val="1800"/>
+              <a:buChar char="•"/>
             </a:pPr>
             <a:r>
-              <a:rPr lang="en-AU" sz="1600" dirty="0">
+              <a:rPr lang="en-AU" sz="1400" dirty="0">
                 <a:latin typeface="Arial Unicode MS" panose="020B0604020202020204" pitchFamily="34" charset="-128"/>
                 <a:ea typeface="Arial Unicode MS" panose="020B0604020202020204" pitchFamily="34" charset="-128"/>
                 <a:cs typeface="Arial Unicode MS" panose="020B0604020202020204" pitchFamily="34" charset="-128"/>
               </a:rPr>
-              <a:t>Proponent </a:t>
-            </a:r>
-            <a:r>
-              <a:rPr lang="en-AU" sz="1600" i="1" dirty="0">
+              <a:t>Stable for the long-term</a:t>
+            </a:r>
+          </a:p>
+          <a:p>
+            <a:pPr lvl="1" indent="-342900">
+              <a:lnSpc>
+                <a:spcPct val="150000"/>
+              </a:lnSpc>
+              <a:spcBef>
+                <a:spcPts val="640"/>
+              </a:spcBef>
+              <a:spcAft>
+                <a:spcPts val="600"/>
+              </a:spcAft>
+              <a:buSzPts val="1800"/>
+              <a:buChar char="•"/>
+            </a:pPr>
+            <a:r>
+              <a:rPr lang="en-AU" sz="1400" dirty="0">
                 <a:latin typeface="Arial Unicode MS" panose="020B0604020202020204" pitchFamily="34" charset="-128"/>
                 <a:ea typeface="Arial Unicode MS" panose="020B0604020202020204" pitchFamily="34" charset="-128"/>
                 <a:cs typeface="Arial Unicode MS" panose="020B0604020202020204" pitchFamily="34" charset="-128"/>
               </a:rPr>
-              <a:t>should</a:t>
-            </a:r>
-            <a:r>
-              <a:rPr lang="en-AU" sz="1600" dirty="0">
+              <a:t>Gives persistent identity and resolution to web resources</a:t>
+            </a:r>
+          </a:p>
+          <a:p>
+            <a:pPr lvl="1" indent="-342900">
+              <a:lnSpc>
+                <a:spcPct val="150000"/>
+              </a:lnSpc>
+              <a:spcBef>
+                <a:spcPts val="640"/>
+              </a:spcBef>
+              <a:spcAft>
+                <a:spcPts val="600"/>
+              </a:spcAft>
+              <a:buSzPts val="1800"/>
+              <a:buChar char="•"/>
+            </a:pPr>
+            <a:r>
+              <a:rPr lang="en-AU" sz="1400" dirty="0">
                 <a:latin typeface="Arial Unicode MS" panose="020B0604020202020204" pitchFamily="34" charset="-128"/>
                 <a:ea typeface="Arial Unicode MS" panose="020B0604020202020204" pitchFamily="34" charset="-128"/>
                 <a:cs typeface="Arial Unicode MS" panose="020B0604020202020204" pitchFamily="34" charset="-128"/>
               </a:rPr>
-              <a:t> model with AGISO in mind</a:t>
-            </a:r>
-          </a:p>
-          <a:p>
-            <a:pPr lvl="0" indent="-330200">
+              <a:t>Gives addresses for whole datasets and individual elements</a:t>
+            </a:r>
+          </a:p>
+          <a:p>
+            <a:pPr lvl="1" indent="-342900">
               <a:lnSpc>
                 <a:spcPct val="150000"/>
               </a:lnSpc>
               <a:spcBef>
-                <a:spcPts val="0"/>
-              </a:spcBef>
-              <a:buSzPts val="1600"/>
+                <a:spcPts val="640"/>
+              </a:spcBef>
+              <a:spcAft>
+                <a:spcPts val="600"/>
+              </a:spcAft>
+              <a:buSzPts val="1800"/>
+              <a:buChar char="•"/>
             </a:pPr>
-            <a:r>
-              <a:rPr lang="en-AU" sz="1600" dirty="0">
-                <a:latin typeface="Arial Unicode MS" panose="020B0604020202020204" pitchFamily="34" charset="-128"/>
-                <a:ea typeface="Arial Unicode MS" panose="020B0604020202020204" pitchFamily="34" charset="-128"/>
-                <a:cs typeface="Arial Unicode MS" panose="020B0604020202020204" pitchFamily="34" charset="-128"/>
-              </a:rPr>
-              <a:t>Proponent </a:t>
-            </a:r>
-            <a:r>
-              <a:rPr lang="en-AU" sz="1600" i="1" dirty="0">
-                <a:latin typeface="Arial Unicode MS" panose="020B0604020202020204" pitchFamily="34" charset="-128"/>
-                <a:ea typeface="Arial Unicode MS" panose="020B0604020202020204" pitchFamily="34" charset="-128"/>
-                <a:cs typeface="Arial Unicode MS" panose="020B0604020202020204" pitchFamily="34" charset="-128"/>
-              </a:rPr>
-              <a:t>must</a:t>
-            </a:r>
-            <a:r>
-              <a:rPr lang="en-AU" sz="1600" dirty="0">
-                <a:latin typeface="Arial Unicode MS" panose="020B0604020202020204" pitchFamily="34" charset="-128"/>
-                <a:ea typeface="Arial Unicode MS" panose="020B0604020202020204" pitchFamily="34" charset="-128"/>
-                <a:cs typeface="Arial Unicode MS" panose="020B0604020202020204" pitchFamily="34" charset="-128"/>
-              </a:rPr>
-              <a:t> present the ontology to an association testing tool</a:t>
-            </a:r>
-          </a:p>
-          <a:p>
-            <a:pPr lvl="0" indent="-330200">
-              <a:lnSpc>
-                <a:spcPct val="150000"/>
-              </a:lnSpc>
-              <a:spcBef>
-                <a:spcPts val="0"/>
-              </a:spcBef>
-              <a:buSzPts val="1600"/>
-            </a:pPr>
-            <a:r>
-              <a:rPr lang="en-AU" sz="1600" dirty="0">
-                <a:latin typeface="Arial Unicode MS" panose="020B0604020202020204" pitchFamily="34" charset="-128"/>
-                <a:ea typeface="Arial Unicode MS" panose="020B0604020202020204" pitchFamily="34" charset="-128"/>
-                <a:cs typeface="Arial Unicode MS" panose="020B0604020202020204" pitchFamily="34" charset="-128"/>
-              </a:rPr>
-              <a:t>AT Tool will indicate how, if at all, the ontology’s elements link to the existing AGISO ontologies</a:t>
-            </a:r>
-          </a:p>
-          <a:p>
-            <a:pPr lvl="1" indent="-330200">
-              <a:lnSpc>
-                <a:spcPct val="150000"/>
-              </a:lnSpc>
-              <a:spcBef>
-                <a:spcPts val="0"/>
-              </a:spcBef>
-              <a:buSzPts val="1600"/>
-            </a:pPr>
-            <a:r>
-              <a:rPr lang="en-AU" sz="1400" dirty="0">
-                <a:solidFill>
-                  <a:srgbClr val="234061"/>
-                </a:solidFill>
-                <a:latin typeface="Arial Unicode MS" panose="020B0604020202020204" pitchFamily="34" charset="-128"/>
-                <a:ea typeface="Arial Unicode MS" panose="020B0604020202020204" pitchFamily="34" charset="-128"/>
-                <a:cs typeface="Arial Unicode MS" panose="020B0604020202020204" pitchFamily="34" charset="-128"/>
-              </a:rPr>
-              <a:t>Tool assists, but does not complete, compliance processes: links made will be indicative only, human oversight needed</a:t>
-            </a:r>
-          </a:p>
-          <a:p>
-            <a:pPr lvl="1" indent="-330200">
-              <a:lnSpc>
-                <a:spcPct val="150000"/>
-              </a:lnSpc>
-              <a:spcBef>
-                <a:spcPts val="0"/>
-              </a:spcBef>
-              <a:buSzPts val="1600"/>
-            </a:pPr>
-            <a:r>
-              <a:rPr lang="en-AU" sz="1400" dirty="0">
-                <a:solidFill>
-                  <a:srgbClr val="234061"/>
-                </a:solidFill>
-                <a:latin typeface="Arial Unicode MS" panose="020B0604020202020204" pitchFamily="34" charset="-128"/>
-                <a:ea typeface="Arial Unicode MS" panose="020B0604020202020204" pitchFamily="34" charset="-128"/>
-                <a:cs typeface="Arial Unicode MS" panose="020B0604020202020204" pitchFamily="34" charset="-128"/>
-              </a:rPr>
-              <a:t>Unlinked classes especially scrutinised to determine reason for non-linking (non-reuse)</a:t>
-            </a:r>
-          </a:p>
-          <a:p>
-            <a:pPr indent="-330200">
-              <a:lnSpc>
-                <a:spcPct val="150000"/>
-              </a:lnSpc>
-              <a:spcBef>
-                <a:spcPts val="0"/>
-              </a:spcBef>
-              <a:buSzPts val="1600"/>
-            </a:pPr>
-            <a:r>
-              <a:rPr lang="en-AU" sz="1600" dirty="0">
-                <a:solidFill>
-                  <a:srgbClr val="234061"/>
-                </a:solidFill>
-                <a:latin typeface="Arial Unicode MS" panose="020B0604020202020204" pitchFamily="34" charset="-128"/>
-                <a:ea typeface="Arial Unicode MS" panose="020B0604020202020204" pitchFamily="34" charset="-128"/>
-                <a:cs typeface="Arial Unicode MS" panose="020B0604020202020204" pitchFamily="34" charset="-128"/>
-              </a:rPr>
-              <a:t>WG publishes ontology into AGISO if satisfied with level of reuse</a:t>
-            </a:r>
+            <a:endParaRPr lang="en-AU" sz="1400" dirty="0">
+              <a:latin typeface="Arial Unicode MS" panose="020B0604020202020204" pitchFamily="34" charset="-128"/>
+              <a:ea typeface="Arial Unicode MS" panose="020B0604020202020204" pitchFamily="34" charset="-128"/>
+              <a:cs typeface="Arial Unicode MS" panose="020B0604020202020204" pitchFamily="34" charset="-128"/>
+            </a:endParaRPr>
           </a:p>
         </p:txBody>
       </p:sp>
     </p:spTree>
     <p:extLst>
       <p:ext uri="{BB962C8B-B14F-4D97-AF65-F5344CB8AC3E}">
-        <p14:creationId xmlns:p14="http://schemas.microsoft.com/office/powerpoint/2010/main" val="2895060695"/>
+        <p14:creationId xmlns:p14="http://schemas.microsoft.com/office/powerpoint/2010/main" val="3012958585"/>
       </p:ext>
     </p:extLst>
   </p:cSld>
@@ -19335,1586 +20241,234 @@
                 <a:ea typeface="Arial Unicode MS" panose="020B0604020202020204" pitchFamily="34" charset="-128"/>
                 <a:cs typeface="Arial Unicode MS" panose="020B0604020202020204" pitchFamily="34" charset="-128"/>
               </a:rPr>
-              <a:t>LD Data Integration in Earth Sciences</a:t>
-            </a:r>
-            <a:endParaRPr sz="3200" dirty="0">
-              <a:solidFill>
-                <a:srgbClr val="851902"/>
-              </a:solidFill>
+              <a:t>Managing linked.data.gov.au</a:t>
+            </a:r>
+            <a:endParaRPr sz="3000" b="0" dirty="0"/>
+          </a:p>
+        </p:txBody>
+      </p:sp>
+      <p:sp>
+        <p:nvSpPr>
+          <p:cNvPr id="185" name="Shape 185"/>
+          <p:cNvSpPr txBox="1">
+            <a:spLocks noGrp="1"/>
+          </p:cNvSpPr>
+          <p:nvPr>
+            <p:ph type="body" idx="1"/>
+          </p:nvPr>
+        </p:nvSpPr>
+        <p:spPr>
+          <a:prstGeom prst="rect">
+            <a:avLst/>
+          </a:prstGeom>
+        </p:spPr>
+        <p:txBody>
+          <a:bodyPr spcFirstLastPara="1" wrap="square" lIns="91425" tIns="91425" rIns="91425" bIns="91425" anchor="t" anchorCtr="0">
+            <a:noAutofit/>
+          </a:bodyPr>
+          <a:lstStyle/>
+          <a:p>
+            <a:pPr marL="457200" marR="0" lvl="0" indent="-342900" algn="l" rtl="0">
+              <a:lnSpc>
+                <a:spcPct val="150000"/>
+              </a:lnSpc>
+              <a:spcBef>
+                <a:spcPts val="640"/>
+              </a:spcBef>
+              <a:spcAft>
+                <a:spcPts val="600"/>
+              </a:spcAft>
+              <a:buSzPts val="1800"/>
+              <a:buChar char="•"/>
+            </a:pPr>
+            <a:r>
+              <a:rPr lang="en-AU" sz="1600" dirty="0">
+                <a:latin typeface="Arial Unicode MS" panose="020B0604020202020204" pitchFamily="34" charset="-128"/>
+                <a:ea typeface="Arial Unicode MS" panose="020B0604020202020204" pitchFamily="34" charset="-128"/>
+                <a:cs typeface="Arial Unicode MS" panose="020B0604020202020204" pitchFamily="34" charset="-128"/>
+              </a:rPr>
+              <a:t>The WG is establishing a new URI allocation mechanism that:</a:t>
+            </a:r>
+          </a:p>
+          <a:p>
+            <a:pPr lvl="1" indent="-342900">
+              <a:lnSpc>
+                <a:spcPct val="150000"/>
+              </a:lnSpc>
+              <a:spcBef>
+                <a:spcPts val="640"/>
+              </a:spcBef>
+              <a:spcAft>
+                <a:spcPts val="600"/>
+              </a:spcAft>
+              <a:buSzPts val="1800"/>
+              <a:buChar char="•"/>
+            </a:pPr>
+            <a:r>
+              <a:rPr lang="en-AU" sz="1400" dirty="0">
+                <a:latin typeface="Arial Unicode MS" panose="020B0604020202020204" pitchFamily="34" charset="-128"/>
+                <a:ea typeface="Arial Unicode MS" panose="020B0604020202020204" pitchFamily="34" charset="-128"/>
+                <a:cs typeface="Arial Unicode MS" panose="020B0604020202020204" pitchFamily="34" charset="-128"/>
+              </a:rPr>
+              <a:t>Stable for the long-term</a:t>
+            </a:r>
+          </a:p>
+          <a:p>
+            <a:pPr lvl="1" indent="-342900">
+              <a:lnSpc>
+                <a:spcPct val="150000"/>
+              </a:lnSpc>
+              <a:spcBef>
+                <a:spcPts val="640"/>
+              </a:spcBef>
+              <a:spcAft>
+                <a:spcPts val="600"/>
+              </a:spcAft>
+              <a:buSzPts val="1800"/>
+              <a:buChar char="•"/>
+            </a:pPr>
+            <a:r>
+              <a:rPr lang="en-AU" sz="1400" dirty="0">
+                <a:latin typeface="Arial Unicode MS" panose="020B0604020202020204" pitchFamily="34" charset="-128"/>
+                <a:ea typeface="Arial Unicode MS" panose="020B0604020202020204" pitchFamily="34" charset="-128"/>
+                <a:cs typeface="Arial Unicode MS" panose="020B0604020202020204" pitchFamily="34" charset="-128"/>
+              </a:rPr>
+              <a:t>Gives persistent identity and resolution to web resources</a:t>
+            </a:r>
+          </a:p>
+          <a:p>
+            <a:pPr lvl="1" indent="-342900">
+              <a:lnSpc>
+                <a:spcPct val="150000"/>
+              </a:lnSpc>
+              <a:spcBef>
+                <a:spcPts val="640"/>
+              </a:spcBef>
+              <a:spcAft>
+                <a:spcPts val="600"/>
+              </a:spcAft>
+              <a:buSzPts val="1800"/>
+              <a:buChar char="•"/>
+            </a:pPr>
+            <a:r>
+              <a:rPr lang="en-AU" sz="1400" dirty="0">
+                <a:latin typeface="Arial Unicode MS" panose="020B0604020202020204" pitchFamily="34" charset="-128"/>
+                <a:ea typeface="Arial Unicode MS" panose="020B0604020202020204" pitchFamily="34" charset="-128"/>
+                <a:cs typeface="Arial Unicode MS" panose="020B0604020202020204" pitchFamily="34" charset="-128"/>
+              </a:rPr>
+              <a:t>Gives addresses for whole datasets and individual elements</a:t>
+            </a:r>
+          </a:p>
+          <a:p>
+            <a:pPr lvl="1" indent="-342900">
+              <a:lnSpc>
+                <a:spcPct val="150000"/>
+              </a:lnSpc>
+              <a:spcBef>
+                <a:spcPts val="640"/>
+              </a:spcBef>
+              <a:spcAft>
+                <a:spcPts val="600"/>
+              </a:spcAft>
+              <a:buSzPts val="1800"/>
+              <a:buChar char="•"/>
+            </a:pPr>
+            <a:endParaRPr lang="en-AU" sz="1400" dirty="0">
               <a:latin typeface="Arial Unicode MS" panose="020B0604020202020204" pitchFamily="34" charset="-128"/>
               <a:ea typeface="Arial Unicode MS" panose="020B0604020202020204" pitchFamily="34" charset="-128"/>
               <a:cs typeface="Arial Unicode MS" panose="020B0604020202020204" pitchFamily="34" charset="-128"/>
             </a:endParaRPr>
           </a:p>
-        </p:txBody>
-      </p:sp>
-      <p:sp>
-        <p:nvSpPr>
-          <p:cNvPr id="6" name="Flowchart: Magnetic Disk 5">
-            <a:extLst>
-              <a:ext uri="{FF2B5EF4-FFF2-40B4-BE49-F238E27FC236}">
-                <a16:creationId xmlns:a16="http://schemas.microsoft.com/office/drawing/2014/main" id="{548C2925-2220-4866-8DC5-DEDD43308C52}"/>
-              </a:ext>
-            </a:extLst>
-          </p:cNvPr>
-          <p:cNvSpPr/>
-          <p:nvPr/>
-        </p:nvSpPr>
-        <p:spPr>
-          <a:xfrm>
-            <a:off x="2978258" y="4642955"/>
-            <a:ext cx="1115878" cy="937647"/>
-          </a:xfrm>
-          <a:prstGeom prst="flowChartMagneticDisk">
-            <a:avLst/>
-          </a:prstGeom>
-          <a:noFill/>
-          <a:ln>
-            <a:solidFill>
-              <a:srgbClr val="234061"/>
-            </a:solidFill>
-          </a:ln>
-        </p:spPr>
-        <p:style>
-          <a:lnRef idx="2">
-            <a:schemeClr val="accent1">
-              <a:shade val="50000"/>
-            </a:schemeClr>
-          </a:lnRef>
-          <a:fillRef idx="1">
-            <a:schemeClr val="accent1"/>
-          </a:fillRef>
-          <a:effectRef idx="0">
-            <a:schemeClr val="accent1"/>
-          </a:effectRef>
-          <a:fontRef idx="minor">
-            <a:schemeClr val="lt1"/>
-          </a:fontRef>
-        </p:style>
-        <p:txBody>
-          <a:bodyPr rtlCol="0" anchor="ctr"/>
-          <a:lstStyle/>
-          <a:p>
-            <a:pPr algn="ctr"/>
-            <a:r>
-              <a:rPr lang="en-AU" dirty="0">
-                <a:solidFill>
-                  <a:srgbClr val="234061"/>
-                </a:solidFill>
-              </a:rPr>
-              <a:t>GA Sites</a:t>
-            </a:r>
-          </a:p>
-        </p:txBody>
-      </p:sp>
-      <p:sp>
-        <p:nvSpPr>
-          <p:cNvPr id="7" name="Flowchart: Magnetic Disk 6">
-            <a:extLst>
-              <a:ext uri="{FF2B5EF4-FFF2-40B4-BE49-F238E27FC236}">
-                <a16:creationId xmlns:a16="http://schemas.microsoft.com/office/drawing/2014/main" id="{8E7F13F9-3C8A-4725-B0DF-432C056F8ADC}"/>
-              </a:ext>
-            </a:extLst>
-          </p:cNvPr>
-          <p:cNvSpPr/>
-          <p:nvPr/>
-        </p:nvSpPr>
-        <p:spPr>
-          <a:xfrm>
-            <a:off x="2091935" y="3463580"/>
-            <a:ext cx="1115878" cy="937647"/>
-          </a:xfrm>
-          <a:prstGeom prst="flowChartMagneticDisk">
-            <a:avLst/>
-          </a:prstGeom>
-          <a:noFill/>
-          <a:ln>
-            <a:solidFill>
-              <a:srgbClr val="234061"/>
-            </a:solidFill>
-          </a:ln>
-        </p:spPr>
-        <p:style>
-          <a:lnRef idx="2">
-            <a:schemeClr val="accent1">
-              <a:shade val="50000"/>
-            </a:schemeClr>
-          </a:lnRef>
-          <a:fillRef idx="1">
-            <a:schemeClr val="accent1"/>
-          </a:fillRef>
-          <a:effectRef idx="0">
-            <a:schemeClr val="accent1"/>
-          </a:effectRef>
-          <a:fontRef idx="minor">
-            <a:schemeClr val="lt1"/>
-          </a:fontRef>
-        </p:style>
-        <p:txBody>
-          <a:bodyPr rtlCol="0" anchor="ctr"/>
-          <a:lstStyle/>
-          <a:p>
-            <a:pPr algn="ctr"/>
-            <a:r>
-              <a:rPr lang="en-AU" dirty="0">
-                <a:solidFill>
-                  <a:srgbClr val="234061"/>
-                </a:solidFill>
-              </a:rPr>
-              <a:t>Au Orgs</a:t>
-            </a:r>
-          </a:p>
-        </p:txBody>
-      </p:sp>
-      <p:sp>
-        <p:nvSpPr>
-          <p:cNvPr id="8" name="Flowchart: Magnetic Disk 7">
-            <a:extLst>
-              <a:ext uri="{FF2B5EF4-FFF2-40B4-BE49-F238E27FC236}">
-                <a16:creationId xmlns:a16="http://schemas.microsoft.com/office/drawing/2014/main" id="{0C982689-5A57-4541-BA17-E138AD021675}"/>
-              </a:ext>
-            </a:extLst>
-          </p:cNvPr>
-          <p:cNvSpPr/>
-          <p:nvPr/>
-        </p:nvSpPr>
-        <p:spPr>
-          <a:xfrm>
-            <a:off x="4641742" y="4642954"/>
-            <a:ext cx="1115878" cy="937647"/>
-          </a:xfrm>
-          <a:prstGeom prst="flowChartMagneticDisk">
-            <a:avLst/>
-          </a:prstGeom>
-          <a:noFill/>
-          <a:ln>
-            <a:solidFill>
-              <a:srgbClr val="234061"/>
-            </a:solidFill>
-            <a:prstDash val="lgDashDot"/>
-          </a:ln>
-        </p:spPr>
-        <p:style>
-          <a:lnRef idx="2">
-            <a:schemeClr val="accent1">
-              <a:shade val="50000"/>
-            </a:schemeClr>
-          </a:lnRef>
-          <a:fillRef idx="1">
-            <a:schemeClr val="accent1"/>
-          </a:fillRef>
-          <a:effectRef idx="0">
-            <a:schemeClr val="accent1"/>
-          </a:effectRef>
-          <a:fontRef idx="minor">
-            <a:schemeClr val="lt1"/>
-          </a:fontRef>
-        </p:style>
-        <p:txBody>
-          <a:bodyPr rtlCol="0" anchor="ctr"/>
-          <a:lstStyle/>
-          <a:p>
-            <a:pPr algn="ctr"/>
-            <a:r>
-              <a:rPr lang="en-AU" dirty="0">
-                <a:solidFill>
-                  <a:srgbClr val="234061"/>
-                </a:solidFill>
-              </a:rPr>
-              <a:t>NEII Sites</a:t>
-            </a:r>
-          </a:p>
-        </p:txBody>
-      </p:sp>
-      <p:sp>
-        <p:nvSpPr>
-          <p:cNvPr id="18" name="Flowchart: Magnetic Disk 17">
-            <a:extLst>
-              <a:ext uri="{FF2B5EF4-FFF2-40B4-BE49-F238E27FC236}">
-                <a16:creationId xmlns:a16="http://schemas.microsoft.com/office/drawing/2014/main" id="{AA9C1591-F3C0-4FC3-A42F-7D82951E3441}"/>
-              </a:ext>
-            </a:extLst>
-          </p:cNvPr>
-          <p:cNvSpPr/>
-          <p:nvPr/>
-        </p:nvSpPr>
-        <p:spPr>
-          <a:xfrm>
-            <a:off x="4208300" y="2926086"/>
-            <a:ext cx="1115878" cy="937647"/>
-          </a:xfrm>
-          <a:prstGeom prst="flowChartMagneticDisk">
-            <a:avLst/>
-          </a:prstGeom>
-          <a:noFill/>
-          <a:ln>
-            <a:solidFill>
-              <a:srgbClr val="234061"/>
-            </a:solidFill>
-          </a:ln>
-        </p:spPr>
-        <p:style>
-          <a:lnRef idx="2">
-            <a:schemeClr val="accent1">
-              <a:shade val="50000"/>
-            </a:schemeClr>
-          </a:lnRef>
-          <a:fillRef idx="1">
-            <a:schemeClr val="accent1"/>
-          </a:fillRef>
-          <a:effectRef idx="0">
-            <a:schemeClr val="accent1"/>
-          </a:effectRef>
-          <a:fontRef idx="minor">
-            <a:schemeClr val="lt1"/>
-          </a:fontRef>
-        </p:style>
-        <p:txBody>
-          <a:bodyPr rtlCol="0" anchor="ctr"/>
-          <a:lstStyle/>
-          <a:p>
-            <a:pPr algn="ctr"/>
-            <a:r>
-              <a:rPr lang="en-AU" dirty="0">
-                <a:solidFill>
-                  <a:srgbClr val="234061"/>
-                </a:solidFill>
-              </a:rPr>
-              <a:t>Geofabric</a:t>
-            </a:r>
-          </a:p>
-        </p:txBody>
-      </p:sp>
-      <p:sp>
-        <p:nvSpPr>
-          <p:cNvPr id="19" name="Flowchart: Magnetic Disk 18">
-            <a:extLst>
-              <a:ext uri="{FF2B5EF4-FFF2-40B4-BE49-F238E27FC236}">
-                <a16:creationId xmlns:a16="http://schemas.microsoft.com/office/drawing/2014/main" id="{D6395B08-8D75-4EB8-881A-51E2C067BAEB}"/>
-              </a:ext>
-            </a:extLst>
-          </p:cNvPr>
-          <p:cNvSpPr/>
-          <p:nvPr/>
-        </p:nvSpPr>
-        <p:spPr>
-          <a:xfrm>
-            <a:off x="6689435" y="4372378"/>
-            <a:ext cx="1115878" cy="937647"/>
-          </a:xfrm>
-          <a:prstGeom prst="flowChartMagneticDisk">
-            <a:avLst/>
-          </a:prstGeom>
-          <a:noFill/>
-          <a:ln>
-            <a:solidFill>
-              <a:srgbClr val="234061"/>
-            </a:solidFill>
-            <a:prstDash val="lgDashDot"/>
-          </a:ln>
-        </p:spPr>
-        <p:style>
-          <a:lnRef idx="2">
-            <a:schemeClr val="accent1">
-              <a:shade val="50000"/>
-            </a:schemeClr>
-          </a:lnRef>
-          <a:fillRef idx="1">
-            <a:schemeClr val="accent1"/>
-          </a:fillRef>
-          <a:effectRef idx="0">
-            <a:schemeClr val="accent1"/>
-          </a:effectRef>
-          <a:fontRef idx="minor">
-            <a:schemeClr val="lt1"/>
-          </a:fontRef>
-        </p:style>
-        <p:txBody>
-          <a:bodyPr rtlCol="0" anchor="ctr"/>
-          <a:lstStyle/>
-          <a:p>
-            <a:pPr algn="ctr"/>
-            <a:r>
-              <a:rPr lang="en-AU" dirty="0">
-                <a:solidFill>
-                  <a:srgbClr val="234061"/>
-                </a:solidFill>
-              </a:rPr>
-              <a:t>ACLUMP</a:t>
-            </a:r>
-          </a:p>
-        </p:txBody>
-      </p:sp>
-      <p:sp>
-        <p:nvSpPr>
-          <p:cNvPr id="20" name="Flowchart: Magnetic Disk 19">
-            <a:extLst>
-              <a:ext uri="{FF2B5EF4-FFF2-40B4-BE49-F238E27FC236}">
-                <a16:creationId xmlns:a16="http://schemas.microsoft.com/office/drawing/2014/main" id="{6D66BCB4-78B3-4D57-B890-C78B69EE4E61}"/>
-              </a:ext>
-            </a:extLst>
-          </p:cNvPr>
-          <p:cNvSpPr/>
-          <p:nvPr/>
-        </p:nvSpPr>
-        <p:spPr>
-          <a:xfrm>
-            <a:off x="6466480" y="1614832"/>
-            <a:ext cx="1115878" cy="937647"/>
-          </a:xfrm>
-          <a:prstGeom prst="flowChartMagneticDisk">
-            <a:avLst/>
-          </a:prstGeom>
-          <a:noFill/>
-          <a:ln>
-            <a:solidFill>
-              <a:srgbClr val="234061"/>
-            </a:solidFill>
-            <a:prstDash val="lgDashDot"/>
-          </a:ln>
-        </p:spPr>
-        <p:style>
-          <a:lnRef idx="2">
-            <a:schemeClr val="accent1">
-              <a:shade val="50000"/>
-            </a:schemeClr>
-          </a:lnRef>
-          <a:fillRef idx="1">
-            <a:schemeClr val="accent1"/>
-          </a:fillRef>
-          <a:effectRef idx="0">
-            <a:schemeClr val="accent1"/>
-          </a:effectRef>
-          <a:fontRef idx="minor">
-            <a:schemeClr val="lt1"/>
-          </a:fontRef>
-        </p:style>
-        <p:txBody>
-          <a:bodyPr rtlCol="0" anchor="ctr"/>
-          <a:lstStyle/>
-          <a:p>
-            <a:pPr algn="ctr"/>
-            <a:r>
-              <a:rPr lang="en-AU" sz="1100" dirty="0">
-                <a:solidFill>
-                  <a:srgbClr val="234061"/>
-                </a:solidFill>
-              </a:rPr>
-              <a:t>AODN Geographic Extents</a:t>
-            </a:r>
-          </a:p>
-        </p:txBody>
-      </p:sp>
-      <p:sp>
-        <p:nvSpPr>
-          <p:cNvPr id="22" name="Flowchart: Magnetic Disk 21">
-            <a:extLst>
-              <a:ext uri="{FF2B5EF4-FFF2-40B4-BE49-F238E27FC236}">
-                <a16:creationId xmlns:a16="http://schemas.microsoft.com/office/drawing/2014/main" id="{5BFB0A20-CF22-44C4-9943-C88F189187B2}"/>
-              </a:ext>
-            </a:extLst>
-          </p:cNvPr>
-          <p:cNvSpPr/>
-          <p:nvPr/>
-        </p:nvSpPr>
-        <p:spPr>
-          <a:xfrm>
-            <a:off x="1314774" y="4642955"/>
-            <a:ext cx="1115878" cy="937647"/>
-          </a:xfrm>
-          <a:prstGeom prst="flowChartMagneticDisk">
-            <a:avLst/>
-          </a:prstGeom>
-          <a:noFill/>
-          <a:ln>
-            <a:solidFill>
-              <a:srgbClr val="234061"/>
-            </a:solidFill>
-          </a:ln>
-        </p:spPr>
-        <p:style>
-          <a:lnRef idx="2">
-            <a:schemeClr val="accent1">
-              <a:shade val="50000"/>
-            </a:schemeClr>
-          </a:lnRef>
-          <a:fillRef idx="1">
-            <a:schemeClr val="accent1"/>
-          </a:fillRef>
-          <a:effectRef idx="0">
-            <a:schemeClr val="accent1"/>
-          </a:effectRef>
-          <a:fontRef idx="minor">
-            <a:schemeClr val="lt1"/>
-          </a:fontRef>
-        </p:style>
-        <p:txBody>
-          <a:bodyPr rtlCol="0" anchor="ctr"/>
-          <a:lstStyle/>
-          <a:p>
-            <a:pPr algn="ctr"/>
-            <a:r>
-              <a:rPr lang="en-AU" sz="1200" dirty="0">
-                <a:solidFill>
-                  <a:srgbClr val="234061"/>
-                </a:solidFill>
-              </a:rPr>
-              <a:t>GA/National Samples</a:t>
-            </a:r>
-          </a:p>
-        </p:txBody>
-      </p:sp>
-      <p:cxnSp>
-        <p:nvCxnSpPr>
-          <p:cNvPr id="23" name="Straight Arrow Connector 22">
-            <a:extLst>
-              <a:ext uri="{FF2B5EF4-FFF2-40B4-BE49-F238E27FC236}">
-                <a16:creationId xmlns:a16="http://schemas.microsoft.com/office/drawing/2014/main" id="{2E92F2BD-1992-4632-8DC2-99BB09D4C082}"/>
-              </a:ext>
-            </a:extLst>
-          </p:cNvPr>
-          <p:cNvCxnSpPr>
-            <a:cxnSpLocks/>
-            <a:stCxn id="22" idx="4"/>
-            <a:endCxn id="6" idx="2"/>
-          </p:cNvCxnSpPr>
-          <p:nvPr/>
-        </p:nvCxnSpPr>
-        <p:spPr>
-          <a:xfrm>
-            <a:off x="2430652" y="5111779"/>
-            <a:ext cx="547606" cy="0"/>
-          </a:xfrm>
-          <a:prstGeom prst="straightConnector1">
-            <a:avLst/>
-          </a:prstGeom>
-          <a:ln w="12700">
-            <a:solidFill>
-              <a:srgbClr val="234061"/>
-            </a:solidFill>
-            <a:tailEnd type="triangle"/>
-          </a:ln>
-        </p:spPr>
-        <p:style>
-          <a:lnRef idx="1">
-            <a:schemeClr val="accent1"/>
-          </a:lnRef>
-          <a:fillRef idx="0">
-            <a:schemeClr val="accent1"/>
-          </a:fillRef>
-          <a:effectRef idx="0">
-            <a:schemeClr val="accent1"/>
-          </a:effectRef>
-          <a:fontRef idx="minor">
-            <a:schemeClr val="tx1"/>
-          </a:fontRef>
-        </p:style>
-      </p:cxnSp>
-      <p:cxnSp>
-        <p:nvCxnSpPr>
-          <p:cNvPr id="26" name="Straight Arrow Connector 25">
-            <a:extLst>
-              <a:ext uri="{FF2B5EF4-FFF2-40B4-BE49-F238E27FC236}">
-                <a16:creationId xmlns:a16="http://schemas.microsoft.com/office/drawing/2014/main" id="{FA156F14-1FD7-4A49-A311-331B85946A27}"/>
-              </a:ext>
-            </a:extLst>
-          </p:cNvPr>
-          <p:cNvCxnSpPr>
-            <a:cxnSpLocks/>
-            <a:stCxn id="22" idx="1"/>
-          </p:cNvCxnSpPr>
-          <p:nvPr/>
-        </p:nvCxnSpPr>
-        <p:spPr>
-          <a:xfrm flipV="1">
-            <a:off x="1872713" y="4308891"/>
-            <a:ext cx="250901" cy="334064"/>
-          </a:xfrm>
-          <a:prstGeom prst="straightConnector1">
-            <a:avLst/>
-          </a:prstGeom>
-          <a:ln w="12700">
-            <a:solidFill>
-              <a:srgbClr val="234061"/>
-            </a:solidFill>
-            <a:tailEnd type="triangle"/>
-          </a:ln>
-        </p:spPr>
-        <p:style>
-          <a:lnRef idx="1">
-            <a:schemeClr val="accent1"/>
-          </a:lnRef>
-          <a:fillRef idx="0">
-            <a:schemeClr val="accent1"/>
-          </a:fillRef>
-          <a:effectRef idx="0">
-            <a:schemeClr val="accent1"/>
-          </a:effectRef>
-          <a:fontRef idx="minor">
-            <a:schemeClr val="tx1"/>
-          </a:fontRef>
-        </p:style>
-      </p:cxnSp>
-      <p:cxnSp>
-        <p:nvCxnSpPr>
-          <p:cNvPr id="29" name="Straight Arrow Connector 28">
-            <a:extLst>
-              <a:ext uri="{FF2B5EF4-FFF2-40B4-BE49-F238E27FC236}">
-                <a16:creationId xmlns:a16="http://schemas.microsoft.com/office/drawing/2014/main" id="{B519904A-4C4C-4CE1-89CA-248C266F938E}"/>
-              </a:ext>
-            </a:extLst>
-          </p:cNvPr>
-          <p:cNvCxnSpPr>
-            <a:cxnSpLocks/>
-            <a:stCxn id="6" idx="4"/>
-            <a:endCxn id="8" idx="2"/>
-          </p:cNvCxnSpPr>
-          <p:nvPr/>
-        </p:nvCxnSpPr>
-        <p:spPr>
-          <a:xfrm flipV="1">
-            <a:off x="4094136" y="5111778"/>
-            <a:ext cx="547606" cy="1"/>
-          </a:xfrm>
-          <a:prstGeom prst="straightConnector1">
-            <a:avLst/>
-          </a:prstGeom>
-          <a:ln w="12700">
-            <a:solidFill>
-              <a:srgbClr val="234061"/>
-            </a:solidFill>
-            <a:tailEnd type="triangle"/>
-          </a:ln>
-        </p:spPr>
-        <p:style>
-          <a:lnRef idx="1">
-            <a:schemeClr val="accent1"/>
-          </a:lnRef>
-          <a:fillRef idx="0">
-            <a:schemeClr val="accent1"/>
-          </a:fillRef>
-          <a:effectRef idx="0">
-            <a:schemeClr val="accent1"/>
-          </a:effectRef>
-          <a:fontRef idx="minor">
-            <a:schemeClr val="tx1"/>
-          </a:fontRef>
-        </p:style>
-      </p:cxnSp>
-      <p:cxnSp>
-        <p:nvCxnSpPr>
-          <p:cNvPr id="32" name="Straight Arrow Connector 31">
-            <a:extLst>
-              <a:ext uri="{FF2B5EF4-FFF2-40B4-BE49-F238E27FC236}">
-                <a16:creationId xmlns:a16="http://schemas.microsoft.com/office/drawing/2014/main" id="{08487EF0-E16E-4D56-AD5A-89A1414799EF}"/>
-              </a:ext>
-            </a:extLst>
-          </p:cNvPr>
-          <p:cNvCxnSpPr>
-            <a:cxnSpLocks/>
-            <a:stCxn id="6" idx="1"/>
-          </p:cNvCxnSpPr>
-          <p:nvPr/>
-        </p:nvCxnSpPr>
-        <p:spPr>
-          <a:xfrm flipV="1">
-            <a:off x="3536197" y="3787423"/>
-            <a:ext cx="764583" cy="855532"/>
-          </a:xfrm>
-          <a:prstGeom prst="straightConnector1">
-            <a:avLst/>
-          </a:prstGeom>
-          <a:ln w="12700">
-            <a:solidFill>
-              <a:srgbClr val="234061"/>
-            </a:solidFill>
-            <a:prstDash val="lgDashDot"/>
-            <a:tailEnd type="triangle"/>
-          </a:ln>
-        </p:spPr>
-        <p:style>
-          <a:lnRef idx="1">
-            <a:schemeClr val="accent1"/>
-          </a:lnRef>
-          <a:fillRef idx="0">
-            <a:schemeClr val="accent1"/>
-          </a:fillRef>
-          <a:effectRef idx="0">
-            <a:schemeClr val="accent1"/>
-          </a:effectRef>
-          <a:fontRef idx="minor">
-            <a:schemeClr val="tx1"/>
-          </a:fontRef>
-        </p:style>
-      </p:cxnSp>
-      <p:sp>
-        <p:nvSpPr>
-          <p:cNvPr id="15" name="TextBox 14">
-            <a:extLst>
-              <a:ext uri="{FF2B5EF4-FFF2-40B4-BE49-F238E27FC236}">
-                <a16:creationId xmlns:a16="http://schemas.microsoft.com/office/drawing/2014/main" id="{59E39C62-CCCC-45E8-986F-619C91467B15}"/>
-              </a:ext>
-            </a:extLst>
-          </p:cNvPr>
-          <p:cNvSpPr txBox="1"/>
-          <p:nvPr/>
-        </p:nvSpPr>
-        <p:spPr>
-          <a:xfrm>
-            <a:off x="2013486" y="4395957"/>
-            <a:ext cx="805029" cy="276999"/>
-          </a:xfrm>
-          <a:prstGeom prst="rect">
-            <a:avLst/>
-          </a:prstGeom>
-          <a:noFill/>
-        </p:spPr>
-        <p:txBody>
-          <a:bodyPr wrap="none" rtlCol="0">
-            <a:spAutoFit/>
-          </a:bodyPr>
-          <a:lstStyle/>
-          <a:p>
-            <a:r>
-              <a:rPr lang="en-AU" sz="1200" dirty="0">
-                <a:solidFill>
-                  <a:srgbClr val="234061"/>
-                </a:solidFill>
-              </a:rPr>
-              <a:t>publisher</a:t>
-            </a:r>
-          </a:p>
-        </p:txBody>
-      </p:sp>
-      <p:sp>
-        <p:nvSpPr>
-          <p:cNvPr id="16" name="TextBox 15">
-            <a:extLst>
-              <a:ext uri="{FF2B5EF4-FFF2-40B4-BE49-F238E27FC236}">
-                <a16:creationId xmlns:a16="http://schemas.microsoft.com/office/drawing/2014/main" id="{868DEDD6-8EF2-4DF3-9496-04758298A0D6}"/>
-              </a:ext>
-            </a:extLst>
-          </p:cNvPr>
-          <p:cNvSpPr txBox="1"/>
-          <p:nvPr/>
-        </p:nvSpPr>
-        <p:spPr>
-          <a:xfrm>
-            <a:off x="2266582" y="5448781"/>
-            <a:ext cx="849913" cy="276999"/>
-          </a:xfrm>
-          <a:prstGeom prst="rect">
-            <a:avLst/>
-          </a:prstGeom>
-          <a:noFill/>
-        </p:spPr>
-        <p:txBody>
-          <a:bodyPr wrap="none" rtlCol="0">
-            <a:spAutoFit/>
-          </a:bodyPr>
-          <a:lstStyle/>
-          <a:p>
-            <a:r>
-              <a:rPr lang="en-AU" sz="1200" dirty="0">
-                <a:solidFill>
-                  <a:srgbClr val="234061"/>
-                </a:solidFill>
-              </a:rPr>
-              <a:t>sample at</a:t>
-            </a:r>
-          </a:p>
-        </p:txBody>
-      </p:sp>
-      <p:sp>
-        <p:nvSpPr>
-          <p:cNvPr id="17" name="TextBox 16">
-            <a:extLst>
-              <a:ext uri="{FF2B5EF4-FFF2-40B4-BE49-F238E27FC236}">
-                <a16:creationId xmlns:a16="http://schemas.microsoft.com/office/drawing/2014/main" id="{F1ACB96C-DF8C-466B-A9EC-3A29F5B66DF9}"/>
-              </a:ext>
-            </a:extLst>
-          </p:cNvPr>
-          <p:cNvSpPr txBox="1"/>
-          <p:nvPr/>
-        </p:nvSpPr>
-        <p:spPr>
-          <a:xfrm>
-            <a:off x="3973176" y="5474924"/>
-            <a:ext cx="636713" cy="276999"/>
-          </a:xfrm>
-          <a:prstGeom prst="rect">
-            <a:avLst/>
-          </a:prstGeom>
-          <a:noFill/>
-        </p:spPr>
-        <p:txBody>
-          <a:bodyPr wrap="none" rtlCol="0">
-            <a:spAutoFit/>
-          </a:bodyPr>
-          <a:lstStyle/>
-          <a:p>
-            <a:r>
-              <a:rPr lang="en-AU" sz="1200" dirty="0">
-                <a:solidFill>
-                  <a:srgbClr val="234061"/>
-                </a:solidFill>
-              </a:rPr>
-              <a:t>subset</a:t>
-            </a:r>
-          </a:p>
-        </p:txBody>
-      </p:sp>
-      <p:sp>
-        <p:nvSpPr>
-          <p:cNvPr id="21" name="TextBox 20">
-            <a:extLst>
-              <a:ext uri="{FF2B5EF4-FFF2-40B4-BE49-F238E27FC236}">
-                <a16:creationId xmlns:a16="http://schemas.microsoft.com/office/drawing/2014/main" id="{455522F5-0A85-4F37-9A6B-17498AE8E7AE}"/>
-              </a:ext>
-            </a:extLst>
-          </p:cNvPr>
-          <p:cNvSpPr txBox="1"/>
-          <p:nvPr/>
-        </p:nvSpPr>
-        <p:spPr>
-          <a:xfrm>
-            <a:off x="4094136" y="4049752"/>
-            <a:ext cx="1768433" cy="276999"/>
-          </a:xfrm>
-          <a:prstGeom prst="rect">
-            <a:avLst/>
-          </a:prstGeom>
-          <a:noFill/>
-          <a:ln>
-            <a:solidFill>
-              <a:schemeClr val="tx1"/>
-            </a:solidFill>
-            <a:prstDash val="dashDot"/>
-          </a:ln>
-        </p:spPr>
-        <p:txBody>
-          <a:bodyPr wrap="none" rtlCol="0">
-            <a:spAutoFit/>
-          </a:bodyPr>
-          <a:lstStyle/>
-          <a:p>
-            <a:r>
-              <a:rPr lang="en-AU" sz="1200" dirty="0">
-                <a:solidFill>
-                  <a:srgbClr val="234061"/>
-                </a:solidFill>
-              </a:rPr>
-              <a:t>spatial overlay possible</a:t>
-            </a:r>
-          </a:p>
-        </p:txBody>
-      </p:sp>
-      <p:cxnSp>
-        <p:nvCxnSpPr>
-          <p:cNvPr id="25" name="Straight Arrow Connector 24">
-            <a:extLst>
-              <a:ext uri="{FF2B5EF4-FFF2-40B4-BE49-F238E27FC236}">
-                <a16:creationId xmlns:a16="http://schemas.microsoft.com/office/drawing/2014/main" id="{4CDD5DC6-61EC-430F-B729-C682CED6DE32}"/>
-              </a:ext>
-            </a:extLst>
-          </p:cNvPr>
-          <p:cNvCxnSpPr>
-            <a:cxnSpLocks/>
-            <a:endCxn id="19" idx="1"/>
-          </p:cNvCxnSpPr>
-          <p:nvPr/>
-        </p:nvCxnSpPr>
-        <p:spPr>
-          <a:xfrm>
-            <a:off x="7060253" y="3744054"/>
-            <a:ext cx="187121" cy="628324"/>
-          </a:xfrm>
-          <a:prstGeom prst="straightConnector1">
-            <a:avLst/>
-          </a:prstGeom>
-          <a:ln w="12700">
-            <a:solidFill>
-              <a:srgbClr val="234061"/>
-            </a:solidFill>
-            <a:tailEnd type="triangle"/>
-          </a:ln>
-        </p:spPr>
-        <p:style>
-          <a:lnRef idx="1">
-            <a:schemeClr val="accent1"/>
-          </a:lnRef>
-          <a:fillRef idx="0">
-            <a:schemeClr val="accent1"/>
-          </a:fillRef>
-          <a:effectRef idx="0">
-            <a:schemeClr val="accent1"/>
-          </a:effectRef>
-          <a:fontRef idx="minor">
-            <a:schemeClr val="tx1"/>
-          </a:fontRef>
-        </p:style>
-      </p:cxnSp>
-      <p:sp>
-        <p:nvSpPr>
-          <p:cNvPr id="28" name="Flowchart: Magnetic Disk 27">
-            <a:extLst>
-              <a:ext uri="{FF2B5EF4-FFF2-40B4-BE49-F238E27FC236}">
-                <a16:creationId xmlns:a16="http://schemas.microsoft.com/office/drawing/2014/main" id="{4980EE5B-D4B1-4A93-9556-FCE70F8C26CE}"/>
-              </a:ext>
-            </a:extLst>
-          </p:cNvPr>
-          <p:cNvSpPr/>
-          <p:nvPr/>
-        </p:nvSpPr>
-        <p:spPr>
-          <a:xfrm>
-            <a:off x="5963923" y="2918833"/>
-            <a:ext cx="1115878" cy="937647"/>
-          </a:xfrm>
-          <a:prstGeom prst="flowChartMagneticDisk">
-            <a:avLst/>
-          </a:prstGeom>
-          <a:noFill/>
-          <a:ln>
-            <a:solidFill>
-              <a:srgbClr val="234061"/>
-            </a:solidFill>
-            <a:prstDash val="lgDashDot"/>
-          </a:ln>
-        </p:spPr>
-        <p:style>
-          <a:lnRef idx="2">
-            <a:schemeClr val="accent1">
-              <a:shade val="50000"/>
-            </a:schemeClr>
-          </a:lnRef>
-          <a:fillRef idx="1">
-            <a:schemeClr val="accent1"/>
-          </a:fillRef>
-          <a:effectRef idx="0">
-            <a:schemeClr val="accent1"/>
-          </a:effectRef>
-          <a:fontRef idx="minor">
-            <a:schemeClr val="lt1"/>
-          </a:fontRef>
-        </p:style>
-        <p:txBody>
-          <a:bodyPr rtlCol="0" anchor="ctr"/>
-          <a:lstStyle/>
-          <a:p>
-            <a:pPr algn="ctr"/>
-            <a:r>
-              <a:rPr lang="en-AU" dirty="0">
-                <a:solidFill>
-                  <a:srgbClr val="234061"/>
-                </a:solidFill>
-              </a:rPr>
-              <a:t>Statistical Geography</a:t>
-            </a:r>
-          </a:p>
-        </p:txBody>
-      </p:sp>
-      <p:sp>
-        <p:nvSpPr>
-          <p:cNvPr id="30" name="TextBox 29">
-            <a:extLst>
-              <a:ext uri="{FF2B5EF4-FFF2-40B4-BE49-F238E27FC236}">
-                <a16:creationId xmlns:a16="http://schemas.microsoft.com/office/drawing/2014/main" id="{79B2350A-31A0-449A-829B-C5E9B4102CEF}"/>
-              </a:ext>
-            </a:extLst>
-          </p:cNvPr>
-          <p:cNvSpPr txBox="1"/>
-          <p:nvPr/>
-        </p:nvSpPr>
-        <p:spPr>
-          <a:xfrm>
-            <a:off x="5994970" y="3827652"/>
-            <a:ext cx="1029449" cy="261610"/>
-          </a:xfrm>
-          <a:prstGeom prst="rect">
-            <a:avLst/>
-          </a:prstGeom>
-          <a:noFill/>
-        </p:spPr>
-        <p:txBody>
-          <a:bodyPr wrap="none" rtlCol="0">
-            <a:spAutoFit/>
-          </a:bodyPr>
-          <a:lstStyle/>
-          <a:p>
-            <a:r>
-              <a:rPr lang="en-AU" sz="1100" i="1" dirty="0">
-                <a:solidFill>
-                  <a:srgbClr val="234061"/>
-                </a:solidFill>
-              </a:rPr>
-              <a:t>(starting July)</a:t>
-            </a:r>
-          </a:p>
-        </p:txBody>
-      </p:sp>
-      <p:cxnSp>
-        <p:nvCxnSpPr>
-          <p:cNvPr id="31" name="Straight Arrow Connector 30">
-            <a:extLst>
-              <a:ext uri="{FF2B5EF4-FFF2-40B4-BE49-F238E27FC236}">
-                <a16:creationId xmlns:a16="http://schemas.microsoft.com/office/drawing/2014/main" id="{35A1F23E-4FC5-4A34-B591-EC4A91F5CAEB}"/>
-              </a:ext>
-            </a:extLst>
-          </p:cNvPr>
-          <p:cNvCxnSpPr>
-            <a:cxnSpLocks/>
-            <a:stCxn id="18" idx="1"/>
-            <a:endCxn id="20" idx="2"/>
-          </p:cNvCxnSpPr>
-          <p:nvPr/>
-        </p:nvCxnSpPr>
-        <p:spPr>
-          <a:xfrm flipV="1">
-            <a:off x="4766239" y="2083656"/>
-            <a:ext cx="1700241" cy="842430"/>
-          </a:xfrm>
-          <a:prstGeom prst="straightConnector1">
-            <a:avLst/>
-          </a:prstGeom>
-          <a:ln w="12700">
-            <a:solidFill>
-              <a:srgbClr val="234061"/>
-            </a:solidFill>
-            <a:prstDash val="lgDashDot"/>
-            <a:tailEnd type="triangle"/>
-          </a:ln>
-        </p:spPr>
-        <p:style>
-          <a:lnRef idx="1">
-            <a:schemeClr val="accent1"/>
-          </a:lnRef>
-          <a:fillRef idx="0">
-            <a:schemeClr val="accent1"/>
-          </a:fillRef>
-          <a:effectRef idx="0">
-            <a:schemeClr val="accent1"/>
-          </a:effectRef>
-          <a:fontRef idx="minor">
-            <a:schemeClr val="tx1"/>
-          </a:fontRef>
-        </p:style>
-      </p:cxnSp>
-      <p:sp>
-        <p:nvSpPr>
-          <p:cNvPr id="33" name="TextBox 32">
-            <a:extLst>
-              <a:ext uri="{FF2B5EF4-FFF2-40B4-BE49-F238E27FC236}">
-                <a16:creationId xmlns:a16="http://schemas.microsoft.com/office/drawing/2014/main" id="{537DC930-6B6E-42C6-803E-DEC9200666F3}"/>
-              </a:ext>
-            </a:extLst>
-          </p:cNvPr>
-          <p:cNvSpPr txBox="1"/>
-          <p:nvPr/>
-        </p:nvSpPr>
-        <p:spPr>
-          <a:xfrm>
-            <a:off x="4874296" y="2311757"/>
-            <a:ext cx="788999" cy="276999"/>
-          </a:xfrm>
-          <a:prstGeom prst="rect">
-            <a:avLst/>
-          </a:prstGeom>
-          <a:noFill/>
-          <a:ln>
-            <a:solidFill>
-              <a:schemeClr val="tx1"/>
-            </a:solidFill>
-            <a:prstDash val="dashDot"/>
-          </a:ln>
-        </p:spPr>
-        <p:txBody>
-          <a:bodyPr wrap="none" rtlCol="0">
-            <a:spAutoFit/>
-          </a:bodyPr>
-          <a:lstStyle/>
-          <a:p>
-            <a:r>
-              <a:rPr lang="en-AU" sz="1200" dirty="0">
-                <a:solidFill>
-                  <a:srgbClr val="234061"/>
-                </a:solidFill>
-              </a:rPr>
-              <a:t>coastline</a:t>
-            </a:r>
-          </a:p>
-        </p:txBody>
-      </p:sp>
-      <p:cxnSp>
-        <p:nvCxnSpPr>
-          <p:cNvPr id="10" name="Connector: Curved 9">
-            <a:extLst>
-              <a:ext uri="{FF2B5EF4-FFF2-40B4-BE49-F238E27FC236}">
-                <a16:creationId xmlns:a16="http://schemas.microsoft.com/office/drawing/2014/main" id="{DF0F236F-DA11-4831-A21D-3C76BE161D65}"/>
-              </a:ext>
-            </a:extLst>
-          </p:cNvPr>
-          <p:cNvCxnSpPr>
-            <a:stCxn id="22" idx="3"/>
-            <a:endCxn id="20" idx="4"/>
-          </p:cNvCxnSpPr>
-          <p:nvPr/>
-        </p:nvCxnSpPr>
-        <p:spPr>
-          <a:xfrm rot="5400000" flipH="1" flipV="1">
-            <a:off x="2979062" y="977306"/>
-            <a:ext cx="3496946" cy="5709645"/>
-          </a:xfrm>
-          <a:prstGeom prst="curvedConnector4">
-            <a:avLst>
-              <a:gd name="adj1" fmla="val -18725"/>
-              <a:gd name="adj2" fmla="val 116897"/>
-            </a:avLst>
-          </a:prstGeom>
-          <a:ln w="12700">
-            <a:solidFill>
-              <a:srgbClr val="234061"/>
-            </a:solidFill>
-            <a:prstDash val="dashDot"/>
-            <a:tailEnd type="triangle"/>
-          </a:ln>
-        </p:spPr>
-        <p:style>
-          <a:lnRef idx="1">
-            <a:schemeClr val="accent1"/>
-          </a:lnRef>
-          <a:fillRef idx="0">
-            <a:schemeClr val="accent1"/>
-          </a:fillRef>
-          <a:effectRef idx="0">
-            <a:schemeClr val="accent1"/>
-          </a:effectRef>
-          <a:fontRef idx="minor">
-            <a:schemeClr val="tx1"/>
-          </a:fontRef>
-        </p:style>
-      </p:cxnSp>
-      <p:sp>
-        <p:nvSpPr>
-          <p:cNvPr id="36" name="TextBox 35">
-            <a:extLst>
-              <a:ext uri="{FF2B5EF4-FFF2-40B4-BE49-F238E27FC236}">
-                <a16:creationId xmlns:a16="http://schemas.microsoft.com/office/drawing/2014/main" id="{C8E222F8-F22D-4373-8591-091EB4010182}"/>
-              </a:ext>
-            </a:extLst>
-          </p:cNvPr>
-          <p:cNvSpPr txBox="1"/>
-          <p:nvPr/>
-        </p:nvSpPr>
-        <p:spPr>
-          <a:xfrm>
-            <a:off x="6364814" y="6135145"/>
-            <a:ext cx="797013" cy="276999"/>
-          </a:xfrm>
-          <a:prstGeom prst="rect">
-            <a:avLst/>
-          </a:prstGeom>
-          <a:noFill/>
-          <a:ln>
-            <a:solidFill>
-              <a:schemeClr val="tx1"/>
-            </a:solidFill>
-            <a:prstDash val="dashDot"/>
-          </a:ln>
-        </p:spPr>
-        <p:txBody>
-          <a:bodyPr wrap="none" rtlCol="0">
-            <a:spAutoFit/>
-          </a:bodyPr>
-          <a:lstStyle/>
-          <a:p>
-            <a:r>
-              <a:rPr lang="en-AU" sz="1200" dirty="0">
-                <a:solidFill>
-                  <a:srgbClr val="234061"/>
-                </a:solidFill>
-              </a:rPr>
-              <a:t>location?</a:t>
-            </a:r>
-          </a:p>
-        </p:txBody>
-      </p:sp>
-      <p:sp>
-        <p:nvSpPr>
-          <p:cNvPr id="38" name="Flowchart: Magnetic Disk 37">
-            <a:extLst>
-              <a:ext uri="{FF2B5EF4-FFF2-40B4-BE49-F238E27FC236}">
-                <a16:creationId xmlns:a16="http://schemas.microsoft.com/office/drawing/2014/main" id="{D2A2B2B2-1FFE-42F7-BEE0-0C3CABBC22BB}"/>
-              </a:ext>
-            </a:extLst>
-          </p:cNvPr>
-          <p:cNvSpPr/>
-          <p:nvPr/>
-        </p:nvSpPr>
-        <p:spPr>
-          <a:xfrm>
-            <a:off x="2452677" y="2142873"/>
-            <a:ext cx="1115878" cy="937647"/>
-          </a:xfrm>
-          <a:prstGeom prst="flowChartMagneticDisk">
-            <a:avLst/>
-          </a:prstGeom>
-          <a:noFill/>
-          <a:ln>
-            <a:solidFill>
-              <a:srgbClr val="234061"/>
-            </a:solidFill>
-            <a:prstDash val="dashDot"/>
-          </a:ln>
-        </p:spPr>
-        <p:style>
-          <a:lnRef idx="2">
-            <a:schemeClr val="accent1">
-              <a:shade val="50000"/>
-            </a:schemeClr>
-          </a:lnRef>
-          <a:fillRef idx="1">
-            <a:schemeClr val="accent1"/>
-          </a:fillRef>
-          <a:effectRef idx="0">
-            <a:schemeClr val="accent1"/>
-          </a:effectRef>
-          <a:fontRef idx="minor">
-            <a:schemeClr val="lt1"/>
-          </a:fontRef>
-        </p:style>
-        <p:txBody>
-          <a:bodyPr rtlCol="0" anchor="ctr"/>
-          <a:lstStyle/>
-          <a:p>
-            <a:pPr algn="ctr"/>
-            <a:r>
-              <a:rPr lang="en-AU" dirty="0">
-                <a:solidFill>
-                  <a:srgbClr val="234061"/>
-                </a:solidFill>
-              </a:rPr>
-              <a:t>DGGS</a:t>
-            </a:r>
-          </a:p>
-        </p:txBody>
-      </p:sp>
-      <p:cxnSp>
-        <p:nvCxnSpPr>
-          <p:cNvPr id="39" name="Straight Arrow Connector 38">
-            <a:extLst>
-              <a:ext uri="{FF2B5EF4-FFF2-40B4-BE49-F238E27FC236}">
-                <a16:creationId xmlns:a16="http://schemas.microsoft.com/office/drawing/2014/main" id="{5AA4FC32-8351-4CA7-89C6-05CA045D5C0A}"/>
-              </a:ext>
-            </a:extLst>
-          </p:cNvPr>
-          <p:cNvCxnSpPr>
-            <a:cxnSpLocks/>
-          </p:cNvCxnSpPr>
-          <p:nvPr/>
-        </p:nvCxnSpPr>
-        <p:spPr>
-          <a:xfrm flipH="1" flipV="1">
-            <a:off x="3606417" y="2849777"/>
-            <a:ext cx="614120" cy="230743"/>
-          </a:xfrm>
-          <a:prstGeom prst="straightConnector1">
-            <a:avLst/>
-          </a:prstGeom>
-          <a:ln w="12700">
-            <a:solidFill>
-              <a:srgbClr val="234061"/>
-            </a:solidFill>
-            <a:prstDash val="lgDashDot"/>
-            <a:tailEnd type="triangle"/>
-          </a:ln>
-        </p:spPr>
-        <p:style>
-          <a:lnRef idx="1">
-            <a:schemeClr val="accent1"/>
-          </a:lnRef>
-          <a:fillRef idx="0">
-            <a:schemeClr val="accent1"/>
-          </a:fillRef>
-          <a:effectRef idx="0">
-            <a:schemeClr val="accent1"/>
-          </a:effectRef>
-          <a:fontRef idx="minor">
-            <a:schemeClr val="tx1"/>
-          </a:fontRef>
-        </p:style>
-      </p:cxnSp>
-      <p:cxnSp>
-        <p:nvCxnSpPr>
-          <p:cNvPr id="42" name="Straight Arrow Connector 41">
-            <a:extLst>
-              <a:ext uri="{FF2B5EF4-FFF2-40B4-BE49-F238E27FC236}">
-                <a16:creationId xmlns:a16="http://schemas.microsoft.com/office/drawing/2014/main" id="{12C44C2D-EE5D-4BA5-A3CA-5809DC0081A9}"/>
-              </a:ext>
-            </a:extLst>
-          </p:cNvPr>
-          <p:cNvCxnSpPr>
-            <a:cxnSpLocks/>
-          </p:cNvCxnSpPr>
-          <p:nvPr/>
-        </p:nvCxnSpPr>
-        <p:spPr>
-          <a:xfrm flipH="1">
-            <a:off x="3606416" y="1718251"/>
-            <a:ext cx="2860065" cy="554919"/>
-          </a:xfrm>
-          <a:prstGeom prst="straightConnector1">
-            <a:avLst/>
-          </a:prstGeom>
-          <a:ln w="12700">
-            <a:solidFill>
-              <a:srgbClr val="234061"/>
-            </a:solidFill>
-            <a:prstDash val="lgDashDot"/>
-            <a:tailEnd type="triangle"/>
-          </a:ln>
-        </p:spPr>
-        <p:style>
-          <a:lnRef idx="1">
-            <a:schemeClr val="accent1"/>
-          </a:lnRef>
-          <a:fillRef idx="0">
-            <a:schemeClr val="accent1"/>
-          </a:fillRef>
-          <a:effectRef idx="0">
-            <a:schemeClr val="accent1"/>
-          </a:effectRef>
-          <a:fontRef idx="minor">
-            <a:schemeClr val="tx1"/>
-          </a:fontRef>
-        </p:style>
-      </p:cxnSp>
-      <p:sp>
-        <p:nvSpPr>
-          <p:cNvPr id="45" name="TextBox 44">
-            <a:extLst>
-              <a:ext uri="{FF2B5EF4-FFF2-40B4-BE49-F238E27FC236}">
-                <a16:creationId xmlns:a16="http://schemas.microsoft.com/office/drawing/2014/main" id="{938C56AE-1DA0-4735-87D3-D89CCA07C0E3}"/>
-              </a:ext>
-            </a:extLst>
-          </p:cNvPr>
-          <p:cNvSpPr txBox="1"/>
-          <p:nvPr/>
-        </p:nvSpPr>
-        <p:spPr>
-          <a:xfrm>
-            <a:off x="3894902" y="2633182"/>
-            <a:ext cx="269626" cy="276999"/>
-          </a:xfrm>
-          <a:prstGeom prst="rect">
-            <a:avLst/>
-          </a:prstGeom>
-          <a:noFill/>
-          <a:ln>
-            <a:solidFill>
-              <a:schemeClr val="tx1"/>
-            </a:solidFill>
-            <a:prstDash val="dashDot"/>
-          </a:ln>
-        </p:spPr>
-        <p:txBody>
-          <a:bodyPr wrap="none" rtlCol="0">
-            <a:spAutoFit/>
-          </a:bodyPr>
-          <a:lstStyle/>
-          <a:p>
-            <a:r>
-              <a:rPr lang="en-AU" sz="1200" dirty="0">
-                <a:solidFill>
-                  <a:srgbClr val="234061"/>
-                </a:solidFill>
-              </a:rPr>
-              <a:t>?</a:t>
-            </a:r>
-          </a:p>
-        </p:txBody>
-      </p:sp>
-      <p:sp>
-        <p:nvSpPr>
-          <p:cNvPr id="46" name="TextBox 45">
-            <a:extLst>
-              <a:ext uri="{FF2B5EF4-FFF2-40B4-BE49-F238E27FC236}">
-                <a16:creationId xmlns:a16="http://schemas.microsoft.com/office/drawing/2014/main" id="{B9E2D23B-1600-4D80-98CF-8CF1120C4543}"/>
-              </a:ext>
-            </a:extLst>
-          </p:cNvPr>
-          <p:cNvSpPr txBox="1"/>
-          <p:nvPr/>
-        </p:nvSpPr>
-        <p:spPr>
-          <a:xfrm>
-            <a:off x="4925331" y="1660838"/>
-            <a:ext cx="269626" cy="276999"/>
-          </a:xfrm>
-          <a:prstGeom prst="rect">
-            <a:avLst/>
-          </a:prstGeom>
-          <a:noFill/>
-          <a:ln>
-            <a:solidFill>
-              <a:schemeClr val="tx1"/>
-            </a:solidFill>
-            <a:prstDash val="dashDot"/>
-          </a:ln>
-        </p:spPr>
-        <p:txBody>
-          <a:bodyPr wrap="none" rtlCol="0">
-            <a:spAutoFit/>
-          </a:bodyPr>
-          <a:lstStyle/>
-          <a:p>
-            <a:r>
-              <a:rPr lang="en-AU" sz="1200" dirty="0">
-                <a:solidFill>
-                  <a:srgbClr val="234061"/>
-                </a:solidFill>
-              </a:rPr>
-              <a:t>?</a:t>
-            </a:r>
-          </a:p>
-        </p:txBody>
-      </p:sp>
-      <p:sp>
-        <p:nvSpPr>
-          <p:cNvPr id="35" name="Flowchart: Magnetic Disk 34">
-            <a:extLst>
-              <a:ext uri="{FF2B5EF4-FFF2-40B4-BE49-F238E27FC236}">
-                <a16:creationId xmlns:a16="http://schemas.microsoft.com/office/drawing/2014/main" id="{A677218D-A0DD-4A06-9388-17C7750B78EE}"/>
-              </a:ext>
-            </a:extLst>
-          </p:cNvPr>
-          <p:cNvSpPr/>
-          <p:nvPr/>
-        </p:nvSpPr>
-        <p:spPr>
-          <a:xfrm>
-            <a:off x="428450" y="2837164"/>
-            <a:ext cx="1115878" cy="937647"/>
-          </a:xfrm>
-          <a:prstGeom prst="flowChartMagneticDisk">
-            <a:avLst/>
-          </a:prstGeom>
-          <a:noFill/>
-          <a:ln>
-            <a:solidFill>
-              <a:srgbClr val="234061"/>
-            </a:solidFill>
-            <a:prstDash val="dashDot"/>
-          </a:ln>
-        </p:spPr>
-        <p:style>
-          <a:lnRef idx="2">
-            <a:schemeClr val="accent1">
-              <a:shade val="50000"/>
-            </a:schemeClr>
-          </a:lnRef>
-          <a:fillRef idx="1">
-            <a:schemeClr val="accent1"/>
-          </a:fillRef>
-          <a:effectRef idx="0">
-            <a:schemeClr val="accent1"/>
-          </a:effectRef>
-          <a:fontRef idx="minor">
-            <a:schemeClr val="lt1"/>
-          </a:fontRef>
-        </p:style>
-        <p:txBody>
-          <a:bodyPr rtlCol="0" anchor="ctr"/>
-          <a:lstStyle/>
-          <a:p>
-            <a:pPr algn="ctr"/>
-            <a:r>
-              <a:rPr lang="en-AU" dirty="0">
-                <a:solidFill>
-                  <a:srgbClr val="234061"/>
-                </a:solidFill>
-              </a:rPr>
-              <a:t>Nat. Data Catalogues</a:t>
-            </a:r>
-          </a:p>
-        </p:txBody>
-      </p:sp>
-      <p:sp>
-        <p:nvSpPr>
-          <p:cNvPr id="40" name="TextBox 39">
-            <a:extLst>
-              <a:ext uri="{FF2B5EF4-FFF2-40B4-BE49-F238E27FC236}">
-                <a16:creationId xmlns:a16="http://schemas.microsoft.com/office/drawing/2014/main" id="{136CBFAE-ED4D-4756-A868-871A7EC00F79}"/>
-              </a:ext>
-            </a:extLst>
-          </p:cNvPr>
-          <p:cNvSpPr txBox="1"/>
-          <p:nvPr/>
-        </p:nvSpPr>
-        <p:spPr>
-          <a:xfrm>
-            <a:off x="58393" y="4170391"/>
-            <a:ext cx="1343638" cy="276999"/>
-          </a:xfrm>
-          <a:prstGeom prst="rect">
-            <a:avLst/>
-          </a:prstGeom>
-          <a:noFill/>
-        </p:spPr>
-        <p:txBody>
-          <a:bodyPr wrap="none" rtlCol="0">
-            <a:spAutoFit/>
-          </a:bodyPr>
-          <a:lstStyle/>
-          <a:p>
-            <a:r>
-              <a:rPr lang="en-AU" sz="1200" dirty="0" err="1">
-                <a:solidFill>
-                  <a:srgbClr val="234061"/>
-                </a:solidFill>
-              </a:rPr>
-              <a:t>wasDerivedFrom</a:t>
-            </a:r>
-            <a:endParaRPr lang="en-AU" sz="1200" dirty="0">
-              <a:solidFill>
-                <a:srgbClr val="234061"/>
-              </a:solidFill>
+          <a:p>
+            <a:pPr lvl="1" indent="-342900">
+              <a:lnSpc>
+                <a:spcPct val="150000"/>
+              </a:lnSpc>
+              <a:spcBef>
+                <a:spcPts val="640"/>
+              </a:spcBef>
+              <a:spcAft>
+                <a:spcPts val="600"/>
+              </a:spcAft>
+              <a:buSzPts val="1800"/>
+              <a:buChar char="•"/>
+            </a:pPr>
+            <a:r>
+              <a:rPr lang="en-AU" sz="1400" dirty="0">
+                <a:latin typeface="Arial Unicode MS" panose="020B0604020202020204" pitchFamily="34" charset="-128"/>
+                <a:ea typeface="Arial Unicode MS" panose="020B0604020202020204" pitchFamily="34" charset="-128"/>
+                <a:cs typeface="Arial Unicode MS" panose="020B0604020202020204" pitchFamily="34" charset="-128"/>
+                <a:hlinkClick r:id="rId3"/>
+              </a:rPr>
+              <a:t>http://test.linked.data.gov.au/dataset/auorg</a:t>
+            </a:r>
+            <a:r>
+              <a:rPr lang="en-AU" sz="1400" dirty="0">
+                <a:latin typeface="Arial Unicode MS" panose="020B0604020202020204" pitchFamily="34" charset="-128"/>
+                <a:ea typeface="Arial Unicode MS" panose="020B0604020202020204" pitchFamily="34" charset="-128"/>
+                <a:cs typeface="Arial Unicode MS" panose="020B0604020202020204" pitchFamily="34" charset="-128"/>
+              </a:rPr>
+              <a:t> - AU Org dataset</a:t>
+            </a:r>
+          </a:p>
+          <a:p>
+            <a:pPr lvl="1" indent="-342900">
+              <a:lnSpc>
+                <a:spcPct val="150000"/>
+              </a:lnSpc>
+              <a:spcBef>
+                <a:spcPts val="640"/>
+              </a:spcBef>
+              <a:spcAft>
+                <a:spcPts val="600"/>
+              </a:spcAft>
+              <a:buSzPts val="1800"/>
+              <a:buChar char="•"/>
+            </a:pPr>
+            <a:r>
+              <a:rPr lang="en-AU" sz="1400" dirty="0">
+                <a:latin typeface="Arial Unicode MS" panose="020B0604020202020204" pitchFamily="34" charset="-128"/>
+                <a:ea typeface="Arial Unicode MS" panose="020B0604020202020204" pitchFamily="34" charset="-128"/>
+                <a:cs typeface="Arial Unicode MS" panose="020B0604020202020204" pitchFamily="34" charset="-128"/>
+                <a:hlinkClick r:id="rId4"/>
+              </a:rPr>
+              <a:t>http://test.linked.data.gov.au/org/O-000928</a:t>
+            </a:r>
+            <a:r>
+              <a:rPr lang="en-AU" sz="1400" dirty="0">
+                <a:latin typeface="Arial Unicode MS" panose="020B0604020202020204" pitchFamily="34" charset="-128"/>
+                <a:ea typeface="Arial Unicode MS" panose="020B0604020202020204" pitchFamily="34" charset="-128"/>
+                <a:cs typeface="Arial Unicode MS" panose="020B0604020202020204" pitchFamily="34" charset="-128"/>
+              </a:rPr>
+              <a:t> - ABS within AU Org</a:t>
+            </a:r>
+          </a:p>
+          <a:p>
+            <a:pPr lvl="1" indent="-342900">
+              <a:lnSpc>
+                <a:spcPct val="150000"/>
+              </a:lnSpc>
+              <a:spcBef>
+                <a:spcPts val="640"/>
+              </a:spcBef>
+              <a:spcAft>
+                <a:spcPts val="600"/>
+              </a:spcAft>
+              <a:buSzPts val="1800"/>
+              <a:buChar char="•"/>
+            </a:pPr>
+            <a:endParaRPr lang="en-AU" sz="1400" dirty="0">
+              <a:latin typeface="Arial Unicode MS" panose="020B0604020202020204" pitchFamily="34" charset="-128"/>
+              <a:ea typeface="Arial Unicode MS" panose="020B0604020202020204" pitchFamily="34" charset="-128"/>
+              <a:cs typeface="Arial Unicode MS" panose="020B0604020202020204" pitchFamily="34" charset="-128"/>
             </a:endParaRPr>
-          </a:p>
-        </p:txBody>
-      </p:sp>
-      <p:cxnSp>
-        <p:nvCxnSpPr>
-          <p:cNvPr id="41" name="Straight Arrow Connector 40">
-            <a:extLst>
-              <a:ext uri="{FF2B5EF4-FFF2-40B4-BE49-F238E27FC236}">
-                <a16:creationId xmlns:a16="http://schemas.microsoft.com/office/drawing/2014/main" id="{EEE6E9E6-DA8A-434D-93E2-7568D75A0E80}"/>
-              </a:ext>
-            </a:extLst>
-          </p:cNvPr>
-          <p:cNvCxnSpPr>
-            <a:cxnSpLocks/>
-          </p:cNvCxnSpPr>
-          <p:nvPr/>
-        </p:nvCxnSpPr>
-        <p:spPr>
-          <a:xfrm>
-            <a:off x="1334793" y="3744054"/>
-            <a:ext cx="323688" cy="904171"/>
-          </a:xfrm>
-          <a:prstGeom prst="straightConnector1">
-            <a:avLst/>
-          </a:prstGeom>
-          <a:ln w="12700">
-            <a:solidFill>
-              <a:srgbClr val="234061"/>
-            </a:solidFill>
-            <a:tailEnd type="triangle"/>
-          </a:ln>
-        </p:spPr>
-        <p:style>
-          <a:lnRef idx="1">
-            <a:schemeClr val="accent1"/>
-          </a:lnRef>
-          <a:fillRef idx="0">
-            <a:schemeClr val="accent1"/>
-          </a:fillRef>
-          <a:effectRef idx="0">
-            <a:schemeClr val="accent1"/>
-          </a:effectRef>
-          <a:fontRef idx="minor">
-            <a:schemeClr val="tx1"/>
-          </a:fontRef>
-        </p:style>
-      </p:cxnSp>
-      <p:cxnSp>
-        <p:nvCxnSpPr>
-          <p:cNvPr id="43" name="Straight Arrow Connector 42">
-            <a:extLst>
-              <a:ext uri="{FF2B5EF4-FFF2-40B4-BE49-F238E27FC236}">
-                <a16:creationId xmlns:a16="http://schemas.microsoft.com/office/drawing/2014/main" id="{F46D5948-F69A-47E5-B2A1-0E895AF8CF6E}"/>
-              </a:ext>
-            </a:extLst>
-          </p:cNvPr>
-          <p:cNvCxnSpPr>
-            <a:cxnSpLocks/>
-            <a:stCxn id="35" idx="4"/>
-          </p:cNvCxnSpPr>
-          <p:nvPr/>
-        </p:nvCxnSpPr>
-        <p:spPr>
-          <a:xfrm>
-            <a:off x="1544328" y="3305988"/>
-            <a:ext cx="711712" cy="182323"/>
-          </a:xfrm>
-          <a:prstGeom prst="straightConnector1">
-            <a:avLst/>
-          </a:prstGeom>
-          <a:ln w="12700">
-            <a:solidFill>
-              <a:srgbClr val="234061"/>
-            </a:solidFill>
-            <a:tailEnd type="triangle"/>
-          </a:ln>
-        </p:spPr>
-        <p:style>
-          <a:lnRef idx="1">
-            <a:schemeClr val="accent1"/>
-          </a:lnRef>
-          <a:fillRef idx="0">
-            <a:schemeClr val="accent1"/>
-          </a:fillRef>
-          <a:effectRef idx="0">
-            <a:schemeClr val="accent1"/>
-          </a:effectRef>
-          <a:fontRef idx="minor">
-            <a:schemeClr val="tx1"/>
-          </a:fontRef>
-        </p:style>
-      </p:cxnSp>
-      <p:sp>
-        <p:nvSpPr>
-          <p:cNvPr id="44" name="TextBox 43">
-            <a:extLst>
-              <a:ext uri="{FF2B5EF4-FFF2-40B4-BE49-F238E27FC236}">
-                <a16:creationId xmlns:a16="http://schemas.microsoft.com/office/drawing/2014/main" id="{53C5E962-29EE-4B30-A3F2-F860C6BF785D}"/>
-              </a:ext>
-            </a:extLst>
-          </p:cNvPr>
-          <p:cNvSpPr txBox="1"/>
-          <p:nvPr/>
-        </p:nvSpPr>
-        <p:spPr>
-          <a:xfrm>
-            <a:off x="1689420" y="3068268"/>
-            <a:ext cx="805029" cy="276999"/>
-          </a:xfrm>
-          <a:prstGeom prst="rect">
-            <a:avLst/>
-          </a:prstGeom>
-          <a:noFill/>
-        </p:spPr>
-        <p:txBody>
-          <a:bodyPr wrap="none" rtlCol="0">
-            <a:spAutoFit/>
-          </a:bodyPr>
-          <a:lstStyle/>
-          <a:p>
-            <a:r>
-              <a:rPr lang="en-AU" sz="1200" dirty="0">
-                <a:solidFill>
-                  <a:srgbClr val="234061"/>
-                </a:solidFill>
-              </a:rPr>
-              <a:t>publisher</a:t>
-            </a:r>
           </a:p>
         </p:txBody>
       </p:sp>
     </p:spTree>
     <p:extLst>
       <p:ext uri="{BB962C8B-B14F-4D97-AF65-F5344CB8AC3E}">
-        <p14:creationId xmlns:p14="http://schemas.microsoft.com/office/powerpoint/2010/main" val="52118901"/>
+        <p14:creationId xmlns:p14="http://schemas.microsoft.com/office/powerpoint/2010/main" val="1053289707"/>
       </p:ext>
     </p:extLst>
   </p:cSld>
@@ -20929,7 +20483,7 @@
   <p:cSld>
     <p:spTree>
       <p:nvGrpSpPr>
-        <p:cNvPr id="1" name="Shape 255"/>
+        <p:cNvPr id="1" name="Shape 183"/>
         <p:cNvGrpSpPr/>
         <p:nvPr/>
       </p:nvGrpSpPr>
@@ -20943,7 +20497,7 @@
       </p:grpSpPr>
       <p:sp>
         <p:nvSpPr>
-          <p:cNvPr id="256" name="Shape 256"/>
+          <p:cNvPr id="184" name="Shape 184"/>
           <p:cNvSpPr txBox="1">
             <a:spLocks noGrp="1"/>
           </p:cNvSpPr>
@@ -20955,18 +20509,14 @@
           <a:prstGeom prst="rect">
             <a:avLst/>
           </a:prstGeom>
-          <a:noFill/>
-          <a:ln>
-            <a:noFill/>
-          </a:ln>
         </p:spPr>
         <p:txBody>
-          <a:bodyPr spcFirstLastPara="1" wrap="square" lIns="91425" tIns="45700" rIns="91425" bIns="45700" anchor="t" anchorCtr="0">
+          <a:bodyPr spcFirstLastPara="1" wrap="square" lIns="91425" tIns="91425" rIns="91425" bIns="91425" anchor="ctr" anchorCtr="0">
             <a:noAutofit/>
           </a:bodyPr>
           <a:lstStyle/>
           <a:p>
-            <a:pPr marL="0" marR="0" lvl="0" indent="0" algn="l" rtl="0">
+            <a:pPr marL="0" lvl="0" indent="0">
               <a:spcBef>
                 <a:spcPts val="0"/>
               </a:spcBef>
@@ -20974,10 +20524,10 @@
                 <a:spcPts val="0"/>
               </a:spcAft>
               <a:buClr>
-                <a:srgbClr val="244061"/>
+                <a:schemeClr val="dk1"/>
               </a:buClr>
-              <a:buSzPts val="4000"/>
-              <a:buFont typeface="Avenir"/>
+              <a:buSzPts val="1100"/>
+              <a:buFont typeface="Arial"/>
               <a:buNone/>
             </a:pPr>
             <a:r>
@@ -20989,23 +20539,15 @@
                 <a:ea typeface="Arial Unicode MS" panose="020B0604020202020204" pitchFamily="34" charset="-128"/>
                 <a:cs typeface="Arial Unicode MS" panose="020B0604020202020204" pitchFamily="34" charset="-128"/>
               </a:rPr>
-              <a:t>Questions?</a:t>
-            </a:r>
-            <a:endParaRPr sz="4000" b="1" i="0" u="none" strike="noStrike" cap="none" dirty="0">
-              <a:solidFill>
-                <a:srgbClr val="244061"/>
-              </a:solidFill>
-              <a:latin typeface="Avenir"/>
-              <a:ea typeface="Avenir"/>
-              <a:cs typeface="Avenir"/>
-              <a:sym typeface="Avenir"/>
-            </a:endParaRPr>
+              <a:t>Managing linked.data.gov.au</a:t>
+            </a:r>
+            <a:endParaRPr sz="3000" b="0" dirty="0"/>
           </a:p>
         </p:txBody>
       </p:sp>
       <p:sp>
         <p:nvSpPr>
-          <p:cNvPr id="257" name="Shape 257"/>
+          <p:cNvPr id="185" name="Shape 185"/>
           <p:cNvSpPr txBox="1">
             <a:spLocks noGrp="1"/>
           </p:cNvSpPr>
@@ -21014,25 +20556,747 @@
           </p:nvPr>
         </p:nvSpPr>
         <p:spPr>
+          <a:prstGeom prst="rect">
+            <a:avLst/>
+          </a:prstGeom>
+        </p:spPr>
+        <p:txBody>
+          <a:bodyPr spcFirstLastPara="1" wrap="square" lIns="91425" tIns="91425" rIns="91425" bIns="91425" anchor="t" anchorCtr="0">
+            <a:noAutofit/>
+          </a:bodyPr>
+          <a:lstStyle/>
+          <a:p>
+            <a:pPr marL="457200" marR="0" lvl="0" indent="-342900" algn="l" rtl="0">
+              <a:lnSpc>
+                <a:spcPct val="150000"/>
+              </a:lnSpc>
+              <a:spcBef>
+                <a:spcPts val="640"/>
+              </a:spcBef>
+              <a:spcAft>
+                <a:spcPts val="600"/>
+              </a:spcAft>
+              <a:buSzPts val="1800"/>
+              <a:buChar char="•"/>
+            </a:pPr>
+            <a:r>
+              <a:rPr lang="en-AU" sz="1600" dirty="0">
+                <a:latin typeface="Arial Unicode MS" panose="020B0604020202020204" pitchFamily="34" charset="-128"/>
+                <a:ea typeface="Arial Unicode MS" panose="020B0604020202020204" pitchFamily="34" charset="-128"/>
+                <a:cs typeface="Arial Unicode MS" panose="020B0604020202020204" pitchFamily="34" charset="-128"/>
+              </a:rPr>
+              <a:t>The WG is establishing a new URI allocation mechanism that:</a:t>
+            </a:r>
+          </a:p>
+          <a:p>
+            <a:pPr lvl="1" indent="-342900">
+              <a:lnSpc>
+                <a:spcPct val="150000"/>
+              </a:lnSpc>
+              <a:spcBef>
+                <a:spcPts val="640"/>
+              </a:spcBef>
+              <a:spcAft>
+                <a:spcPts val="600"/>
+              </a:spcAft>
+              <a:buSzPts val="1800"/>
+              <a:buFont typeface="Arial"/>
+              <a:buChar char="•"/>
+            </a:pPr>
+            <a:r>
+              <a:rPr lang="en-AU" sz="1400" dirty="0">
+                <a:latin typeface="Arial Unicode MS" panose="020B0604020202020204" pitchFamily="34" charset="-128"/>
+                <a:ea typeface="Arial Unicode MS" panose="020B0604020202020204" pitchFamily="34" charset="-128"/>
+                <a:cs typeface="Arial Unicode MS" panose="020B0604020202020204" pitchFamily="34" charset="-128"/>
+              </a:rPr>
+              <a:t>Stable for the long-term</a:t>
+            </a:r>
+          </a:p>
+          <a:p>
+            <a:pPr lvl="1" indent="-342900">
+              <a:lnSpc>
+                <a:spcPct val="150000"/>
+              </a:lnSpc>
+              <a:spcBef>
+                <a:spcPts val="640"/>
+              </a:spcBef>
+              <a:spcAft>
+                <a:spcPts val="600"/>
+              </a:spcAft>
+              <a:buSzPts val="1800"/>
+              <a:buChar char="•"/>
+            </a:pPr>
+            <a:r>
+              <a:rPr lang="en-AU" sz="1400" dirty="0">
+                <a:latin typeface="Arial Unicode MS" panose="020B0604020202020204" pitchFamily="34" charset="-128"/>
+                <a:ea typeface="Arial Unicode MS" panose="020B0604020202020204" pitchFamily="34" charset="-128"/>
+                <a:cs typeface="Arial Unicode MS" panose="020B0604020202020204" pitchFamily="34" charset="-128"/>
+              </a:rPr>
+              <a:t>Gives persistent identity and resolution to web resources</a:t>
+            </a:r>
+          </a:p>
+          <a:p>
+            <a:pPr lvl="1" indent="-342900">
+              <a:lnSpc>
+                <a:spcPct val="150000"/>
+              </a:lnSpc>
+              <a:spcBef>
+                <a:spcPts val="640"/>
+              </a:spcBef>
+              <a:spcAft>
+                <a:spcPts val="600"/>
+              </a:spcAft>
+              <a:buSzPts val="1800"/>
+              <a:buChar char="•"/>
+            </a:pPr>
+            <a:r>
+              <a:rPr lang="en-AU" sz="1400" dirty="0">
+                <a:latin typeface="Arial Unicode MS" panose="020B0604020202020204" pitchFamily="34" charset="-128"/>
+                <a:ea typeface="Arial Unicode MS" panose="020B0604020202020204" pitchFamily="34" charset="-128"/>
+                <a:cs typeface="Arial Unicode MS" panose="020B0604020202020204" pitchFamily="34" charset="-128"/>
+              </a:rPr>
+              <a:t>Gives addresses for whole datasets and individual elements:</a:t>
+            </a:r>
+          </a:p>
+          <a:p>
+            <a:pPr lvl="1" indent="-342900">
+              <a:lnSpc>
+                <a:spcPct val="150000"/>
+              </a:lnSpc>
+              <a:spcBef>
+                <a:spcPts val="640"/>
+              </a:spcBef>
+              <a:spcAft>
+                <a:spcPts val="600"/>
+              </a:spcAft>
+              <a:buSzPts val="1800"/>
+              <a:buChar char="•"/>
+            </a:pPr>
+            <a:r>
+              <a:rPr lang="en-AU" sz="1400" dirty="0">
+                <a:latin typeface="Arial Unicode MS" panose="020B0604020202020204" pitchFamily="34" charset="-128"/>
+                <a:ea typeface="Arial Unicode MS" panose="020B0604020202020204" pitchFamily="34" charset="-128"/>
+                <a:cs typeface="Arial Unicode MS" panose="020B0604020202020204" pitchFamily="34" charset="-128"/>
+              </a:rPr>
+              <a:t>Allows for content negotiation</a:t>
+            </a:r>
+          </a:p>
+          <a:p>
+            <a:pPr lvl="1" indent="-342900">
+              <a:lnSpc>
+                <a:spcPct val="150000"/>
+              </a:lnSpc>
+              <a:spcBef>
+                <a:spcPts val="640"/>
+              </a:spcBef>
+              <a:spcAft>
+                <a:spcPts val="600"/>
+              </a:spcAft>
+              <a:buSzPts val="1800"/>
+              <a:buChar char="•"/>
+            </a:pPr>
+            <a:endParaRPr lang="en-AU" sz="1400" dirty="0">
+              <a:latin typeface="Arial Unicode MS" panose="020B0604020202020204" pitchFamily="34" charset="-128"/>
+              <a:ea typeface="Arial Unicode MS" panose="020B0604020202020204" pitchFamily="34" charset="-128"/>
+              <a:cs typeface="Arial Unicode MS" panose="020B0604020202020204" pitchFamily="34" charset="-128"/>
+            </a:endParaRPr>
+          </a:p>
+          <a:p>
+            <a:pPr lvl="1" indent="-342900">
+              <a:lnSpc>
+                <a:spcPct val="150000"/>
+              </a:lnSpc>
+              <a:spcBef>
+                <a:spcPts val="640"/>
+              </a:spcBef>
+              <a:spcAft>
+                <a:spcPts val="600"/>
+              </a:spcAft>
+              <a:buSzPts val="1800"/>
+              <a:buChar char="•"/>
+            </a:pPr>
+            <a:endParaRPr lang="en-AU" sz="1400" dirty="0">
+              <a:latin typeface="Arial Unicode MS" panose="020B0604020202020204" pitchFamily="34" charset="-128"/>
+              <a:ea typeface="Arial Unicode MS" panose="020B0604020202020204" pitchFamily="34" charset="-128"/>
+              <a:cs typeface="Arial Unicode MS" panose="020B0604020202020204" pitchFamily="34" charset="-128"/>
+            </a:endParaRPr>
+          </a:p>
+        </p:txBody>
+      </p:sp>
+    </p:spTree>
+    <p:extLst>
+      <p:ext uri="{BB962C8B-B14F-4D97-AF65-F5344CB8AC3E}">
+        <p14:creationId xmlns:p14="http://schemas.microsoft.com/office/powerpoint/2010/main" val="1900341072"/>
+      </p:ext>
+    </p:extLst>
+  </p:cSld>
+  <p:clrMapOvr>
+    <a:masterClrMapping/>
+  </p:clrMapOvr>
+</p:sld>
+</file>
+
+<file path=ppt/slides/slide18.xml><?xml version="1.0" encoding="utf-8"?>
+<p:sld xmlns:a="http://schemas.openxmlformats.org/drawingml/2006/main" xmlns:r="http://schemas.openxmlformats.org/officeDocument/2006/relationships" xmlns:p="http://schemas.openxmlformats.org/presentationml/2006/main">
+  <p:cSld>
+    <p:spTree>
+      <p:nvGrpSpPr>
+        <p:cNvPr id="1" name="Shape 183"/>
+        <p:cNvGrpSpPr/>
+        <p:nvPr/>
+      </p:nvGrpSpPr>
+      <p:grpSpPr>
+        <a:xfrm>
+          <a:off x="0" y="0"/>
+          <a:ext cx="0" cy="0"/>
+          <a:chOff x="0" y="0"/>
+          <a:chExt cx="0" cy="0"/>
+        </a:xfrm>
+      </p:grpSpPr>
+      <p:sp>
+        <p:nvSpPr>
+          <p:cNvPr id="184" name="Shape 184"/>
+          <p:cNvSpPr txBox="1">
+            <a:spLocks noGrp="1"/>
+          </p:cNvSpPr>
+          <p:nvPr>
+            <p:ph type="title"/>
+          </p:nvPr>
+        </p:nvSpPr>
+        <p:spPr>
+          <a:prstGeom prst="rect">
+            <a:avLst/>
+          </a:prstGeom>
+        </p:spPr>
+        <p:txBody>
+          <a:bodyPr spcFirstLastPara="1" wrap="square" lIns="91425" tIns="91425" rIns="91425" bIns="91425" anchor="ctr" anchorCtr="0">
+            <a:noAutofit/>
+          </a:bodyPr>
+          <a:lstStyle/>
+          <a:p>
+            <a:pPr marL="0" lvl="0" indent="0">
+              <a:spcBef>
+                <a:spcPts val="0"/>
+              </a:spcBef>
+              <a:spcAft>
+                <a:spcPts val="0"/>
+              </a:spcAft>
+              <a:buClr>
+                <a:schemeClr val="dk1"/>
+              </a:buClr>
+              <a:buSzPts val="1100"/>
+              <a:buFont typeface="Arial"/>
+              <a:buNone/>
+            </a:pPr>
+            <a:r>
+              <a:rPr lang="en-US" sz="3200" dirty="0">
+                <a:solidFill>
+                  <a:srgbClr val="851902"/>
+                </a:solidFill>
+                <a:latin typeface="Arial Unicode MS" panose="020B0604020202020204" pitchFamily="34" charset="-128"/>
+                <a:ea typeface="Arial Unicode MS" panose="020B0604020202020204" pitchFamily="34" charset="-128"/>
+                <a:cs typeface="Arial Unicode MS" panose="020B0604020202020204" pitchFamily="34" charset="-128"/>
+              </a:rPr>
+              <a:t>Managing linked.data.gov.au</a:t>
+            </a:r>
+            <a:endParaRPr sz="3000" b="0" dirty="0"/>
+          </a:p>
+        </p:txBody>
+      </p:sp>
+      <p:sp>
+        <p:nvSpPr>
+          <p:cNvPr id="185" name="Shape 185"/>
+          <p:cNvSpPr txBox="1">
+            <a:spLocks noGrp="1"/>
+          </p:cNvSpPr>
+          <p:nvPr>
+            <p:ph type="body" idx="1"/>
+          </p:nvPr>
+        </p:nvSpPr>
+        <p:spPr>
+          <a:prstGeom prst="rect">
+            <a:avLst/>
+          </a:prstGeom>
+        </p:spPr>
+        <p:txBody>
+          <a:bodyPr spcFirstLastPara="1" wrap="square" lIns="91425" tIns="91425" rIns="91425" bIns="91425" anchor="t" anchorCtr="0">
+            <a:noAutofit/>
+          </a:bodyPr>
+          <a:lstStyle/>
+          <a:p>
+            <a:pPr marL="457200" marR="0" lvl="0" indent="-342900" algn="l" rtl="0">
+              <a:lnSpc>
+                <a:spcPct val="150000"/>
+              </a:lnSpc>
+              <a:spcBef>
+                <a:spcPts val="640"/>
+              </a:spcBef>
+              <a:spcAft>
+                <a:spcPts val="600"/>
+              </a:spcAft>
+              <a:buSzPts val="1800"/>
+              <a:buChar char="•"/>
+            </a:pPr>
+            <a:r>
+              <a:rPr lang="en-AU" sz="1600" dirty="0">
+                <a:latin typeface="Arial Unicode MS" panose="020B0604020202020204" pitchFamily="34" charset="-128"/>
+                <a:ea typeface="Arial Unicode MS" panose="020B0604020202020204" pitchFamily="34" charset="-128"/>
+                <a:cs typeface="Arial Unicode MS" panose="020B0604020202020204" pitchFamily="34" charset="-128"/>
+              </a:rPr>
+              <a:t>The WG is establishing a new URI allocation mechanism that:</a:t>
+            </a:r>
+          </a:p>
+          <a:p>
+            <a:pPr lvl="1" indent="-342900">
+              <a:lnSpc>
+                <a:spcPct val="150000"/>
+              </a:lnSpc>
+              <a:spcBef>
+                <a:spcPts val="640"/>
+              </a:spcBef>
+              <a:spcAft>
+                <a:spcPts val="600"/>
+              </a:spcAft>
+              <a:buSzPts val="1800"/>
+              <a:buFont typeface="Arial"/>
+              <a:buChar char="•"/>
+            </a:pPr>
+            <a:r>
+              <a:rPr lang="en-AU" sz="1400" dirty="0">
+                <a:latin typeface="Arial Unicode MS" panose="020B0604020202020204" pitchFamily="34" charset="-128"/>
+                <a:ea typeface="Arial Unicode MS" panose="020B0604020202020204" pitchFamily="34" charset="-128"/>
+                <a:cs typeface="Arial Unicode MS" panose="020B0604020202020204" pitchFamily="34" charset="-128"/>
+              </a:rPr>
+              <a:t>Stable for the long-term</a:t>
+            </a:r>
+          </a:p>
+          <a:p>
+            <a:pPr lvl="1" indent="-342900">
+              <a:lnSpc>
+                <a:spcPct val="150000"/>
+              </a:lnSpc>
+              <a:spcBef>
+                <a:spcPts val="640"/>
+              </a:spcBef>
+              <a:spcAft>
+                <a:spcPts val="600"/>
+              </a:spcAft>
+              <a:buSzPts val="1800"/>
+              <a:buChar char="•"/>
+            </a:pPr>
+            <a:r>
+              <a:rPr lang="en-AU" sz="1400" dirty="0">
+                <a:latin typeface="Arial Unicode MS" panose="020B0604020202020204" pitchFamily="34" charset="-128"/>
+                <a:ea typeface="Arial Unicode MS" panose="020B0604020202020204" pitchFamily="34" charset="-128"/>
+                <a:cs typeface="Arial Unicode MS" panose="020B0604020202020204" pitchFamily="34" charset="-128"/>
+              </a:rPr>
+              <a:t>Gives persistent identity and resolution to web resources</a:t>
+            </a:r>
+          </a:p>
+          <a:p>
+            <a:pPr lvl="1" indent="-342900">
+              <a:lnSpc>
+                <a:spcPct val="150000"/>
+              </a:lnSpc>
+              <a:spcBef>
+                <a:spcPts val="640"/>
+              </a:spcBef>
+              <a:spcAft>
+                <a:spcPts val="600"/>
+              </a:spcAft>
+              <a:buSzPts val="1800"/>
+              <a:buChar char="•"/>
+            </a:pPr>
+            <a:r>
+              <a:rPr lang="en-AU" sz="1400" dirty="0">
+                <a:latin typeface="Arial Unicode MS" panose="020B0604020202020204" pitchFamily="34" charset="-128"/>
+                <a:ea typeface="Arial Unicode MS" panose="020B0604020202020204" pitchFamily="34" charset="-128"/>
+                <a:cs typeface="Arial Unicode MS" panose="020B0604020202020204" pitchFamily="34" charset="-128"/>
+              </a:rPr>
+              <a:t>Gives addresses for whole datasets and individual elements:</a:t>
+            </a:r>
+          </a:p>
+          <a:p>
+            <a:pPr lvl="1" indent="-342900">
+              <a:lnSpc>
+                <a:spcPct val="150000"/>
+              </a:lnSpc>
+              <a:spcBef>
+                <a:spcPts val="640"/>
+              </a:spcBef>
+              <a:spcAft>
+                <a:spcPts val="600"/>
+              </a:spcAft>
+              <a:buSzPts val="1800"/>
+              <a:buChar char="•"/>
+            </a:pPr>
+            <a:r>
+              <a:rPr lang="en-AU" sz="1400" dirty="0">
+                <a:latin typeface="Arial Unicode MS" panose="020B0604020202020204" pitchFamily="34" charset="-128"/>
+                <a:ea typeface="Arial Unicode MS" panose="020B0604020202020204" pitchFamily="34" charset="-128"/>
+                <a:cs typeface="Arial Unicode MS" panose="020B0604020202020204" pitchFamily="34" charset="-128"/>
+              </a:rPr>
+              <a:t>Allows for content negotiation</a:t>
+            </a:r>
+          </a:p>
+          <a:p>
+            <a:pPr lvl="1" indent="-342900">
+              <a:lnSpc>
+                <a:spcPct val="150000"/>
+              </a:lnSpc>
+              <a:spcBef>
+                <a:spcPts val="640"/>
+              </a:spcBef>
+              <a:spcAft>
+                <a:spcPts val="600"/>
+              </a:spcAft>
+              <a:buSzPts val="1800"/>
+              <a:buChar char="•"/>
+            </a:pPr>
+            <a:r>
+              <a:rPr lang="en-AU" sz="1400" dirty="0">
+                <a:latin typeface="Arial Unicode MS" panose="020B0604020202020204" pitchFamily="34" charset="-128"/>
+                <a:ea typeface="Arial Unicode MS" panose="020B0604020202020204" pitchFamily="34" charset="-128"/>
+                <a:cs typeface="Arial Unicode MS" panose="020B0604020202020204" pitchFamily="34" charset="-128"/>
+                <a:hlinkClick r:id="rId3"/>
+              </a:rPr>
+              <a:t>http://test.linked.data.gov.au/org/O-000928</a:t>
+            </a:r>
+            <a:r>
+              <a:rPr lang="en-AU" sz="1400" dirty="0">
+                <a:latin typeface="Arial Unicode MS" panose="020B0604020202020204" pitchFamily="34" charset="-128"/>
+                <a:ea typeface="Arial Unicode MS" panose="020B0604020202020204" pitchFamily="34" charset="-128"/>
+                <a:cs typeface="Arial Unicode MS" panose="020B0604020202020204" pitchFamily="34" charset="-128"/>
+              </a:rPr>
+              <a:t> - in HTML &amp; RDF</a:t>
+            </a:r>
+          </a:p>
+          <a:p>
+            <a:pPr lvl="1" indent="-342900">
+              <a:lnSpc>
+                <a:spcPct val="150000"/>
+              </a:lnSpc>
+              <a:spcBef>
+                <a:spcPts val="640"/>
+              </a:spcBef>
+              <a:spcAft>
+                <a:spcPts val="600"/>
+              </a:spcAft>
+              <a:buSzPts val="1800"/>
+              <a:buChar char="•"/>
+            </a:pPr>
+            <a:endParaRPr lang="en-AU" sz="1400" dirty="0">
+              <a:latin typeface="Arial Unicode MS" panose="020B0604020202020204" pitchFamily="34" charset="-128"/>
+              <a:ea typeface="Arial Unicode MS" panose="020B0604020202020204" pitchFamily="34" charset="-128"/>
+              <a:cs typeface="Arial Unicode MS" panose="020B0604020202020204" pitchFamily="34" charset="-128"/>
+            </a:endParaRPr>
+          </a:p>
+          <a:p>
+            <a:pPr lvl="1" indent="-342900">
+              <a:lnSpc>
+                <a:spcPct val="150000"/>
+              </a:lnSpc>
+              <a:spcBef>
+                <a:spcPts val="640"/>
+              </a:spcBef>
+              <a:spcAft>
+                <a:spcPts val="600"/>
+              </a:spcAft>
+              <a:buSzPts val="1800"/>
+              <a:buChar char="•"/>
+            </a:pPr>
+            <a:endParaRPr lang="en-AU" sz="1400" dirty="0">
+              <a:latin typeface="Arial Unicode MS" panose="020B0604020202020204" pitchFamily="34" charset="-128"/>
+              <a:ea typeface="Arial Unicode MS" panose="020B0604020202020204" pitchFamily="34" charset="-128"/>
+              <a:cs typeface="Arial Unicode MS" panose="020B0604020202020204" pitchFamily="34" charset="-128"/>
+            </a:endParaRPr>
+          </a:p>
+        </p:txBody>
+      </p:sp>
+      <p:pic>
+        <p:nvPicPr>
+          <p:cNvPr id="6" name="Picture 5">
+            <a:extLst>
+              <a:ext uri="{FF2B5EF4-FFF2-40B4-BE49-F238E27FC236}">
+                <a16:creationId xmlns:a16="http://schemas.microsoft.com/office/drawing/2014/main" id="{C73D1830-E19A-4503-8D9C-37E7D5DE6FFC}"/>
+              </a:ext>
+            </a:extLst>
+          </p:cNvPr>
+          <p:cNvPicPr>
+            <a:picLocks noChangeAspect="1"/>
+          </p:cNvPicPr>
+          <p:nvPr/>
+        </p:nvPicPr>
+        <p:blipFill rotWithShape="1">
+          <a:blip r:embed="rId4"/>
+          <a:srcRect b="18167"/>
+          <a:stretch/>
+        </p:blipFill>
+        <p:spPr>
           <a:xfrm>
-            <a:off x="722313" y="2015561"/>
-            <a:ext cx="7772400" cy="1500187"/>
+            <a:off x="-298580" y="4690844"/>
+            <a:ext cx="4023508" cy="2068747"/>
           </a:xfrm>
           <a:prstGeom prst="rect">
             <a:avLst/>
           </a:prstGeom>
-          <a:noFill/>
-          <a:ln>
-            <a:noFill/>
-          </a:ln>
+        </p:spPr>
+      </p:pic>
+      <p:sp>
+        <p:nvSpPr>
+          <p:cNvPr id="7" name="TextBox 6">
+            <a:extLst>
+              <a:ext uri="{FF2B5EF4-FFF2-40B4-BE49-F238E27FC236}">
+                <a16:creationId xmlns:a16="http://schemas.microsoft.com/office/drawing/2014/main" id="{94588FAB-219B-452F-A736-10083D12E298}"/>
+              </a:ext>
+            </a:extLst>
+          </p:cNvPr>
+          <p:cNvSpPr txBox="1"/>
+          <p:nvPr/>
+        </p:nvSpPr>
+        <p:spPr>
+          <a:xfrm>
+            <a:off x="3783167" y="4690845"/>
+            <a:ext cx="8823625" cy="2062103"/>
+          </a:xfrm>
+          <a:prstGeom prst="rect">
+            <a:avLst/>
+          </a:prstGeom>
+          <a:solidFill>
+            <a:schemeClr val="bg1"/>
+          </a:solidFill>
         </p:spPr>
         <p:txBody>
-          <a:bodyPr spcFirstLastPara="1" wrap="square" lIns="91425" tIns="45700" rIns="91425" bIns="45700" anchor="b" anchorCtr="0">
+          <a:bodyPr wrap="square" rtlCol="0">
+            <a:spAutoFit/>
+          </a:bodyPr>
+          <a:lstStyle/>
+          <a:p>
+            <a:r>
+              <a:rPr lang="en-AU" sz="1600" dirty="0">
+                <a:latin typeface="Courier"/>
+              </a:rPr>
+              <a:t>&lt;http://test.linked.data.gov.au/org/O-000928&gt; a </a:t>
+            </a:r>
+            <a:r>
+              <a:rPr lang="en-AU" sz="1600" dirty="0" err="1">
+                <a:latin typeface="Courier"/>
+              </a:rPr>
+              <a:t>org:Organization</a:t>
+            </a:r>
+            <a:r>
+              <a:rPr lang="en-AU" sz="1600" dirty="0">
+                <a:latin typeface="Courier"/>
+              </a:rPr>
+              <a:t> ;</a:t>
+            </a:r>
+          </a:p>
+          <a:p>
+            <a:r>
+              <a:rPr lang="en-AU" sz="1600" dirty="0">
+                <a:latin typeface="Courier"/>
+              </a:rPr>
+              <a:t>    </a:t>
+            </a:r>
+            <a:r>
+              <a:rPr lang="en-AU" sz="1600" dirty="0" err="1">
+                <a:latin typeface="Courier"/>
+              </a:rPr>
+              <a:t>rdfs:label</a:t>
+            </a:r>
+            <a:r>
+              <a:rPr lang="en-AU" sz="1600" dirty="0">
+                <a:latin typeface="Courier"/>
+              </a:rPr>
+              <a:t> "Australian Bureau of Statistics" ;</a:t>
+            </a:r>
+          </a:p>
+          <a:p>
+            <a:r>
+              <a:rPr lang="en-AU" sz="1600" dirty="0">
+                <a:latin typeface="Courier"/>
+              </a:rPr>
+              <a:t>    </a:t>
+            </a:r>
+            <a:r>
+              <a:rPr lang="en-AU" sz="1600" dirty="0" err="1">
+                <a:latin typeface="Courier"/>
+              </a:rPr>
+              <a:t>auorg:averageStaffingLevel</a:t>
+            </a:r>
+            <a:r>
+              <a:rPr lang="en-AU" sz="1600" dirty="0">
+                <a:latin typeface="Courier"/>
+              </a:rPr>
+              <a:t> 2387 ;</a:t>
+            </a:r>
+          </a:p>
+          <a:p>
+            <a:r>
+              <a:rPr lang="en-AU" sz="1600" dirty="0">
+                <a:latin typeface="Courier"/>
+              </a:rPr>
+              <a:t>    </a:t>
+            </a:r>
+            <a:r>
+              <a:rPr lang="en-AU" sz="1600" dirty="0" err="1">
+                <a:latin typeface="Courier"/>
+              </a:rPr>
+              <a:t>auorg:budgetAppropriations</a:t>
+            </a:r>
+            <a:r>
+              <a:rPr lang="en-AU" sz="1600" dirty="0">
+                <a:latin typeface="Courier"/>
+              </a:rPr>
+              <a:t> "368919000"^^</a:t>
+            </a:r>
+            <a:r>
+              <a:rPr lang="en-AU" sz="1600" dirty="0" err="1">
+                <a:latin typeface="Courier"/>
+              </a:rPr>
+              <a:t>auorg:AustralianDollars</a:t>
+            </a:r>
+            <a:r>
+              <a:rPr lang="en-AU" sz="1600" dirty="0">
+                <a:latin typeface="Courier"/>
+              </a:rPr>
+              <a:t> ;</a:t>
+            </a:r>
+          </a:p>
+          <a:p>
+            <a:r>
+              <a:rPr lang="en-AU" sz="1600" dirty="0">
+                <a:latin typeface="Courier"/>
+              </a:rPr>
+              <a:t>    </a:t>
+            </a:r>
+            <a:r>
+              <a:rPr lang="en-AU" sz="1600" dirty="0" err="1">
+                <a:latin typeface="Courier"/>
+              </a:rPr>
+              <a:t>auorg:portfolio</a:t>
+            </a:r>
+            <a:r>
+              <a:rPr lang="en-AU" sz="1600" dirty="0">
+                <a:latin typeface="Courier"/>
+              </a:rPr>
+              <a:t> &lt;http://test.linked.data.gov.au/portfolio/78921&gt; ;</a:t>
+            </a:r>
+          </a:p>
+          <a:p>
+            <a:r>
+              <a:rPr lang="en-AU" sz="1600" dirty="0">
+                <a:latin typeface="Courier"/>
+              </a:rPr>
+              <a:t>    </a:t>
+            </a:r>
+            <a:r>
+              <a:rPr lang="en-AU" sz="1600" dirty="0" err="1">
+                <a:latin typeface="Courier"/>
+              </a:rPr>
+              <a:t>dct:created</a:t>
+            </a:r>
+            <a:r>
+              <a:rPr lang="en-AU" sz="1600" dirty="0">
+                <a:latin typeface="Courier"/>
+              </a:rPr>
+              <a:t> "1977-02-22"^^</a:t>
+            </a:r>
+            <a:r>
+              <a:rPr lang="en-AU" sz="1600" dirty="0" err="1">
+                <a:latin typeface="Courier"/>
+              </a:rPr>
+              <a:t>xsd:date</a:t>
+            </a:r>
+            <a:r>
+              <a:rPr lang="en-AU" sz="1600" dirty="0">
+                <a:latin typeface="Courier"/>
+              </a:rPr>
+              <a:t> ;</a:t>
+            </a:r>
+          </a:p>
+          <a:p>
+            <a:r>
+              <a:rPr lang="en-AU" sz="1600" dirty="0">
+                <a:latin typeface="Courier"/>
+              </a:rPr>
+              <a:t>    </a:t>
+            </a:r>
+            <a:r>
+              <a:rPr lang="en-AU" sz="1600" dirty="0" err="1">
+                <a:latin typeface="Courier"/>
+              </a:rPr>
+              <a:t>dct:description</a:t>
+            </a:r>
+            <a:r>
+              <a:rPr lang="en-AU" sz="1600" dirty="0">
+                <a:latin typeface="Courier"/>
+              </a:rPr>
+              <a:t> "The ABS is..." ;</a:t>
+            </a:r>
+          </a:p>
+          <a:p>
+            <a:r>
+              <a:rPr lang="en-AU" sz="1600" b="1" dirty="0">
+                <a:latin typeface="Courier"/>
+              </a:rPr>
+              <a:t>    ns2:hasStreetAddress &lt;http://gnafld.net/address/GAACT714857871&gt; ;</a:t>
+            </a:r>
+          </a:p>
+        </p:txBody>
+      </p:sp>
+    </p:spTree>
+    <p:extLst>
+      <p:ext uri="{BB962C8B-B14F-4D97-AF65-F5344CB8AC3E}">
+        <p14:creationId xmlns:p14="http://schemas.microsoft.com/office/powerpoint/2010/main" val="3588760141"/>
+      </p:ext>
+    </p:extLst>
+  </p:cSld>
+  <p:clrMapOvr>
+    <a:masterClrMapping/>
+  </p:clrMapOvr>
+</p:sld>
+</file>
+
+<file path=ppt/slides/slide19.xml><?xml version="1.0" encoding="utf-8"?>
+<p:sld xmlns:a="http://schemas.openxmlformats.org/drawingml/2006/main" xmlns:r="http://schemas.openxmlformats.org/officeDocument/2006/relationships" xmlns:p="http://schemas.openxmlformats.org/presentationml/2006/main">
+  <p:cSld>
+    <p:spTree>
+      <p:nvGrpSpPr>
+        <p:cNvPr id="1" name="Shape 183"/>
+        <p:cNvGrpSpPr/>
+        <p:nvPr/>
+      </p:nvGrpSpPr>
+      <p:grpSpPr>
+        <a:xfrm>
+          <a:off x="0" y="0"/>
+          <a:ext cx="0" cy="0"/>
+          <a:chOff x="0" y="0"/>
+          <a:chExt cx="0" cy="0"/>
+        </a:xfrm>
+      </p:grpSpPr>
+      <p:sp>
+        <p:nvSpPr>
+          <p:cNvPr id="184" name="Shape 184"/>
+          <p:cNvSpPr txBox="1">
+            <a:spLocks noGrp="1"/>
+          </p:cNvSpPr>
+          <p:nvPr>
+            <p:ph type="title"/>
+          </p:nvPr>
+        </p:nvSpPr>
+        <p:spPr>
+          <a:prstGeom prst="rect">
+            <a:avLst/>
+          </a:prstGeom>
+        </p:spPr>
+        <p:txBody>
+          <a:bodyPr spcFirstLastPara="1" wrap="square" lIns="91425" tIns="91425" rIns="91425" bIns="91425" anchor="ctr" anchorCtr="0">
             <a:noAutofit/>
           </a:bodyPr>
           <a:lstStyle/>
           <a:p>
-            <a:pPr marL="0" marR="0" lvl="0" indent="0" algn="l" rtl="0">
+            <a:pPr marL="0" lvl="0" indent="0">
               <a:spcBef>
                 <a:spcPts val="0"/>
               </a:spcBef>
@@ -21040,183 +21304,124 @@
                 <a:spcPts val="0"/>
               </a:spcAft>
               <a:buClr>
-                <a:srgbClr val="723C3D"/>
+                <a:schemeClr val="dk1"/>
               </a:buClr>
-              <a:buSzPts val="2400"/>
+              <a:buSzPts val="1100"/>
               <a:buFont typeface="Arial"/>
               <a:buNone/>
             </a:pPr>
             <a:r>
-              <a:rPr lang="en-US" sz="3200" b="1" dirty="0">
+              <a:rPr lang="en-US" sz="3200" dirty="0">
                 <a:solidFill>
                   <a:srgbClr val="851902"/>
                 </a:solidFill>
                 <a:latin typeface="Arial Unicode MS" panose="020B0604020202020204" pitchFamily="34" charset="-128"/>
                 <a:ea typeface="Arial Unicode MS" panose="020B0604020202020204" pitchFamily="34" charset="-128"/>
                 <a:cs typeface="Arial Unicode MS" panose="020B0604020202020204" pitchFamily="34" charset="-128"/>
-                <a:sym typeface="Calibri"/>
-              </a:rPr>
-              <a:t>Contacts</a:t>
-            </a:r>
-          </a:p>
-          <a:p>
-            <a:pPr marL="0" marR="0" lvl="0" indent="0" algn="l" rtl="0">
-              <a:spcBef>
-                <a:spcPts val="0"/>
-              </a:spcBef>
-              <a:spcAft>
-                <a:spcPts val="0"/>
-              </a:spcAft>
-              <a:buClr>
-                <a:srgbClr val="723C3D"/>
-              </a:buClr>
-              <a:buSzPts val="2400"/>
-              <a:buFont typeface="Arial"/>
-              <a:buNone/>
+              </a:rPr>
+              <a:t>Linked Data catalogue</a:t>
+            </a:r>
+            <a:endParaRPr sz="3000" b="0" dirty="0"/>
+          </a:p>
+        </p:txBody>
+      </p:sp>
+      <p:sp>
+        <p:nvSpPr>
+          <p:cNvPr id="185" name="Shape 185"/>
+          <p:cNvSpPr txBox="1">
+            <a:spLocks noGrp="1"/>
+          </p:cNvSpPr>
+          <p:nvPr>
+            <p:ph type="body" idx="1"/>
+          </p:nvPr>
+        </p:nvSpPr>
+        <p:spPr>
+          <a:prstGeom prst="rect">
+            <a:avLst/>
+          </a:prstGeom>
+        </p:spPr>
+        <p:txBody>
+          <a:bodyPr spcFirstLastPara="1" wrap="square" lIns="91425" tIns="91425" rIns="91425" bIns="91425" anchor="t" anchorCtr="0">
+            <a:noAutofit/>
+          </a:bodyPr>
+          <a:lstStyle/>
+          <a:p>
+            <a:pPr marL="457200" marR="0" lvl="0" indent="-342900" algn="l" rtl="0">
+              <a:lnSpc>
+                <a:spcPct val="150000"/>
+              </a:lnSpc>
+              <a:spcBef>
+                <a:spcPts val="640"/>
+              </a:spcBef>
+              <a:spcAft>
+                <a:spcPts val="600"/>
+              </a:spcAft>
+              <a:buSzPts val="1800"/>
+              <a:buChar char="•"/>
             </a:pPr>
-            <a:endParaRPr lang="en-US" sz="2400" b="0" i="0" strike="noStrike" cap="none" dirty="0">
-              <a:solidFill>
-                <a:srgbClr val="723C3D"/>
-              </a:solidFill>
-              <a:latin typeface="Arial Unicode MS" panose="020B0604020202020204" pitchFamily="34" charset="-128"/>
-              <a:ea typeface="Arial Unicode MS" panose="020B0604020202020204" pitchFamily="34" charset="-128"/>
-              <a:cs typeface="Arial Unicode MS" panose="020B0604020202020204" pitchFamily="34" charset="-128"/>
-              <a:sym typeface="Calibri"/>
-            </a:endParaRPr>
-          </a:p>
-          <a:p>
-            <a:pPr marL="0" marR="0" lvl="0" indent="0" algn="l" rtl="0">
-              <a:spcBef>
-                <a:spcPts val="0"/>
-              </a:spcBef>
-              <a:spcAft>
-                <a:spcPts val="0"/>
-              </a:spcAft>
-              <a:buClr>
-                <a:srgbClr val="723C3D"/>
-              </a:buClr>
-              <a:buSzPts val="2400"/>
-              <a:buFont typeface="Arial"/>
-              <a:buNone/>
-            </a:pPr>
-            <a:r>
-              <a:rPr lang="en-US" sz="2400" b="0" i="0" strike="noStrike" cap="none" dirty="0">
-                <a:solidFill>
-                  <a:srgbClr val="723C3D"/>
-                </a:solidFill>
+            <a:r>
+              <a:rPr lang="en-AU" sz="1600" dirty="0">
                 <a:latin typeface="Arial Unicode MS" panose="020B0604020202020204" pitchFamily="34" charset="-128"/>
                 <a:ea typeface="Arial Unicode MS" panose="020B0604020202020204" pitchFamily="34" charset="-128"/>
                 <a:cs typeface="Arial Unicode MS" panose="020B0604020202020204" pitchFamily="34" charset="-128"/>
-                <a:sym typeface="Calibri"/>
-              </a:rPr>
-              <a:t>AGLDWG:  </a:t>
-            </a:r>
-            <a:r>
-              <a:rPr lang="en-US" sz="2400" b="0" i="0" u="sng" strike="noStrike" cap="none" dirty="0">
-                <a:solidFill>
-                  <a:srgbClr val="723C3D"/>
-                </a:solidFill>
-                <a:latin typeface="Courier" pitchFamily="2" charset="0"/>
-                <a:ea typeface="Calibri"/>
-                <a:cs typeface="Calibri"/>
-                <a:sym typeface="Calibri"/>
-                <a:hlinkClick r:id="rId3"/>
-              </a:rPr>
-              <a:t>http://linked.data.gov.au</a:t>
-            </a:r>
-            <a:endParaRPr lang="en-US" sz="2400" b="0" i="0" u="sng" strike="noStrike" cap="none" dirty="0">
-              <a:solidFill>
-                <a:srgbClr val="723C3D"/>
-              </a:solidFill>
-              <a:latin typeface="Courier" pitchFamily="2" charset="0"/>
-              <a:ea typeface="Calibri"/>
-              <a:cs typeface="Calibri"/>
-              <a:sym typeface="Calibri"/>
-            </a:endParaRPr>
-          </a:p>
-          <a:p>
-            <a:pPr marL="0" marR="0" lvl="0" indent="0" algn="l" rtl="0">
-              <a:spcBef>
-                <a:spcPts val="0"/>
-              </a:spcBef>
-              <a:spcAft>
-                <a:spcPts val="0"/>
-              </a:spcAft>
-              <a:buClr>
-                <a:srgbClr val="723C3D"/>
-              </a:buClr>
-              <a:buSzPts val="2400"/>
-              <a:buFont typeface="Arial"/>
-              <a:buNone/>
+              </a:rPr>
+              <a:t>The WG is developing a catalogue of Linked Data resources</a:t>
+            </a:r>
+          </a:p>
+          <a:p>
+            <a:pPr lvl="1" indent="-342900">
+              <a:lnSpc>
+                <a:spcPct val="150000"/>
+              </a:lnSpc>
+              <a:spcBef>
+                <a:spcPts val="640"/>
+              </a:spcBef>
+              <a:spcAft>
+                <a:spcPts val="600"/>
+              </a:spcAft>
+              <a:buSzPts val="1800"/>
+              <a:buChar char="•"/>
             </a:pPr>
             <a:r>
-              <a:rPr lang="en-US" sz="2400" dirty="0">
-                <a:solidFill>
-                  <a:srgbClr val="723C3D"/>
-                </a:solidFill>
+              <a:rPr lang="en-AU" sz="1400" dirty="0">
                 <a:latin typeface="Arial Unicode MS" panose="020B0604020202020204" pitchFamily="34" charset="-128"/>
                 <a:ea typeface="Arial Unicode MS" panose="020B0604020202020204" pitchFamily="34" charset="-128"/>
                 <a:cs typeface="Arial Unicode MS" panose="020B0604020202020204" pitchFamily="34" charset="-128"/>
-                <a:sym typeface="Calibri"/>
-              </a:rPr>
-              <a:t>Nick:           </a:t>
-            </a:r>
-            <a:r>
-              <a:rPr lang="en-US" sz="2400" dirty="0">
-                <a:solidFill>
-                  <a:srgbClr val="723C3D"/>
-                </a:solidFill>
+              </a:rPr>
+              <a:t>Datasets</a:t>
+            </a:r>
+          </a:p>
+          <a:p>
+            <a:pPr lvl="1" indent="-342900">
+              <a:lnSpc>
+                <a:spcPct val="150000"/>
+              </a:lnSpc>
+              <a:spcBef>
+                <a:spcPts val="640"/>
+              </a:spcBef>
+              <a:spcAft>
+                <a:spcPts val="600"/>
+              </a:spcAft>
+              <a:buSzPts val="1800"/>
+              <a:buChar char="•"/>
+            </a:pPr>
+            <a:r>
+              <a:rPr lang="en-AU" sz="1400" dirty="0">
                 <a:latin typeface="Arial Unicode MS" panose="020B0604020202020204" pitchFamily="34" charset="-128"/>
                 <a:ea typeface="Arial Unicode MS" panose="020B0604020202020204" pitchFamily="34" charset="-128"/>
                 <a:cs typeface="Arial Unicode MS" panose="020B0604020202020204" pitchFamily="34" charset="-128"/>
-                <a:sym typeface="Calibri"/>
-                <a:hlinkClick r:id="rId4"/>
-              </a:rPr>
-              <a:t>nicholas.car@csiro.au</a:t>
-            </a:r>
-            <a:r>
-              <a:rPr lang="en-US" sz="2400" dirty="0">
-                <a:solidFill>
-                  <a:srgbClr val="723C3D"/>
-                </a:solidFill>
-                <a:latin typeface="Arial Unicode MS" panose="020B0604020202020204" pitchFamily="34" charset="-128"/>
-                <a:ea typeface="Arial Unicode MS" panose="020B0604020202020204" pitchFamily="34" charset="-128"/>
-                <a:cs typeface="Arial Unicode MS" panose="020B0604020202020204" pitchFamily="34" charset="-128"/>
-                <a:sym typeface="Calibri"/>
-              </a:rPr>
-              <a:t> </a:t>
-            </a:r>
-            <a:endParaRPr lang="en-US" sz="2400" dirty="0">
-              <a:solidFill>
-                <a:srgbClr val="723C3D"/>
-              </a:solidFill>
-              <a:latin typeface="Arial Unicode MS" panose="020B0604020202020204" pitchFamily="34" charset="-128"/>
-              <a:ea typeface="Arial Unicode MS" panose="020B0604020202020204" pitchFamily="34" charset="-128"/>
-              <a:cs typeface="Arial Unicode MS" panose="020B0604020202020204" pitchFamily="34" charset="-128"/>
-            </a:endParaRPr>
-          </a:p>
-          <a:p>
-            <a:pPr marL="0" marR="0" lvl="0" indent="0" algn="l" rtl="0">
-              <a:spcBef>
-                <a:spcPts val="0"/>
-              </a:spcBef>
-              <a:spcAft>
-                <a:spcPts val="0"/>
-              </a:spcAft>
-              <a:buClr>
-                <a:srgbClr val="723C3D"/>
-              </a:buClr>
-              <a:buSzPts val="2400"/>
-              <a:buFont typeface="Arial"/>
-              <a:buNone/>
-            </a:pPr>
-            <a:endParaRPr dirty="0">
-              <a:latin typeface="Courier" pitchFamily="2" charset="0"/>
-            </a:endParaRPr>
+              </a:rPr>
+              <a:t>Definitional resources – ontologies (models) &amp; vocabularies </a:t>
+            </a:r>
           </a:p>
         </p:txBody>
       </p:sp>
     </p:spTree>
+    <p:extLst>
+      <p:ext uri="{BB962C8B-B14F-4D97-AF65-F5344CB8AC3E}">
+        <p14:creationId xmlns:p14="http://schemas.microsoft.com/office/powerpoint/2010/main" val="3892897022"/>
+      </p:ext>
+    </p:extLst>
   </p:cSld>
   <p:clrMapOvr>
     <a:masterClrMapping/>
@@ -21263,13 +21468,13 @@
               </a:ext>
             </a:extLst>
           </a:blip>
-          <a:srcRect l="23174" t="876" r="43217" b="6833"/>
+          <a:srcRect l="23174" t="876" r="44643" b="6833"/>
           <a:stretch/>
         </p:blipFill>
         <p:spPr>
           <a:xfrm>
-            <a:off x="5404915" y="930167"/>
-            <a:ext cx="3739085" cy="5927834"/>
+            <a:off x="5563537" y="930167"/>
+            <a:ext cx="3580463" cy="5927834"/>
           </a:xfrm>
           <a:prstGeom prst="rect">
             <a:avLst/>
@@ -21453,7 +21658,7 @@
                 <a:ea typeface="Arial Unicode MS" panose="020B0604020202020204" pitchFamily="34" charset="-128"/>
                 <a:cs typeface="Arial Unicode MS" panose="020B0604020202020204" pitchFamily="34" charset="-128"/>
               </a:rPr>
-              <a:t>Things the AGLDWG does</a:t>
+              <a:t>Things the AGLDWG is doing now</a:t>
             </a:r>
           </a:p>
           <a:p>
@@ -21527,6 +21732,2132 @@
     <p:extLst>
       <p:ext uri="{BB962C8B-B14F-4D97-AF65-F5344CB8AC3E}">
         <p14:creationId xmlns:p14="http://schemas.microsoft.com/office/powerpoint/2010/main" val="2016957920"/>
+      </p:ext>
+    </p:extLst>
+  </p:cSld>
+  <p:clrMapOvr>
+    <a:masterClrMapping/>
+  </p:clrMapOvr>
+</p:sld>
+</file>
+
+<file path=ppt/slides/slide20.xml><?xml version="1.0" encoding="utf-8"?>
+<p:sld xmlns:a="http://schemas.openxmlformats.org/drawingml/2006/main" xmlns:r="http://schemas.openxmlformats.org/officeDocument/2006/relationships" xmlns:p="http://schemas.openxmlformats.org/presentationml/2006/main">
+  <p:cSld>
+    <p:spTree>
+      <p:nvGrpSpPr>
+        <p:cNvPr id="1" name="Shape 183"/>
+        <p:cNvGrpSpPr/>
+        <p:nvPr/>
+      </p:nvGrpSpPr>
+      <p:grpSpPr>
+        <a:xfrm>
+          <a:off x="0" y="0"/>
+          <a:ext cx="0" cy="0"/>
+          <a:chOff x="0" y="0"/>
+          <a:chExt cx="0" cy="0"/>
+        </a:xfrm>
+      </p:grpSpPr>
+      <p:sp>
+        <p:nvSpPr>
+          <p:cNvPr id="184" name="Shape 184"/>
+          <p:cNvSpPr txBox="1">
+            <a:spLocks noGrp="1"/>
+          </p:cNvSpPr>
+          <p:nvPr>
+            <p:ph type="title"/>
+          </p:nvPr>
+        </p:nvSpPr>
+        <p:spPr>
+          <a:prstGeom prst="rect">
+            <a:avLst/>
+          </a:prstGeom>
+        </p:spPr>
+        <p:txBody>
+          <a:bodyPr spcFirstLastPara="1" wrap="square" lIns="91425" tIns="91425" rIns="91425" bIns="91425" anchor="ctr" anchorCtr="0">
+            <a:noAutofit/>
+          </a:bodyPr>
+          <a:lstStyle/>
+          <a:p>
+            <a:pPr marL="0" lvl="0" indent="0">
+              <a:spcBef>
+                <a:spcPts val="0"/>
+              </a:spcBef>
+              <a:spcAft>
+                <a:spcPts val="0"/>
+              </a:spcAft>
+              <a:buClr>
+                <a:schemeClr val="dk1"/>
+              </a:buClr>
+              <a:buSzPts val="1100"/>
+              <a:buFont typeface="Arial"/>
+              <a:buNone/>
+            </a:pPr>
+            <a:r>
+              <a:rPr lang="en-US" sz="3200" dirty="0">
+                <a:solidFill>
+                  <a:srgbClr val="851902"/>
+                </a:solidFill>
+                <a:latin typeface="Arial Unicode MS" panose="020B0604020202020204" pitchFamily="34" charset="-128"/>
+                <a:ea typeface="Arial Unicode MS" panose="020B0604020202020204" pitchFamily="34" charset="-128"/>
+                <a:cs typeface="Arial Unicode MS" panose="020B0604020202020204" pitchFamily="34" charset="-128"/>
+              </a:rPr>
+              <a:t>Linked Data catalogue</a:t>
+            </a:r>
+            <a:endParaRPr sz="3000" b="0" dirty="0"/>
+          </a:p>
+        </p:txBody>
+      </p:sp>
+      <p:sp>
+        <p:nvSpPr>
+          <p:cNvPr id="185" name="Shape 185"/>
+          <p:cNvSpPr txBox="1">
+            <a:spLocks noGrp="1"/>
+          </p:cNvSpPr>
+          <p:nvPr>
+            <p:ph type="body" idx="1"/>
+          </p:nvPr>
+        </p:nvSpPr>
+        <p:spPr>
+          <a:prstGeom prst="rect">
+            <a:avLst/>
+          </a:prstGeom>
+        </p:spPr>
+        <p:txBody>
+          <a:bodyPr spcFirstLastPara="1" wrap="square" lIns="91425" tIns="91425" rIns="91425" bIns="91425" anchor="t" anchorCtr="0">
+            <a:noAutofit/>
+          </a:bodyPr>
+          <a:lstStyle/>
+          <a:p>
+            <a:pPr marL="457200" marR="0" lvl="0" indent="-342900" algn="l" rtl="0">
+              <a:lnSpc>
+                <a:spcPct val="150000"/>
+              </a:lnSpc>
+              <a:spcBef>
+                <a:spcPts val="640"/>
+              </a:spcBef>
+              <a:spcAft>
+                <a:spcPts val="600"/>
+              </a:spcAft>
+              <a:buSzPts val="1800"/>
+              <a:buChar char="•"/>
+            </a:pPr>
+            <a:r>
+              <a:rPr lang="en-AU" sz="1600" dirty="0">
+                <a:latin typeface="Arial Unicode MS" panose="020B0604020202020204" pitchFamily="34" charset="-128"/>
+                <a:ea typeface="Arial Unicode MS" panose="020B0604020202020204" pitchFamily="34" charset="-128"/>
+                <a:cs typeface="Arial Unicode MS" panose="020B0604020202020204" pitchFamily="34" charset="-128"/>
+              </a:rPr>
+              <a:t>The WG is developing a catalogue of Linked Data resources</a:t>
+            </a:r>
+          </a:p>
+          <a:p>
+            <a:pPr lvl="1" indent="-342900">
+              <a:lnSpc>
+                <a:spcPct val="150000"/>
+              </a:lnSpc>
+              <a:spcBef>
+                <a:spcPts val="640"/>
+              </a:spcBef>
+              <a:spcAft>
+                <a:spcPts val="600"/>
+              </a:spcAft>
+              <a:buSzPts val="1800"/>
+              <a:buChar char="•"/>
+            </a:pPr>
+            <a:r>
+              <a:rPr lang="en-AU" sz="1400" dirty="0">
+                <a:latin typeface="Arial Unicode MS" panose="020B0604020202020204" pitchFamily="34" charset="-128"/>
+                <a:ea typeface="Arial Unicode MS" panose="020B0604020202020204" pitchFamily="34" charset="-128"/>
+                <a:cs typeface="Arial Unicode MS" panose="020B0604020202020204" pitchFamily="34" charset="-128"/>
+              </a:rPr>
+              <a:t>Datasets</a:t>
+            </a:r>
+          </a:p>
+          <a:p>
+            <a:pPr lvl="1" indent="-342900">
+              <a:lnSpc>
+                <a:spcPct val="150000"/>
+              </a:lnSpc>
+              <a:spcBef>
+                <a:spcPts val="640"/>
+              </a:spcBef>
+              <a:spcAft>
+                <a:spcPts val="600"/>
+              </a:spcAft>
+              <a:buSzPts val="1800"/>
+              <a:buChar char="•"/>
+            </a:pPr>
+            <a:endParaRPr lang="en-AU" sz="1400" dirty="0">
+              <a:latin typeface="Arial Unicode MS" panose="020B0604020202020204" pitchFamily="34" charset="-128"/>
+              <a:ea typeface="Arial Unicode MS" panose="020B0604020202020204" pitchFamily="34" charset="-128"/>
+              <a:cs typeface="Arial Unicode MS" panose="020B0604020202020204" pitchFamily="34" charset="-128"/>
+            </a:endParaRPr>
+          </a:p>
+          <a:p>
+            <a:pPr lvl="1" indent="-342900">
+              <a:lnSpc>
+                <a:spcPct val="150000"/>
+              </a:lnSpc>
+              <a:spcBef>
+                <a:spcPts val="640"/>
+              </a:spcBef>
+              <a:spcAft>
+                <a:spcPts val="600"/>
+              </a:spcAft>
+              <a:buSzPts val="1800"/>
+              <a:buChar char="•"/>
+            </a:pPr>
+            <a:r>
+              <a:rPr lang="en-AU" sz="1400" dirty="0">
+                <a:latin typeface="Arial Unicode MS" panose="020B0604020202020204" pitchFamily="34" charset="-128"/>
+                <a:ea typeface="Arial Unicode MS" panose="020B0604020202020204" pitchFamily="34" charset="-128"/>
+                <a:cs typeface="Arial Unicode MS" panose="020B0604020202020204" pitchFamily="34" charset="-128"/>
+              </a:rPr>
+              <a:t>Delivered via APIs or as static RDF datasets</a:t>
+            </a:r>
+          </a:p>
+          <a:p>
+            <a:pPr lvl="1" indent="-342900">
+              <a:lnSpc>
+                <a:spcPct val="150000"/>
+              </a:lnSpc>
+              <a:spcBef>
+                <a:spcPts val="640"/>
+              </a:spcBef>
+              <a:spcAft>
+                <a:spcPts val="600"/>
+              </a:spcAft>
+              <a:buSzPts val="1800"/>
+              <a:buChar char="•"/>
+            </a:pPr>
+            <a:endParaRPr lang="en-AU" sz="1400" dirty="0">
+              <a:latin typeface="Arial Unicode MS" panose="020B0604020202020204" pitchFamily="34" charset="-128"/>
+              <a:ea typeface="Arial Unicode MS" panose="020B0604020202020204" pitchFamily="34" charset="-128"/>
+              <a:cs typeface="Arial Unicode MS" panose="020B0604020202020204" pitchFamily="34" charset="-128"/>
+            </a:endParaRPr>
+          </a:p>
+        </p:txBody>
+      </p:sp>
+      <p:sp>
+        <p:nvSpPr>
+          <p:cNvPr id="2" name="Cylinder 1">
+            <a:extLst>
+              <a:ext uri="{FF2B5EF4-FFF2-40B4-BE49-F238E27FC236}">
+                <a16:creationId xmlns:a16="http://schemas.microsoft.com/office/drawing/2014/main" id="{5B2663A3-1085-4DFB-9FE7-1A0BF4EDFF95}"/>
+              </a:ext>
+            </a:extLst>
+          </p:cNvPr>
+          <p:cNvSpPr/>
+          <p:nvPr/>
+        </p:nvSpPr>
+        <p:spPr>
+          <a:xfrm>
+            <a:off x="1324947" y="5262465"/>
+            <a:ext cx="1362269" cy="1175657"/>
+          </a:xfrm>
+          <a:prstGeom prst="can">
+            <a:avLst/>
+          </a:prstGeom>
+        </p:spPr>
+        <p:style>
+          <a:lnRef idx="2">
+            <a:schemeClr val="accent1">
+              <a:shade val="50000"/>
+            </a:schemeClr>
+          </a:lnRef>
+          <a:fillRef idx="1">
+            <a:schemeClr val="accent1"/>
+          </a:fillRef>
+          <a:effectRef idx="0">
+            <a:schemeClr val="accent1"/>
+          </a:effectRef>
+          <a:fontRef idx="minor">
+            <a:schemeClr val="lt1"/>
+          </a:fontRef>
+        </p:style>
+        <p:txBody>
+          <a:bodyPr rtlCol="0" anchor="ctr"/>
+          <a:lstStyle/>
+          <a:p>
+            <a:pPr algn="ctr"/>
+            <a:r>
+              <a:rPr lang="en-AU" dirty="0"/>
+              <a:t>G-NAF DB</a:t>
+            </a:r>
+          </a:p>
+        </p:txBody>
+      </p:sp>
+      <p:sp>
+        <p:nvSpPr>
+          <p:cNvPr id="3" name="Rectangle 2">
+            <a:extLst>
+              <a:ext uri="{FF2B5EF4-FFF2-40B4-BE49-F238E27FC236}">
+                <a16:creationId xmlns:a16="http://schemas.microsoft.com/office/drawing/2014/main" id="{39FCEA01-02F2-4A86-9398-9395997D41BA}"/>
+              </a:ext>
+            </a:extLst>
+          </p:cNvPr>
+          <p:cNvSpPr/>
+          <p:nvPr/>
+        </p:nvSpPr>
+        <p:spPr>
+          <a:xfrm>
+            <a:off x="1324947" y="4366727"/>
+            <a:ext cx="1362269" cy="569167"/>
+          </a:xfrm>
+          <a:prstGeom prst="rect">
+            <a:avLst/>
+          </a:prstGeom>
+        </p:spPr>
+        <p:style>
+          <a:lnRef idx="2">
+            <a:schemeClr val="accent1">
+              <a:shade val="50000"/>
+            </a:schemeClr>
+          </a:lnRef>
+          <a:fillRef idx="1">
+            <a:schemeClr val="accent1"/>
+          </a:fillRef>
+          <a:effectRef idx="0">
+            <a:schemeClr val="accent1"/>
+          </a:effectRef>
+          <a:fontRef idx="minor">
+            <a:schemeClr val="lt1"/>
+          </a:fontRef>
+        </p:style>
+        <p:txBody>
+          <a:bodyPr rtlCol="0" anchor="ctr"/>
+          <a:lstStyle/>
+          <a:p>
+            <a:pPr algn="ctr"/>
+            <a:r>
+              <a:rPr lang="en-AU" dirty="0"/>
+              <a:t>LD API</a:t>
+            </a:r>
+          </a:p>
+        </p:txBody>
+      </p:sp>
+      <p:cxnSp>
+        <p:nvCxnSpPr>
+          <p:cNvPr id="5" name="Straight Arrow Connector 4">
+            <a:extLst>
+              <a:ext uri="{FF2B5EF4-FFF2-40B4-BE49-F238E27FC236}">
+                <a16:creationId xmlns:a16="http://schemas.microsoft.com/office/drawing/2014/main" id="{E6D585E7-6BFD-4CA1-AB7D-FC02A3AEC44A}"/>
+              </a:ext>
+            </a:extLst>
+          </p:cNvPr>
+          <p:cNvCxnSpPr>
+            <a:stCxn id="3" idx="2"/>
+            <a:endCxn id="2" idx="1"/>
+          </p:cNvCxnSpPr>
+          <p:nvPr/>
+        </p:nvCxnSpPr>
+        <p:spPr>
+          <a:xfrm>
+            <a:off x="2006082" y="4935894"/>
+            <a:ext cx="0" cy="326571"/>
+          </a:xfrm>
+          <a:prstGeom prst="straightConnector1">
+            <a:avLst/>
+          </a:prstGeom>
+          <a:ln w="28575">
+            <a:tailEnd type="triangle"/>
+          </a:ln>
+        </p:spPr>
+        <p:style>
+          <a:lnRef idx="1">
+            <a:schemeClr val="accent1"/>
+          </a:lnRef>
+          <a:fillRef idx="0">
+            <a:schemeClr val="accent1"/>
+          </a:fillRef>
+          <a:effectRef idx="0">
+            <a:schemeClr val="accent1"/>
+          </a:effectRef>
+          <a:fontRef idx="minor">
+            <a:schemeClr val="tx1"/>
+          </a:fontRef>
+        </p:style>
+      </p:cxnSp>
+      <p:sp>
+        <p:nvSpPr>
+          <p:cNvPr id="6" name="Rectangle: Folded Corner 5">
+            <a:extLst>
+              <a:ext uri="{FF2B5EF4-FFF2-40B4-BE49-F238E27FC236}">
+                <a16:creationId xmlns:a16="http://schemas.microsoft.com/office/drawing/2014/main" id="{3BB228D5-2A31-4EA5-B1F9-3D666E958724}"/>
+              </a:ext>
+            </a:extLst>
+          </p:cNvPr>
+          <p:cNvSpPr/>
+          <p:nvPr/>
+        </p:nvSpPr>
+        <p:spPr>
+          <a:xfrm>
+            <a:off x="4907902" y="4366727"/>
+            <a:ext cx="989045" cy="1250302"/>
+          </a:xfrm>
+          <a:prstGeom prst="foldedCorner">
+            <a:avLst/>
+          </a:prstGeom>
+        </p:spPr>
+        <p:style>
+          <a:lnRef idx="2">
+            <a:schemeClr val="accent1">
+              <a:shade val="50000"/>
+            </a:schemeClr>
+          </a:lnRef>
+          <a:fillRef idx="1">
+            <a:schemeClr val="accent1"/>
+          </a:fillRef>
+          <a:effectRef idx="0">
+            <a:schemeClr val="accent1"/>
+          </a:effectRef>
+          <a:fontRef idx="minor">
+            <a:schemeClr val="lt1"/>
+          </a:fontRef>
+        </p:style>
+        <p:txBody>
+          <a:bodyPr rtlCol="0" anchor="ctr"/>
+          <a:lstStyle/>
+          <a:p>
+            <a:pPr algn="ctr"/>
+            <a:r>
+              <a:rPr lang="en-AU" dirty="0"/>
+              <a:t>RDF File</a:t>
+            </a:r>
+          </a:p>
+        </p:txBody>
+      </p:sp>
+      <p:sp>
+        <p:nvSpPr>
+          <p:cNvPr id="7" name="TextBox 6">
+            <a:extLst>
+              <a:ext uri="{FF2B5EF4-FFF2-40B4-BE49-F238E27FC236}">
+                <a16:creationId xmlns:a16="http://schemas.microsoft.com/office/drawing/2014/main" id="{7DA35FF1-9F2C-42D5-8F23-CAED158E0F88}"/>
+              </a:ext>
+            </a:extLst>
+          </p:cNvPr>
+          <p:cNvSpPr txBox="1"/>
+          <p:nvPr/>
+        </p:nvSpPr>
+        <p:spPr>
+          <a:xfrm>
+            <a:off x="6596743" y="4562669"/>
+            <a:ext cx="1984839" cy="307777"/>
+          </a:xfrm>
+          <a:prstGeom prst="rect">
+            <a:avLst/>
+          </a:prstGeom>
+          <a:noFill/>
+        </p:spPr>
+        <p:txBody>
+          <a:bodyPr wrap="none" rtlCol="0">
+            <a:spAutoFit/>
+          </a:bodyPr>
+          <a:lstStyle/>
+          <a:p>
+            <a:r>
+              <a:rPr lang="en-AU" dirty="0"/>
+              <a:t>Hosted on data.gov.au</a:t>
+            </a:r>
+          </a:p>
+        </p:txBody>
+      </p:sp>
+      <p:cxnSp>
+        <p:nvCxnSpPr>
+          <p:cNvPr id="10" name="Straight Arrow Connector 9">
+            <a:extLst>
+              <a:ext uri="{FF2B5EF4-FFF2-40B4-BE49-F238E27FC236}">
+                <a16:creationId xmlns:a16="http://schemas.microsoft.com/office/drawing/2014/main" id="{C5E06B95-95B2-4A75-8BA8-01AEF4E05E8D}"/>
+              </a:ext>
+            </a:extLst>
+          </p:cNvPr>
+          <p:cNvCxnSpPr>
+            <a:cxnSpLocks/>
+            <a:stCxn id="7" idx="1"/>
+          </p:cNvCxnSpPr>
+          <p:nvPr/>
+        </p:nvCxnSpPr>
+        <p:spPr>
+          <a:xfrm flipH="1">
+            <a:off x="6064898" y="4716558"/>
+            <a:ext cx="531845" cy="0"/>
+          </a:xfrm>
+          <a:prstGeom prst="straightConnector1">
+            <a:avLst/>
+          </a:prstGeom>
+          <a:ln w="28575">
+            <a:tailEnd type="triangle"/>
+          </a:ln>
+        </p:spPr>
+        <p:style>
+          <a:lnRef idx="1">
+            <a:schemeClr val="accent1"/>
+          </a:lnRef>
+          <a:fillRef idx="0">
+            <a:schemeClr val="accent1"/>
+          </a:fillRef>
+          <a:effectRef idx="0">
+            <a:schemeClr val="accent1"/>
+          </a:effectRef>
+          <a:fontRef idx="minor">
+            <a:schemeClr val="tx1"/>
+          </a:fontRef>
+        </p:style>
+      </p:cxnSp>
+    </p:spTree>
+    <p:extLst>
+      <p:ext uri="{BB962C8B-B14F-4D97-AF65-F5344CB8AC3E}">
+        <p14:creationId xmlns:p14="http://schemas.microsoft.com/office/powerpoint/2010/main" val="2058040514"/>
+      </p:ext>
+    </p:extLst>
+  </p:cSld>
+  <p:clrMapOvr>
+    <a:masterClrMapping/>
+  </p:clrMapOvr>
+</p:sld>
+</file>
+
+<file path=ppt/slides/slide21.xml><?xml version="1.0" encoding="utf-8"?>
+<p:sld xmlns:a="http://schemas.openxmlformats.org/drawingml/2006/main" xmlns:r="http://schemas.openxmlformats.org/officeDocument/2006/relationships" xmlns:p="http://schemas.openxmlformats.org/presentationml/2006/main">
+  <p:cSld>
+    <p:spTree>
+      <p:nvGrpSpPr>
+        <p:cNvPr id="1" name="Shape 183"/>
+        <p:cNvGrpSpPr/>
+        <p:nvPr/>
+      </p:nvGrpSpPr>
+      <p:grpSpPr>
+        <a:xfrm>
+          <a:off x="0" y="0"/>
+          <a:ext cx="0" cy="0"/>
+          <a:chOff x="0" y="0"/>
+          <a:chExt cx="0" cy="0"/>
+        </a:xfrm>
+      </p:grpSpPr>
+      <p:sp>
+        <p:nvSpPr>
+          <p:cNvPr id="184" name="Shape 184"/>
+          <p:cNvSpPr txBox="1">
+            <a:spLocks noGrp="1"/>
+          </p:cNvSpPr>
+          <p:nvPr>
+            <p:ph type="title"/>
+          </p:nvPr>
+        </p:nvSpPr>
+        <p:spPr>
+          <a:prstGeom prst="rect">
+            <a:avLst/>
+          </a:prstGeom>
+        </p:spPr>
+        <p:txBody>
+          <a:bodyPr spcFirstLastPara="1" wrap="square" lIns="91425" tIns="91425" rIns="91425" bIns="91425" anchor="ctr" anchorCtr="0">
+            <a:noAutofit/>
+          </a:bodyPr>
+          <a:lstStyle/>
+          <a:p>
+            <a:pPr marL="0" lvl="0" indent="0">
+              <a:spcBef>
+                <a:spcPts val="0"/>
+              </a:spcBef>
+              <a:spcAft>
+                <a:spcPts val="0"/>
+              </a:spcAft>
+              <a:buClr>
+                <a:schemeClr val="dk1"/>
+              </a:buClr>
+              <a:buSzPts val="1100"/>
+              <a:buFont typeface="Arial"/>
+              <a:buNone/>
+            </a:pPr>
+            <a:r>
+              <a:rPr lang="en-US" sz="3200" dirty="0">
+                <a:solidFill>
+                  <a:srgbClr val="851902"/>
+                </a:solidFill>
+                <a:latin typeface="Arial Unicode MS" panose="020B0604020202020204" pitchFamily="34" charset="-128"/>
+                <a:ea typeface="Arial Unicode MS" panose="020B0604020202020204" pitchFamily="34" charset="-128"/>
+                <a:cs typeface="Arial Unicode MS" panose="020B0604020202020204" pitchFamily="34" charset="-128"/>
+              </a:rPr>
+              <a:t>Linked Data catalogue</a:t>
+            </a:r>
+            <a:endParaRPr sz="3000" b="0" dirty="0"/>
+          </a:p>
+        </p:txBody>
+      </p:sp>
+      <p:sp>
+        <p:nvSpPr>
+          <p:cNvPr id="185" name="Shape 185"/>
+          <p:cNvSpPr txBox="1">
+            <a:spLocks noGrp="1"/>
+          </p:cNvSpPr>
+          <p:nvPr>
+            <p:ph type="body" idx="1"/>
+          </p:nvPr>
+        </p:nvSpPr>
+        <p:spPr>
+          <a:prstGeom prst="rect">
+            <a:avLst/>
+          </a:prstGeom>
+        </p:spPr>
+        <p:txBody>
+          <a:bodyPr spcFirstLastPara="1" wrap="square" lIns="91425" tIns="91425" rIns="91425" bIns="91425" anchor="t" anchorCtr="0">
+            <a:noAutofit/>
+          </a:bodyPr>
+          <a:lstStyle/>
+          <a:p>
+            <a:pPr marL="457200" marR="0" lvl="0" indent="-342900" algn="l" rtl="0">
+              <a:lnSpc>
+                <a:spcPct val="150000"/>
+              </a:lnSpc>
+              <a:spcBef>
+                <a:spcPts val="640"/>
+              </a:spcBef>
+              <a:spcAft>
+                <a:spcPts val="600"/>
+              </a:spcAft>
+              <a:buSzPts val="1800"/>
+              <a:buChar char="•"/>
+            </a:pPr>
+            <a:r>
+              <a:rPr lang="en-AU" sz="1600" dirty="0">
+                <a:latin typeface="Arial Unicode MS" panose="020B0604020202020204" pitchFamily="34" charset="-128"/>
+                <a:ea typeface="Arial Unicode MS" panose="020B0604020202020204" pitchFamily="34" charset="-128"/>
+                <a:cs typeface="Arial Unicode MS" panose="020B0604020202020204" pitchFamily="34" charset="-128"/>
+              </a:rPr>
+              <a:t>The WG is developing a catalogue of Linked Data resources</a:t>
+            </a:r>
+          </a:p>
+          <a:p>
+            <a:pPr lvl="1" indent="-342900">
+              <a:lnSpc>
+                <a:spcPct val="150000"/>
+              </a:lnSpc>
+              <a:spcBef>
+                <a:spcPts val="640"/>
+              </a:spcBef>
+              <a:spcAft>
+                <a:spcPts val="600"/>
+              </a:spcAft>
+              <a:buSzPts val="1800"/>
+              <a:buChar char="•"/>
+            </a:pPr>
+            <a:r>
+              <a:rPr lang="en-AU" sz="1400" dirty="0">
+                <a:latin typeface="Arial Unicode MS" panose="020B0604020202020204" pitchFamily="34" charset="-128"/>
+                <a:ea typeface="Arial Unicode MS" panose="020B0604020202020204" pitchFamily="34" charset="-128"/>
+                <a:cs typeface="Arial Unicode MS" panose="020B0604020202020204" pitchFamily="34" charset="-128"/>
+              </a:rPr>
+              <a:t>Datasets</a:t>
+            </a:r>
+          </a:p>
+          <a:p>
+            <a:pPr lvl="1" indent="-342900">
+              <a:lnSpc>
+                <a:spcPct val="150000"/>
+              </a:lnSpc>
+              <a:spcBef>
+                <a:spcPts val="640"/>
+              </a:spcBef>
+              <a:spcAft>
+                <a:spcPts val="600"/>
+              </a:spcAft>
+              <a:buSzPts val="1800"/>
+              <a:buChar char="•"/>
+            </a:pPr>
+            <a:r>
+              <a:rPr lang="en-AU" sz="1400" dirty="0">
+                <a:latin typeface="Arial Unicode MS" panose="020B0604020202020204" pitchFamily="34" charset="-128"/>
+                <a:ea typeface="Arial Unicode MS" panose="020B0604020202020204" pitchFamily="34" charset="-128"/>
+                <a:cs typeface="Arial Unicode MS" panose="020B0604020202020204" pitchFamily="34" charset="-128"/>
+              </a:rPr>
+              <a:t>Definitional resources – ontologies (models) &amp; vocabularies </a:t>
+            </a:r>
+          </a:p>
+        </p:txBody>
+      </p:sp>
+      <p:sp>
+        <p:nvSpPr>
+          <p:cNvPr id="4" name="Rectangle: Folded Corner 3">
+            <a:extLst>
+              <a:ext uri="{FF2B5EF4-FFF2-40B4-BE49-F238E27FC236}">
+                <a16:creationId xmlns:a16="http://schemas.microsoft.com/office/drawing/2014/main" id="{4EFB43A6-97C2-46BC-8C62-BEC0BD94A281}"/>
+              </a:ext>
+            </a:extLst>
+          </p:cNvPr>
+          <p:cNvSpPr/>
+          <p:nvPr/>
+        </p:nvSpPr>
+        <p:spPr>
+          <a:xfrm>
+            <a:off x="2873829" y="4024605"/>
+            <a:ext cx="989045" cy="1250302"/>
+          </a:xfrm>
+          <a:prstGeom prst="foldedCorner">
+            <a:avLst/>
+          </a:prstGeom>
+        </p:spPr>
+        <p:style>
+          <a:lnRef idx="2">
+            <a:schemeClr val="accent1">
+              <a:shade val="50000"/>
+            </a:schemeClr>
+          </a:lnRef>
+          <a:fillRef idx="1">
+            <a:schemeClr val="accent1"/>
+          </a:fillRef>
+          <a:effectRef idx="0">
+            <a:schemeClr val="accent1"/>
+          </a:effectRef>
+          <a:fontRef idx="minor">
+            <a:schemeClr val="lt1"/>
+          </a:fontRef>
+        </p:style>
+        <p:txBody>
+          <a:bodyPr rtlCol="0" anchor="ctr"/>
+          <a:lstStyle/>
+          <a:p>
+            <a:pPr algn="ctr"/>
+            <a:r>
+              <a:rPr lang="en-AU" dirty="0"/>
+              <a:t>HTML File</a:t>
+            </a:r>
+          </a:p>
+        </p:txBody>
+      </p:sp>
+      <p:sp>
+        <p:nvSpPr>
+          <p:cNvPr id="5" name="Rectangle: Folded Corner 4">
+            <a:extLst>
+              <a:ext uri="{FF2B5EF4-FFF2-40B4-BE49-F238E27FC236}">
+                <a16:creationId xmlns:a16="http://schemas.microsoft.com/office/drawing/2014/main" id="{0E89E654-6FA4-4D73-8AEE-8118C4E17B1E}"/>
+              </a:ext>
+            </a:extLst>
+          </p:cNvPr>
+          <p:cNvSpPr/>
+          <p:nvPr/>
+        </p:nvSpPr>
+        <p:spPr>
+          <a:xfrm>
+            <a:off x="1129004" y="4024605"/>
+            <a:ext cx="989045" cy="1250302"/>
+          </a:xfrm>
+          <a:prstGeom prst="foldedCorner">
+            <a:avLst/>
+          </a:prstGeom>
+        </p:spPr>
+        <p:style>
+          <a:lnRef idx="2">
+            <a:schemeClr val="accent1">
+              <a:shade val="50000"/>
+            </a:schemeClr>
+          </a:lnRef>
+          <a:fillRef idx="1">
+            <a:schemeClr val="accent1"/>
+          </a:fillRef>
+          <a:effectRef idx="0">
+            <a:schemeClr val="accent1"/>
+          </a:effectRef>
+          <a:fontRef idx="minor">
+            <a:schemeClr val="lt1"/>
+          </a:fontRef>
+        </p:style>
+        <p:txBody>
+          <a:bodyPr rtlCol="0" anchor="ctr"/>
+          <a:lstStyle/>
+          <a:p>
+            <a:pPr algn="ctr"/>
+            <a:r>
+              <a:rPr lang="en-AU" dirty="0"/>
+              <a:t>RDF File</a:t>
+            </a:r>
+          </a:p>
+        </p:txBody>
+      </p:sp>
+      <p:sp>
+        <p:nvSpPr>
+          <p:cNvPr id="6" name="TextBox 5">
+            <a:extLst>
+              <a:ext uri="{FF2B5EF4-FFF2-40B4-BE49-F238E27FC236}">
+                <a16:creationId xmlns:a16="http://schemas.microsoft.com/office/drawing/2014/main" id="{FFCCDC4B-81D4-429D-81F7-9F1B21F6855C}"/>
+              </a:ext>
+            </a:extLst>
+          </p:cNvPr>
+          <p:cNvSpPr txBox="1"/>
+          <p:nvPr/>
+        </p:nvSpPr>
+        <p:spPr>
+          <a:xfrm>
+            <a:off x="2351508" y="4495867"/>
+            <a:ext cx="288862" cy="307777"/>
+          </a:xfrm>
+          <a:prstGeom prst="rect">
+            <a:avLst/>
+          </a:prstGeom>
+          <a:noFill/>
+        </p:spPr>
+        <p:txBody>
+          <a:bodyPr wrap="none" rtlCol="0">
+            <a:spAutoFit/>
+          </a:bodyPr>
+          <a:lstStyle/>
+          <a:p>
+            <a:r>
+              <a:rPr lang="en-AU" dirty="0"/>
+              <a:t>+</a:t>
+            </a:r>
+          </a:p>
+        </p:txBody>
+      </p:sp>
+      <p:sp>
+        <p:nvSpPr>
+          <p:cNvPr id="7" name="TextBox 6">
+            <a:extLst>
+              <a:ext uri="{FF2B5EF4-FFF2-40B4-BE49-F238E27FC236}">
+                <a16:creationId xmlns:a16="http://schemas.microsoft.com/office/drawing/2014/main" id="{B5E70CFF-24B8-4DCB-A3DC-65E14C265340}"/>
+              </a:ext>
+            </a:extLst>
+          </p:cNvPr>
+          <p:cNvSpPr txBox="1"/>
+          <p:nvPr/>
+        </p:nvSpPr>
+        <p:spPr>
+          <a:xfrm>
+            <a:off x="4611904" y="4495867"/>
+            <a:ext cx="1467068" cy="307777"/>
+          </a:xfrm>
+          <a:prstGeom prst="rect">
+            <a:avLst/>
+          </a:prstGeom>
+          <a:noFill/>
+        </p:spPr>
+        <p:txBody>
+          <a:bodyPr wrap="none" rtlCol="0">
+            <a:spAutoFit/>
+          </a:bodyPr>
+          <a:lstStyle/>
+          <a:p>
+            <a:r>
+              <a:rPr lang="en-AU" dirty="0"/>
+              <a:t>Auto-generated!</a:t>
+            </a:r>
+          </a:p>
+        </p:txBody>
+      </p:sp>
+      <p:cxnSp>
+        <p:nvCxnSpPr>
+          <p:cNvPr id="8" name="Straight Arrow Connector 7">
+            <a:extLst>
+              <a:ext uri="{FF2B5EF4-FFF2-40B4-BE49-F238E27FC236}">
+                <a16:creationId xmlns:a16="http://schemas.microsoft.com/office/drawing/2014/main" id="{80EE30CA-532D-47F2-929E-C8E7A02DCD13}"/>
+              </a:ext>
+            </a:extLst>
+          </p:cNvPr>
+          <p:cNvCxnSpPr>
+            <a:cxnSpLocks/>
+            <a:stCxn id="7" idx="1"/>
+          </p:cNvCxnSpPr>
+          <p:nvPr/>
+        </p:nvCxnSpPr>
+        <p:spPr>
+          <a:xfrm flipH="1">
+            <a:off x="4080060" y="4649756"/>
+            <a:ext cx="531844" cy="0"/>
+          </a:xfrm>
+          <a:prstGeom prst="straightConnector1">
+            <a:avLst/>
+          </a:prstGeom>
+          <a:ln w="28575">
+            <a:tailEnd type="triangle"/>
+          </a:ln>
+        </p:spPr>
+        <p:style>
+          <a:lnRef idx="1">
+            <a:schemeClr val="accent1"/>
+          </a:lnRef>
+          <a:fillRef idx="0">
+            <a:schemeClr val="accent1"/>
+          </a:fillRef>
+          <a:effectRef idx="0">
+            <a:schemeClr val="accent1"/>
+          </a:effectRef>
+          <a:fontRef idx="minor">
+            <a:schemeClr val="tx1"/>
+          </a:fontRef>
+        </p:style>
+      </p:cxnSp>
+    </p:spTree>
+    <p:extLst>
+      <p:ext uri="{BB962C8B-B14F-4D97-AF65-F5344CB8AC3E}">
+        <p14:creationId xmlns:p14="http://schemas.microsoft.com/office/powerpoint/2010/main" val="2391243142"/>
+      </p:ext>
+    </p:extLst>
+  </p:cSld>
+  <p:clrMapOvr>
+    <a:masterClrMapping/>
+  </p:clrMapOvr>
+</p:sld>
+</file>
+
+<file path=ppt/slides/slide22.xml><?xml version="1.0" encoding="utf-8"?>
+<p:sld xmlns:a="http://schemas.openxmlformats.org/drawingml/2006/main" xmlns:r="http://schemas.openxmlformats.org/officeDocument/2006/relationships" xmlns:p="http://schemas.openxmlformats.org/presentationml/2006/main">
+  <p:cSld>
+    <p:spTree>
+      <p:nvGrpSpPr>
+        <p:cNvPr id="1" name="Shape 183"/>
+        <p:cNvGrpSpPr/>
+        <p:nvPr/>
+      </p:nvGrpSpPr>
+      <p:grpSpPr>
+        <a:xfrm>
+          <a:off x="0" y="0"/>
+          <a:ext cx="0" cy="0"/>
+          <a:chOff x="0" y="0"/>
+          <a:chExt cx="0" cy="0"/>
+        </a:xfrm>
+      </p:grpSpPr>
+      <p:sp>
+        <p:nvSpPr>
+          <p:cNvPr id="184" name="Shape 184"/>
+          <p:cNvSpPr txBox="1">
+            <a:spLocks noGrp="1"/>
+          </p:cNvSpPr>
+          <p:nvPr>
+            <p:ph type="title"/>
+          </p:nvPr>
+        </p:nvSpPr>
+        <p:spPr>
+          <a:prstGeom prst="rect">
+            <a:avLst/>
+          </a:prstGeom>
+        </p:spPr>
+        <p:txBody>
+          <a:bodyPr spcFirstLastPara="1" wrap="square" lIns="91425" tIns="91425" rIns="91425" bIns="91425" anchor="ctr" anchorCtr="0">
+            <a:noAutofit/>
+          </a:bodyPr>
+          <a:lstStyle/>
+          <a:p>
+            <a:pPr marL="0" lvl="0" indent="0">
+              <a:spcBef>
+                <a:spcPts val="0"/>
+              </a:spcBef>
+              <a:spcAft>
+                <a:spcPts val="0"/>
+              </a:spcAft>
+              <a:buClr>
+                <a:schemeClr val="dk1"/>
+              </a:buClr>
+              <a:buSzPts val="1100"/>
+              <a:buFont typeface="Arial"/>
+              <a:buNone/>
+            </a:pPr>
+            <a:r>
+              <a:rPr lang="en-US" sz="3200" dirty="0">
+                <a:solidFill>
+                  <a:srgbClr val="851902"/>
+                </a:solidFill>
+                <a:latin typeface="Arial Unicode MS" panose="020B0604020202020204" pitchFamily="34" charset="-128"/>
+                <a:ea typeface="Arial Unicode MS" panose="020B0604020202020204" pitchFamily="34" charset="-128"/>
+                <a:cs typeface="Arial Unicode MS" panose="020B0604020202020204" pitchFamily="34" charset="-128"/>
+              </a:rPr>
+              <a:t>Linked Data catalogue</a:t>
+            </a:r>
+            <a:endParaRPr sz="3000" b="0" dirty="0"/>
+          </a:p>
+        </p:txBody>
+      </p:sp>
+      <p:sp>
+        <p:nvSpPr>
+          <p:cNvPr id="185" name="Shape 185"/>
+          <p:cNvSpPr txBox="1">
+            <a:spLocks noGrp="1"/>
+          </p:cNvSpPr>
+          <p:nvPr>
+            <p:ph type="body" idx="1"/>
+          </p:nvPr>
+        </p:nvSpPr>
+        <p:spPr>
+          <a:prstGeom prst="rect">
+            <a:avLst/>
+          </a:prstGeom>
+        </p:spPr>
+        <p:txBody>
+          <a:bodyPr spcFirstLastPara="1" wrap="square" lIns="91425" tIns="91425" rIns="91425" bIns="91425" anchor="t" anchorCtr="0">
+            <a:noAutofit/>
+          </a:bodyPr>
+          <a:lstStyle/>
+          <a:p>
+            <a:pPr marL="457200" marR="0" lvl="0" indent="-342900" algn="l" rtl="0">
+              <a:lnSpc>
+                <a:spcPct val="150000"/>
+              </a:lnSpc>
+              <a:spcBef>
+                <a:spcPts val="640"/>
+              </a:spcBef>
+              <a:spcAft>
+                <a:spcPts val="600"/>
+              </a:spcAft>
+              <a:buSzPts val="1800"/>
+              <a:buChar char="•"/>
+            </a:pPr>
+            <a:r>
+              <a:rPr lang="en-AU" sz="1600" dirty="0">
+                <a:latin typeface="Arial Unicode MS" panose="020B0604020202020204" pitchFamily="34" charset="-128"/>
+                <a:ea typeface="Arial Unicode MS" panose="020B0604020202020204" pitchFamily="34" charset="-128"/>
+                <a:cs typeface="Arial Unicode MS" panose="020B0604020202020204" pitchFamily="34" charset="-128"/>
+              </a:rPr>
+              <a:t>The WG is developing a catalogue of Linked Data resources</a:t>
+            </a:r>
+          </a:p>
+          <a:p>
+            <a:pPr lvl="1" indent="-342900">
+              <a:lnSpc>
+                <a:spcPct val="150000"/>
+              </a:lnSpc>
+              <a:spcBef>
+                <a:spcPts val="640"/>
+              </a:spcBef>
+              <a:spcAft>
+                <a:spcPts val="600"/>
+              </a:spcAft>
+              <a:buSzPts val="1800"/>
+              <a:buChar char="•"/>
+            </a:pPr>
+            <a:r>
+              <a:rPr lang="en-AU" sz="1400" dirty="0">
+                <a:latin typeface="Arial Unicode MS" panose="020B0604020202020204" pitchFamily="34" charset="-128"/>
+                <a:ea typeface="Arial Unicode MS" panose="020B0604020202020204" pitchFamily="34" charset="-128"/>
+                <a:cs typeface="Arial Unicode MS" panose="020B0604020202020204" pitchFamily="34" charset="-128"/>
+              </a:rPr>
+              <a:t>Datasets</a:t>
+            </a:r>
+          </a:p>
+          <a:p>
+            <a:pPr lvl="1" indent="-342900">
+              <a:lnSpc>
+                <a:spcPct val="150000"/>
+              </a:lnSpc>
+              <a:spcBef>
+                <a:spcPts val="640"/>
+              </a:spcBef>
+              <a:spcAft>
+                <a:spcPts val="600"/>
+              </a:spcAft>
+              <a:buSzPts val="1800"/>
+              <a:buChar char="•"/>
+            </a:pPr>
+            <a:r>
+              <a:rPr lang="en-AU" sz="1400" dirty="0">
+                <a:latin typeface="Arial Unicode MS" panose="020B0604020202020204" pitchFamily="34" charset="-128"/>
+                <a:ea typeface="Arial Unicode MS" panose="020B0604020202020204" pitchFamily="34" charset="-128"/>
+                <a:cs typeface="Arial Unicode MS" panose="020B0604020202020204" pitchFamily="34" charset="-128"/>
+              </a:rPr>
+              <a:t>Definitional resources – ontologies (models) &amp; vocabularies </a:t>
+            </a:r>
+          </a:p>
+          <a:p>
+            <a:pPr lvl="1" indent="-342900">
+              <a:lnSpc>
+                <a:spcPct val="150000"/>
+              </a:lnSpc>
+              <a:spcBef>
+                <a:spcPts val="640"/>
+              </a:spcBef>
+              <a:spcAft>
+                <a:spcPts val="600"/>
+              </a:spcAft>
+              <a:buSzPts val="1800"/>
+              <a:buChar char="•"/>
+            </a:pPr>
+            <a:r>
+              <a:rPr lang="en-AU" sz="1400" dirty="0">
+                <a:latin typeface="Arial Unicode MS" panose="020B0604020202020204" pitchFamily="34" charset="-128"/>
+                <a:ea typeface="Arial Unicode MS" panose="020B0604020202020204" pitchFamily="34" charset="-128"/>
+                <a:cs typeface="Arial Unicode MS" panose="020B0604020202020204" pitchFamily="34" charset="-128"/>
+              </a:rPr>
+              <a:t>Registers – lists of defined objects</a:t>
+            </a:r>
+          </a:p>
+          <a:p>
+            <a:pPr lvl="1" indent="-342900">
+              <a:lnSpc>
+                <a:spcPct val="150000"/>
+              </a:lnSpc>
+              <a:spcBef>
+                <a:spcPts val="640"/>
+              </a:spcBef>
+              <a:spcAft>
+                <a:spcPts val="600"/>
+              </a:spcAft>
+              <a:buSzPts val="1800"/>
+              <a:buChar char="•"/>
+            </a:pPr>
+            <a:endParaRPr lang="en-AU" sz="1400" dirty="0">
+              <a:latin typeface="Arial Unicode MS" panose="020B0604020202020204" pitchFamily="34" charset="-128"/>
+              <a:ea typeface="Arial Unicode MS" panose="020B0604020202020204" pitchFamily="34" charset="-128"/>
+              <a:cs typeface="Arial Unicode MS" panose="020B0604020202020204" pitchFamily="34" charset="-128"/>
+            </a:endParaRPr>
+          </a:p>
+          <a:p>
+            <a:pPr lvl="1" indent="-342900">
+              <a:lnSpc>
+                <a:spcPct val="150000"/>
+              </a:lnSpc>
+              <a:spcBef>
+                <a:spcPts val="640"/>
+              </a:spcBef>
+              <a:spcAft>
+                <a:spcPts val="600"/>
+              </a:spcAft>
+              <a:buSzPts val="1800"/>
+              <a:buChar char="•"/>
+            </a:pPr>
+            <a:r>
+              <a:rPr lang="en-AU" sz="1400" dirty="0">
+                <a:latin typeface="Arial Unicode MS" panose="020B0604020202020204" pitchFamily="34" charset="-128"/>
+                <a:ea typeface="Arial Unicode MS" panose="020B0604020202020204" pitchFamily="34" charset="-128"/>
+                <a:cs typeface="Arial Unicode MS" panose="020B0604020202020204" pitchFamily="34" charset="-128"/>
+              </a:rPr>
+              <a:t>All the “Organisations” in Australia</a:t>
+            </a:r>
+          </a:p>
+          <a:p>
+            <a:pPr lvl="2" indent="-342900">
+              <a:lnSpc>
+                <a:spcPct val="150000"/>
+              </a:lnSpc>
+              <a:spcBef>
+                <a:spcPts val="640"/>
+              </a:spcBef>
+              <a:spcAft>
+                <a:spcPts val="600"/>
+              </a:spcAft>
+              <a:buSzPts val="1800"/>
+            </a:pPr>
+            <a:r>
+              <a:rPr lang="en-AU" sz="1400" dirty="0">
+                <a:latin typeface="Arial Unicode MS" panose="020B0604020202020204" pitchFamily="34" charset="-128"/>
+                <a:ea typeface="Arial Unicode MS" panose="020B0604020202020204" pitchFamily="34" charset="-128"/>
+                <a:cs typeface="Arial Unicode MS" panose="020B0604020202020204" pitchFamily="34" charset="-128"/>
+              </a:rPr>
+              <a:t>Government orgs</a:t>
+            </a:r>
+          </a:p>
+          <a:p>
+            <a:pPr lvl="2" indent="-342900">
+              <a:lnSpc>
+                <a:spcPct val="150000"/>
+              </a:lnSpc>
+              <a:spcBef>
+                <a:spcPts val="640"/>
+              </a:spcBef>
+              <a:spcAft>
+                <a:spcPts val="600"/>
+              </a:spcAft>
+              <a:buSzPts val="1800"/>
+            </a:pPr>
+            <a:r>
+              <a:rPr lang="en-AU" sz="1400" dirty="0">
+                <a:latin typeface="Arial Unicode MS" panose="020B0604020202020204" pitchFamily="34" charset="-128"/>
+                <a:ea typeface="Arial Unicode MS" panose="020B0604020202020204" pitchFamily="34" charset="-128"/>
+                <a:cs typeface="Arial Unicode MS" panose="020B0604020202020204" pitchFamily="34" charset="-128"/>
+              </a:rPr>
+              <a:t>Businesses</a:t>
+            </a:r>
+          </a:p>
+          <a:p>
+            <a:pPr lvl="2" indent="-342900">
+              <a:lnSpc>
+                <a:spcPct val="150000"/>
+              </a:lnSpc>
+              <a:spcBef>
+                <a:spcPts val="640"/>
+              </a:spcBef>
+              <a:spcAft>
+                <a:spcPts val="600"/>
+              </a:spcAft>
+              <a:buSzPts val="1800"/>
+            </a:pPr>
+            <a:r>
+              <a:rPr lang="en-AU" sz="1400" dirty="0">
+                <a:latin typeface="Arial Unicode MS" panose="020B0604020202020204" pitchFamily="34" charset="-128"/>
+                <a:ea typeface="Arial Unicode MS" panose="020B0604020202020204" pitchFamily="34" charset="-128"/>
+                <a:cs typeface="Arial Unicode MS" panose="020B0604020202020204" pitchFamily="34" charset="-128"/>
+              </a:rPr>
+              <a:t>NGOs</a:t>
+            </a:r>
+          </a:p>
+        </p:txBody>
+      </p:sp>
+    </p:spTree>
+    <p:extLst>
+      <p:ext uri="{BB962C8B-B14F-4D97-AF65-F5344CB8AC3E}">
+        <p14:creationId xmlns:p14="http://schemas.microsoft.com/office/powerpoint/2010/main" val="287635312"/>
+      </p:ext>
+    </p:extLst>
+  </p:cSld>
+  <p:clrMapOvr>
+    <a:masterClrMapping/>
+  </p:clrMapOvr>
+</p:sld>
+</file>
+
+<file path=ppt/slides/slide23.xml><?xml version="1.0" encoding="utf-8"?>
+<p:sld xmlns:a="http://schemas.openxmlformats.org/drawingml/2006/main" xmlns:r="http://schemas.openxmlformats.org/officeDocument/2006/relationships" xmlns:p="http://schemas.openxmlformats.org/presentationml/2006/main">
+  <p:cSld>
+    <p:spTree>
+      <p:nvGrpSpPr>
+        <p:cNvPr id="1" name="Shape 183"/>
+        <p:cNvGrpSpPr/>
+        <p:nvPr/>
+      </p:nvGrpSpPr>
+      <p:grpSpPr>
+        <a:xfrm>
+          <a:off x="0" y="0"/>
+          <a:ext cx="0" cy="0"/>
+          <a:chOff x="0" y="0"/>
+          <a:chExt cx="0" cy="0"/>
+        </a:xfrm>
+      </p:grpSpPr>
+      <p:sp>
+        <p:nvSpPr>
+          <p:cNvPr id="184" name="Shape 184"/>
+          <p:cNvSpPr txBox="1">
+            <a:spLocks noGrp="1"/>
+          </p:cNvSpPr>
+          <p:nvPr>
+            <p:ph type="title"/>
+          </p:nvPr>
+        </p:nvSpPr>
+        <p:spPr>
+          <a:prstGeom prst="rect">
+            <a:avLst/>
+          </a:prstGeom>
+        </p:spPr>
+        <p:txBody>
+          <a:bodyPr spcFirstLastPara="1" wrap="square" lIns="91425" tIns="91425" rIns="91425" bIns="91425" anchor="ctr" anchorCtr="0">
+            <a:noAutofit/>
+          </a:bodyPr>
+          <a:lstStyle/>
+          <a:p>
+            <a:pPr marL="0" lvl="0" indent="0">
+              <a:spcBef>
+                <a:spcPts val="0"/>
+              </a:spcBef>
+              <a:spcAft>
+                <a:spcPts val="0"/>
+              </a:spcAft>
+              <a:buClr>
+                <a:schemeClr val="dk1"/>
+              </a:buClr>
+              <a:buSzPts val="1100"/>
+              <a:buFont typeface="Arial"/>
+              <a:buNone/>
+            </a:pPr>
+            <a:r>
+              <a:rPr lang="en-US" sz="3200" dirty="0">
+                <a:solidFill>
+                  <a:srgbClr val="851902"/>
+                </a:solidFill>
+                <a:latin typeface="Arial Unicode MS" panose="020B0604020202020204" pitchFamily="34" charset="-128"/>
+                <a:ea typeface="Arial Unicode MS" panose="020B0604020202020204" pitchFamily="34" charset="-128"/>
+                <a:cs typeface="Arial Unicode MS" panose="020B0604020202020204" pitchFamily="34" charset="-128"/>
+              </a:rPr>
+              <a:t>Linked Data catalogue</a:t>
+            </a:r>
+            <a:endParaRPr sz="3000" b="0" dirty="0"/>
+          </a:p>
+        </p:txBody>
+      </p:sp>
+      <p:sp>
+        <p:nvSpPr>
+          <p:cNvPr id="185" name="Shape 185"/>
+          <p:cNvSpPr txBox="1">
+            <a:spLocks noGrp="1"/>
+          </p:cNvSpPr>
+          <p:nvPr>
+            <p:ph type="body" idx="1"/>
+          </p:nvPr>
+        </p:nvSpPr>
+        <p:spPr>
+          <a:prstGeom prst="rect">
+            <a:avLst/>
+          </a:prstGeom>
+        </p:spPr>
+        <p:txBody>
+          <a:bodyPr spcFirstLastPara="1" wrap="square" lIns="91425" tIns="91425" rIns="91425" bIns="91425" anchor="t" anchorCtr="0">
+            <a:noAutofit/>
+          </a:bodyPr>
+          <a:lstStyle/>
+          <a:p>
+            <a:pPr marL="457200" marR="0" lvl="0" indent="-342900" algn="l" rtl="0">
+              <a:lnSpc>
+                <a:spcPct val="150000"/>
+              </a:lnSpc>
+              <a:spcBef>
+                <a:spcPts val="640"/>
+              </a:spcBef>
+              <a:spcAft>
+                <a:spcPts val="600"/>
+              </a:spcAft>
+              <a:buSzPts val="1800"/>
+              <a:buChar char="•"/>
+            </a:pPr>
+            <a:r>
+              <a:rPr lang="en-AU" sz="1600" dirty="0">
+                <a:latin typeface="Arial Unicode MS" panose="020B0604020202020204" pitchFamily="34" charset="-128"/>
+                <a:ea typeface="Arial Unicode MS" panose="020B0604020202020204" pitchFamily="34" charset="-128"/>
+                <a:cs typeface="Arial Unicode MS" panose="020B0604020202020204" pitchFamily="34" charset="-128"/>
+              </a:rPr>
+              <a:t>The WG is developing a catalogue of Linked Data resources</a:t>
+            </a:r>
+          </a:p>
+          <a:p>
+            <a:pPr marL="457200" marR="0" lvl="0" indent="-342900" algn="l" rtl="0">
+              <a:lnSpc>
+                <a:spcPct val="150000"/>
+              </a:lnSpc>
+              <a:spcBef>
+                <a:spcPts val="640"/>
+              </a:spcBef>
+              <a:spcAft>
+                <a:spcPts val="600"/>
+              </a:spcAft>
+              <a:buSzPts val="1800"/>
+              <a:buChar char="•"/>
+            </a:pPr>
+            <a:r>
+              <a:rPr lang="en-AU" sz="1600" dirty="0">
+                <a:latin typeface="Arial Unicode MS" panose="020B0604020202020204" pitchFamily="34" charset="-128"/>
+                <a:ea typeface="Arial Unicode MS" panose="020B0604020202020204" pitchFamily="34" charset="-128"/>
+                <a:cs typeface="Arial Unicode MS" panose="020B0604020202020204" pitchFamily="34" charset="-128"/>
+              </a:rPr>
+              <a:t>The catalogue itself will be a LD resource!</a:t>
+            </a:r>
+          </a:p>
+        </p:txBody>
+      </p:sp>
+    </p:spTree>
+    <p:extLst>
+      <p:ext uri="{BB962C8B-B14F-4D97-AF65-F5344CB8AC3E}">
+        <p14:creationId xmlns:p14="http://schemas.microsoft.com/office/powerpoint/2010/main" val="4078287194"/>
+      </p:ext>
+    </p:extLst>
+  </p:cSld>
+  <p:clrMapOvr>
+    <a:masterClrMapping/>
+  </p:clrMapOvr>
+</p:sld>
+</file>
+
+<file path=ppt/slides/slide24.xml><?xml version="1.0" encoding="utf-8"?>
+<p:sld xmlns:a="http://schemas.openxmlformats.org/drawingml/2006/main" xmlns:r="http://schemas.openxmlformats.org/officeDocument/2006/relationships" xmlns:p="http://schemas.openxmlformats.org/presentationml/2006/main">
+  <p:cSld>
+    <p:spTree>
+      <p:nvGrpSpPr>
+        <p:cNvPr id="1" name=""/>
+        <p:cNvGrpSpPr/>
+        <p:nvPr/>
+      </p:nvGrpSpPr>
+      <p:grpSpPr>
+        <a:xfrm>
+          <a:off x="0" y="0"/>
+          <a:ext cx="0" cy="0"/>
+          <a:chOff x="0" y="0"/>
+          <a:chExt cx="0" cy="0"/>
+        </a:xfrm>
+      </p:grpSpPr>
+      <p:sp>
+        <p:nvSpPr>
+          <p:cNvPr id="2" name="Title 1">
+            <a:extLst>
+              <a:ext uri="{FF2B5EF4-FFF2-40B4-BE49-F238E27FC236}">
+                <a16:creationId xmlns:a16="http://schemas.microsoft.com/office/drawing/2014/main" id="{FC75DCBD-FDA7-44C1-BB01-FECBE81AF666}"/>
+              </a:ext>
+            </a:extLst>
+          </p:cNvPr>
+          <p:cNvSpPr>
+            <a:spLocks noGrp="1"/>
+          </p:cNvSpPr>
+          <p:nvPr>
+            <p:ph type="title"/>
+          </p:nvPr>
+        </p:nvSpPr>
+        <p:spPr/>
+        <p:txBody>
+          <a:bodyPr/>
+          <a:lstStyle/>
+          <a:p>
+            <a:r>
+              <a:rPr lang="en-AU" sz="3200" dirty="0">
+                <a:solidFill>
+                  <a:srgbClr val="851902"/>
+                </a:solidFill>
+                <a:latin typeface="Arial Unicode MS" panose="020B0604020202020204" pitchFamily="34" charset="-128"/>
+                <a:ea typeface="Arial Unicode MS" panose="020B0604020202020204" pitchFamily="34" charset="-128"/>
+                <a:cs typeface="Arial Unicode MS" panose="020B0604020202020204" pitchFamily="34" charset="-128"/>
+              </a:rPr>
+              <a:t>Moving towards an integrated</a:t>
+            </a:r>
+            <a:br>
+              <a:rPr lang="en-AU" sz="3200" dirty="0">
+                <a:solidFill>
+                  <a:srgbClr val="851902"/>
+                </a:solidFill>
+                <a:latin typeface="Arial Unicode MS" panose="020B0604020202020204" pitchFamily="34" charset="-128"/>
+                <a:ea typeface="Arial Unicode MS" panose="020B0604020202020204" pitchFamily="34" charset="-128"/>
+                <a:cs typeface="Arial Unicode MS" panose="020B0604020202020204" pitchFamily="34" charset="-128"/>
+              </a:rPr>
+            </a:br>
+            <a:r>
+              <a:rPr lang="en-AU" sz="3200" dirty="0">
+                <a:solidFill>
+                  <a:srgbClr val="851902"/>
+                </a:solidFill>
+                <a:latin typeface="Arial Unicode MS" panose="020B0604020202020204" pitchFamily="34" charset="-128"/>
+                <a:ea typeface="Arial Unicode MS" panose="020B0604020202020204" pitchFamily="34" charset="-128"/>
+                <a:cs typeface="Arial Unicode MS" panose="020B0604020202020204" pitchFamily="34" charset="-128"/>
+              </a:rPr>
+              <a:t>set of ontologies</a:t>
+            </a:r>
+          </a:p>
+        </p:txBody>
+      </p:sp>
+      <p:sp>
+        <p:nvSpPr>
+          <p:cNvPr id="3" name="Text Placeholder 2">
+            <a:extLst>
+              <a:ext uri="{FF2B5EF4-FFF2-40B4-BE49-F238E27FC236}">
+                <a16:creationId xmlns:a16="http://schemas.microsoft.com/office/drawing/2014/main" id="{3DE56F7C-053D-4CA9-9CDB-E6C55FC141F5}"/>
+              </a:ext>
+            </a:extLst>
+          </p:cNvPr>
+          <p:cNvSpPr>
+            <a:spLocks noGrp="1"/>
+          </p:cNvSpPr>
+          <p:nvPr>
+            <p:ph type="body" idx="1"/>
+          </p:nvPr>
+        </p:nvSpPr>
+        <p:spPr/>
+        <p:txBody>
+          <a:bodyPr/>
+          <a:lstStyle/>
+          <a:p>
+            <a:r>
+              <a:rPr lang="en-AU" sz="3600" dirty="0">
+                <a:latin typeface="Arial Unicode MS" panose="020B0604020202020204" pitchFamily="34" charset="-128"/>
+                <a:ea typeface="Arial Unicode MS" panose="020B0604020202020204" pitchFamily="34" charset="-128"/>
+                <a:cs typeface="Arial Unicode MS" panose="020B0604020202020204" pitchFamily="34" charset="-128"/>
+              </a:rPr>
+              <a:t>Currently, several ontologies developing with a ‘whole of government’ focus</a:t>
+            </a:r>
+          </a:p>
+          <a:p>
+            <a:r>
+              <a:rPr lang="en-AU" sz="3600" dirty="0">
+                <a:latin typeface="Arial Unicode MS" panose="020B0604020202020204" pitchFamily="34" charset="-128"/>
+                <a:ea typeface="Arial Unicode MS" panose="020B0604020202020204" pitchFamily="34" charset="-128"/>
+                <a:cs typeface="Arial Unicode MS" panose="020B0604020202020204" pitchFamily="34" charset="-128"/>
+              </a:rPr>
+              <a:t>We aim to implement a methodology to integrate multiple ontologies </a:t>
+            </a:r>
+          </a:p>
+          <a:p>
+            <a:pPr lvl="1"/>
+            <a:r>
+              <a:rPr lang="en-AU" sz="3000" dirty="0">
+                <a:latin typeface="Arial Unicode MS" panose="020B0604020202020204" pitchFamily="34" charset="-128"/>
+                <a:ea typeface="Arial Unicode MS" panose="020B0604020202020204" pitchFamily="34" charset="-128"/>
+                <a:cs typeface="Arial Unicode MS" panose="020B0604020202020204" pitchFamily="34" charset="-128"/>
+              </a:rPr>
+              <a:t>Allows use as if they were one data model</a:t>
+            </a:r>
+          </a:p>
+          <a:p>
+            <a:pPr lvl="1"/>
+            <a:r>
+              <a:rPr lang="en-AU" sz="3000" dirty="0">
+                <a:latin typeface="Arial Unicode MS" panose="020B0604020202020204" pitchFamily="34" charset="-128"/>
+                <a:ea typeface="Arial Unicode MS" panose="020B0604020202020204" pitchFamily="34" charset="-128"/>
+                <a:cs typeface="Arial Unicode MS" panose="020B0604020202020204" pitchFamily="34" charset="-128"/>
+              </a:rPr>
+              <a:t>Allows specialists to manage just their bit</a:t>
+            </a:r>
+          </a:p>
+          <a:p>
+            <a:endParaRPr lang="en-AU" sz="3600" dirty="0">
+              <a:latin typeface="Arial Unicode MS" panose="020B0604020202020204" pitchFamily="34" charset="-128"/>
+              <a:ea typeface="Arial Unicode MS" panose="020B0604020202020204" pitchFamily="34" charset="-128"/>
+              <a:cs typeface="Arial Unicode MS" panose="020B0604020202020204" pitchFamily="34" charset="-128"/>
+            </a:endParaRPr>
+          </a:p>
+          <a:p>
+            <a:endParaRPr lang="en-AU" dirty="0"/>
+          </a:p>
+        </p:txBody>
+      </p:sp>
+    </p:spTree>
+    <p:extLst>
+      <p:ext uri="{BB962C8B-B14F-4D97-AF65-F5344CB8AC3E}">
+        <p14:creationId xmlns:p14="http://schemas.microsoft.com/office/powerpoint/2010/main" val="1644517744"/>
+      </p:ext>
+    </p:extLst>
+  </p:cSld>
+  <p:clrMapOvr>
+    <a:masterClrMapping/>
+  </p:clrMapOvr>
+</p:sld>
+</file>
+
+<file path=ppt/slides/slide25.xml><?xml version="1.0" encoding="utf-8"?>
+<p:sld xmlns:a="http://schemas.openxmlformats.org/drawingml/2006/main" xmlns:r="http://schemas.openxmlformats.org/officeDocument/2006/relationships" xmlns:p="http://schemas.openxmlformats.org/presentationml/2006/main">
+  <p:cSld>
+    <p:spTree>
+      <p:nvGrpSpPr>
+        <p:cNvPr id="1" name=""/>
+        <p:cNvGrpSpPr/>
+        <p:nvPr/>
+      </p:nvGrpSpPr>
+      <p:grpSpPr>
+        <a:xfrm>
+          <a:off x="0" y="0"/>
+          <a:ext cx="0" cy="0"/>
+          <a:chOff x="0" y="0"/>
+          <a:chExt cx="0" cy="0"/>
+        </a:xfrm>
+      </p:grpSpPr>
+      <p:sp>
+        <p:nvSpPr>
+          <p:cNvPr id="2" name="Title 1">
+            <a:extLst>
+              <a:ext uri="{FF2B5EF4-FFF2-40B4-BE49-F238E27FC236}">
+                <a16:creationId xmlns:a16="http://schemas.microsoft.com/office/drawing/2014/main" id="{FC75DCBD-FDA7-44C1-BB01-FECBE81AF666}"/>
+              </a:ext>
+            </a:extLst>
+          </p:cNvPr>
+          <p:cNvSpPr>
+            <a:spLocks noGrp="1"/>
+          </p:cNvSpPr>
+          <p:nvPr>
+            <p:ph type="title"/>
+          </p:nvPr>
+        </p:nvSpPr>
+        <p:spPr/>
+        <p:txBody>
+          <a:bodyPr/>
+          <a:lstStyle/>
+          <a:p>
+            <a:r>
+              <a:rPr lang="en-AU" sz="3200" dirty="0">
+                <a:solidFill>
+                  <a:srgbClr val="851902"/>
+                </a:solidFill>
+                <a:latin typeface="Arial Unicode MS" panose="020B0604020202020204" pitchFamily="34" charset="-128"/>
+                <a:ea typeface="Arial Unicode MS" panose="020B0604020202020204" pitchFamily="34" charset="-128"/>
+                <a:cs typeface="Arial Unicode MS" panose="020B0604020202020204" pitchFamily="34" charset="-128"/>
+              </a:rPr>
+              <a:t>Moving towards an integrated</a:t>
+            </a:r>
+            <a:br>
+              <a:rPr lang="en-AU" sz="3200" dirty="0">
+                <a:solidFill>
+                  <a:srgbClr val="851902"/>
+                </a:solidFill>
+                <a:latin typeface="Arial Unicode MS" panose="020B0604020202020204" pitchFamily="34" charset="-128"/>
+                <a:ea typeface="Arial Unicode MS" panose="020B0604020202020204" pitchFamily="34" charset="-128"/>
+                <a:cs typeface="Arial Unicode MS" panose="020B0604020202020204" pitchFamily="34" charset="-128"/>
+              </a:rPr>
+            </a:br>
+            <a:r>
+              <a:rPr lang="en-AU" sz="3200" dirty="0">
+                <a:solidFill>
+                  <a:srgbClr val="851902"/>
+                </a:solidFill>
+                <a:latin typeface="Arial Unicode MS" panose="020B0604020202020204" pitchFamily="34" charset="-128"/>
+                <a:ea typeface="Arial Unicode MS" panose="020B0604020202020204" pitchFamily="34" charset="-128"/>
+                <a:cs typeface="Arial Unicode MS" panose="020B0604020202020204" pitchFamily="34" charset="-128"/>
+              </a:rPr>
+              <a:t>set of ontologies</a:t>
+            </a:r>
+          </a:p>
+        </p:txBody>
+      </p:sp>
+      <p:sp>
+        <p:nvSpPr>
+          <p:cNvPr id="3" name="Text Placeholder 2">
+            <a:extLst>
+              <a:ext uri="{FF2B5EF4-FFF2-40B4-BE49-F238E27FC236}">
+                <a16:creationId xmlns:a16="http://schemas.microsoft.com/office/drawing/2014/main" id="{3DE56F7C-053D-4CA9-9CDB-E6C55FC141F5}"/>
+              </a:ext>
+            </a:extLst>
+          </p:cNvPr>
+          <p:cNvSpPr>
+            <a:spLocks noGrp="1"/>
+          </p:cNvSpPr>
+          <p:nvPr>
+            <p:ph type="body" idx="1"/>
+          </p:nvPr>
+        </p:nvSpPr>
+        <p:spPr/>
+        <p:txBody>
+          <a:bodyPr/>
+          <a:lstStyle/>
+          <a:p>
+            <a:r>
+              <a:rPr lang="en-AU" sz="3600" dirty="0">
+                <a:latin typeface="Arial Unicode MS" panose="020B0604020202020204" pitchFamily="34" charset="-128"/>
+                <a:ea typeface="Arial Unicode MS" panose="020B0604020202020204" pitchFamily="34" charset="-128"/>
+                <a:cs typeface="Arial Unicode MS" panose="020B0604020202020204" pitchFamily="34" charset="-128"/>
+              </a:rPr>
+              <a:t>Currently, several ontologies developing with a ‘whole of government’ focus</a:t>
+            </a:r>
+          </a:p>
+          <a:p>
+            <a:r>
+              <a:rPr lang="en-AU" sz="3600" dirty="0">
+                <a:latin typeface="Arial Unicode MS" panose="020B0604020202020204" pitchFamily="34" charset="-128"/>
+                <a:ea typeface="Arial Unicode MS" panose="020B0604020202020204" pitchFamily="34" charset="-128"/>
+                <a:cs typeface="Arial Unicode MS" panose="020B0604020202020204" pitchFamily="34" charset="-128"/>
+              </a:rPr>
+              <a:t>We aim to implement a methodology to integrate multiple ontologies </a:t>
+            </a:r>
+          </a:p>
+          <a:p>
+            <a:endParaRPr lang="en-AU" dirty="0"/>
+          </a:p>
+        </p:txBody>
+      </p:sp>
+    </p:spTree>
+    <p:extLst>
+      <p:ext uri="{BB962C8B-B14F-4D97-AF65-F5344CB8AC3E}">
+        <p14:creationId xmlns:p14="http://schemas.microsoft.com/office/powerpoint/2010/main" val="3132923277"/>
+      </p:ext>
+    </p:extLst>
+  </p:cSld>
+  <p:clrMapOvr>
+    <a:masterClrMapping/>
+  </p:clrMapOvr>
+</p:sld>
+</file>
+
+<file path=ppt/slides/slide26.xml><?xml version="1.0" encoding="utf-8"?>
+<p:sld xmlns:a="http://schemas.openxmlformats.org/drawingml/2006/main" xmlns:r="http://schemas.openxmlformats.org/officeDocument/2006/relationships" xmlns:p="http://schemas.openxmlformats.org/presentationml/2006/main">
+  <p:cSld>
+    <p:spTree>
+      <p:nvGrpSpPr>
+        <p:cNvPr id="1" name=""/>
+        <p:cNvGrpSpPr/>
+        <p:nvPr/>
+      </p:nvGrpSpPr>
+      <p:grpSpPr>
+        <a:xfrm>
+          <a:off x="0" y="0"/>
+          <a:ext cx="0" cy="0"/>
+          <a:chOff x="0" y="0"/>
+          <a:chExt cx="0" cy="0"/>
+        </a:xfrm>
+      </p:grpSpPr>
+      <p:sp>
+        <p:nvSpPr>
+          <p:cNvPr id="2" name="Title 1">
+            <a:extLst>
+              <a:ext uri="{FF2B5EF4-FFF2-40B4-BE49-F238E27FC236}">
+                <a16:creationId xmlns:a16="http://schemas.microsoft.com/office/drawing/2014/main" id="{FC75DCBD-FDA7-44C1-BB01-FECBE81AF666}"/>
+              </a:ext>
+            </a:extLst>
+          </p:cNvPr>
+          <p:cNvSpPr>
+            <a:spLocks noGrp="1"/>
+          </p:cNvSpPr>
+          <p:nvPr>
+            <p:ph type="title"/>
+          </p:nvPr>
+        </p:nvSpPr>
+        <p:spPr/>
+        <p:txBody>
+          <a:bodyPr/>
+          <a:lstStyle/>
+          <a:p>
+            <a:r>
+              <a:rPr lang="en-AU" sz="3200" dirty="0">
+                <a:solidFill>
+                  <a:srgbClr val="851902"/>
+                </a:solidFill>
+                <a:latin typeface="Arial Unicode MS" panose="020B0604020202020204" pitchFamily="34" charset="-128"/>
+                <a:ea typeface="Arial Unicode MS" panose="020B0604020202020204" pitchFamily="34" charset="-128"/>
+                <a:cs typeface="Arial Unicode MS" panose="020B0604020202020204" pitchFamily="34" charset="-128"/>
+              </a:rPr>
+              <a:t>Moving towards an integrated</a:t>
+            </a:r>
+            <a:br>
+              <a:rPr lang="en-AU" sz="3200" dirty="0">
+                <a:solidFill>
+                  <a:srgbClr val="851902"/>
+                </a:solidFill>
+                <a:latin typeface="Arial Unicode MS" panose="020B0604020202020204" pitchFamily="34" charset="-128"/>
+                <a:ea typeface="Arial Unicode MS" panose="020B0604020202020204" pitchFamily="34" charset="-128"/>
+                <a:cs typeface="Arial Unicode MS" panose="020B0604020202020204" pitchFamily="34" charset="-128"/>
+              </a:rPr>
+            </a:br>
+            <a:r>
+              <a:rPr lang="en-AU" sz="3200" dirty="0">
+                <a:solidFill>
+                  <a:srgbClr val="851902"/>
+                </a:solidFill>
+                <a:latin typeface="Arial Unicode MS" panose="020B0604020202020204" pitchFamily="34" charset="-128"/>
+                <a:ea typeface="Arial Unicode MS" panose="020B0604020202020204" pitchFamily="34" charset="-128"/>
+                <a:cs typeface="Arial Unicode MS" panose="020B0604020202020204" pitchFamily="34" charset="-128"/>
+              </a:rPr>
+              <a:t>set of ontologies</a:t>
+            </a:r>
+          </a:p>
+        </p:txBody>
+      </p:sp>
+      <p:pic>
+        <p:nvPicPr>
+          <p:cNvPr id="5" name="Picture 4">
+            <a:extLst>
+              <a:ext uri="{FF2B5EF4-FFF2-40B4-BE49-F238E27FC236}">
+                <a16:creationId xmlns:a16="http://schemas.microsoft.com/office/drawing/2014/main" id="{17EF5781-6DA6-4D54-A213-F5ED31849557}"/>
+              </a:ext>
+            </a:extLst>
+          </p:cNvPr>
+          <p:cNvPicPr>
+            <a:picLocks noChangeAspect="1"/>
+          </p:cNvPicPr>
+          <p:nvPr/>
+        </p:nvPicPr>
+        <p:blipFill rotWithShape="1">
+          <a:blip r:embed="rId2"/>
+          <a:srcRect t="15283"/>
+          <a:stretch/>
+        </p:blipFill>
+        <p:spPr>
+          <a:xfrm>
+            <a:off x="0" y="2500604"/>
+            <a:ext cx="9144000" cy="4357396"/>
+          </a:xfrm>
+          <a:prstGeom prst="rect">
+            <a:avLst/>
+          </a:prstGeom>
+        </p:spPr>
+      </p:pic>
+      <p:sp>
+        <p:nvSpPr>
+          <p:cNvPr id="6" name="TextBox 5">
+            <a:extLst>
+              <a:ext uri="{FF2B5EF4-FFF2-40B4-BE49-F238E27FC236}">
+                <a16:creationId xmlns:a16="http://schemas.microsoft.com/office/drawing/2014/main" id="{460AFDF5-FCDF-443A-AF6E-81233F929B3D}"/>
+              </a:ext>
+            </a:extLst>
+          </p:cNvPr>
+          <p:cNvSpPr txBox="1"/>
+          <p:nvPr/>
+        </p:nvSpPr>
+        <p:spPr>
+          <a:xfrm>
+            <a:off x="635430" y="2092246"/>
+            <a:ext cx="2900153" cy="307777"/>
+          </a:xfrm>
+          <a:prstGeom prst="rect">
+            <a:avLst/>
+          </a:prstGeom>
+          <a:noFill/>
+        </p:spPr>
+        <p:txBody>
+          <a:bodyPr wrap="none" rtlCol="0">
+            <a:spAutoFit/>
+          </a:bodyPr>
+          <a:lstStyle/>
+          <a:p>
+            <a:r>
+              <a:rPr lang="en-AU" dirty="0"/>
+              <a:t>FSDF-O, a taste of things to come</a:t>
+            </a:r>
+          </a:p>
+        </p:txBody>
+      </p:sp>
+    </p:spTree>
+    <p:extLst>
+      <p:ext uri="{BB962C8B-B14F-4D97-AF65-F5344CB8AC3E}">
+        <p14:creationId xmlns:p14="http://schemas.microsoft.com/office/powerpoint/2010/main" val="371881258"/>
+      </p:ext>
+    </p:extLst>
+  </p:cSld>
+  <p:clrMapOvr>
+    <a:masterClrMapping/>
+  </p:clrMapOvr>
+</p:sld>
+</file>
+
+<file path=ppt/slides/slide27.xml><?xml version="1.0" encoding="utf-8"?>
+<p:sld xmlns:a="http://schemas.openxmlformats.org/drawingml/2006/main" xmlns:r="http://schemas.openxmlformats.org/officeDocument/2006/relationships" xmlns:p="http://schemas.openxmlformats.org/presentationml/2006/main">
+  <p:cSld>
+    <p:spTree>
+      <p:nvGrpSpPr>
+        <p:cNvPr id="1" name=""/>
+        <p:cNvGrpSpPr/>
+        <p:nvPr/>
+      </p:nvGrpSpPr>
+      <p:grpSpPr>
+        <a:xfrm>
+          <a:off x="0" y="0"/>
+          <a:ext cx="0" cy="0"/>
+          <a:chOff x="0" y="0"/>
+          <a:chExt cx="0" cy="0"/>
+        </a:xfrm>
+      </p:grpSpPr>
+      <p:sp>
+        <p:nvSpPr>
+          <p:cNvPr id="2" name="Title 1">
+            <a:extLst>
+              <a:ext uri="{FF2B5EF4-FFF2-40B4-BE49-F238E27FC236}">
+                <a16:creationId xmlns:a16="http://schemas.microsoft.com/office/drawing/2014/main" id="{FC75DCBD-FDA7-44C1-BB01-FECBE81AF666}"/>
+              </a:ext>
+            </a:extLst>
+          </p:cNvPr>
+          <p:cNvSpPr>
+            <a:spLocks noGrp="1"/>
+          </p:cNvSpPr>
+          <p:nvPr>
+            <p:ph type="title"/>
+          </p:nvPr>
+        </p:nvSpPr>
+        <p:spPr/>
+        <p:txBody>
+          <a:bodyPr/>
+          <a:lstStyle/>
+          <a:p>
+            <a:r>
+              <a:rPr lang="en-AU" sz="3200" dirty="0">
+                <a:solidFill>
+                  <a:srgbClr val="851902"/>
+                </a:solidFill>
+                <a:latin typeface="Arial Unicode MS" panose="020B0604020202020204" pitchFamily="34" charset="-128"/>
+                <a:ea typeface="Arial Unicode MS" panose="020B0604020202020204" pitchFamily="34" charset="-128"/>
+                <a:cs typeface="Arial Unicode MS" panose="020B0604020202020204" pitchFamily="34" charset="-128"/>
+              </a:rPr>
+              <a:t>Moving towards an integrated</a:t>
+            </a:r>
+            <a:br>
+              <a:rPr lang="en-AU" sz="3200" dirty="0">
+                <a:solidFill>
+                  <a:srgbClr val="851902"/>
+                </a:solidFill>
+                <a:latin typeface="Arial Unicode MS" panose="020B0604020202020204" pitchFamily="34" charset="-128"/>
+                <a:ea typeface="Arial Unicode MS" panose="020B0604020202020204" pitchFamily="34" charset="-128"/>
+                <a:cs typeface="Arial Unicode MS" panose="020B0604020202020204" pitchFamily="34" charset="-128"/>
+              </a:rPr>
+            </a:br>
+            <a:r>
+              <a:rPr lang="en-AU" sz="3200" dirty="0">
+                <a:solidFill>
+                  <a:srgbClr val="851902"/>
+                </a:solidFill>
+                <a:latin typeface="Arial Unicode MS" panose="020B0604020202020204" pitchFamily="34" charset="-128"/>
+                <a:ea typeface="Arial Unicode MS" panose="020B0604020202020204" pitchFamily="34" charset="-128"/>
+                <a:cs typeface="Arial Unicode MS" panose="020B0604020202020204" pitchFamily="34" charset="-128"/>
+              </a:rPr>
+              <a:t>set of ontologies</a:t>
+            </a:r>
+          </a:p>
+        </p:txBody>
+      </p:sp>
+      <p:sp>
+        <p:nvSpPr>
+          <p:cNvPr id="3" name="Text Placeholder 2">
+            <a:extLst>
+              <a:ext uri="{FF2B5EF4-FFF2-40B4-BE49-F238E27FC236}">
+                <a16:creationId xmlns:a16="http://schemas.microsoft.com/office/drawing/2014/main" id="{3DE56F7C-053D-4CA9-9CDB-E6C55FC141F5}"/>
+              </a:ext>
+            </a:extLst>
+          </p:cNvPr>
+          <p:cNvSpPr>
+            <a:spLocks noGrp="1"/>
+          </p:cNvSpPr>
+          <p:nvPr>
+            <p:ph type="body" idx="1"/>
+          </p:nvPr>
+        </p:nvSpPr>
+        <p:spPr/>
+        <p:txBody>
+          <a:bodyPr/>
+          <a:lstStyle/>
+          <a:p>
+            <a:r>
+              <a:rPr lang="en-AU" sz="3600" dirty="0">
+                <a:latin typeface="Arial Unicode MS" panose="020B0604020202020204" pitchFamily="34" charset="-128"/>
+                <a:ea typeface="Arial Unicode MS" panose="020B0604020202020204" pitchFamily="34" charset="-128"/>
+                <a:cs typeface="Arial Unicode MS" panose="020B0604020202020204" pitchFamily="34" charset="-128"/>
+              </a:rPr>
+              <a:t>Currently, several ontologies developing with a ‘whole of government’ focus</a:t>
+            </a:r>
+          </a:p>
+          <a:p>
+            <a:r>
+              <a:rPr lang="en-AU" sz="3600" dirty="0">
+                <a:latin typeface="Arial Unicode MS" panose="020B0604020202020204" pitchFamily="34" charset="-128"/>
+                <a:ea typeface="Arial Unicode MS" panose="020B0604020202020204" pitchFamily="34" charset="-128"/>
+                <a:cs typeface="Arial Unicode MS" panose="020B0604020202020204" pitchFamily="34" charset="-128"/>
+              </a:rPr>
+              <a:t>We aim to implement a methodology to integrate multiple ontologies </a:t>
+            </a:r>
+          </a:p>
+          <a:p>
+            <a:r>
+              <a:rPr lang="en-AU" sz="3600" b="1" dirty="0">
+                <a:latin typeface="Arial Unicode MS" panose="020B0604020202020204" pitchFamily="34" charset="-128"/>
+                <a:ea typeface="Arial Unicode MS" panose="020B0604020202020204" pitchFamily="34" charset="-128"/>
+                <a:cs typeface="Arial Unicode MS" panose="020B0604020202020204" pitchFamily="34" charset="-128"/>
+              </a:rPr>
+              <a:t>This is a world first!</a:t>
+            </a:r>
+          </a:p>
+          <a:p>
+            <a:endParaRPr lang="en-AU" dirty="0"/>
+          </a:p>
+        </p:txBody>
+      </p:sp>
+    </p:spTree>
+    <p:extLst>
+      <p:ext uri="{BB962C8B-B14F-4D97-AF65-F5344CB8AC3E}">
+        <p14:creationId xmlns:p14="http://schemas.microsoft.com/office/powerpoint/2010/main" val="3036408759"/>
+      </p:ext>
+    </p:extLst>
+  </p:cSld>
+  <p:clrMapOvr>
+    <a:masterClrMapping/>
+  </p:clrMapOvr>
+</p:sld>
+</file>
+
+<file path=ppt/slides/slide28.xml><?xml version="1.0" encoding="utf-8"?>
+<p:sld xmlns:a="http://schemas.openxmlformats.org/drawingml/2006/main" xmlns:r="http://schemas.openxmlformats.org/officeDocument/2006/relationships" xmlns:p="http://schemas.openxmlformats.org/presentationml/2006/main">
+  <p:cSld>
+    <p:spTree>
+      <p:nvGrpSpPr>
+        <p:cNvPr id="1" name=""/>
+        <p:cNvGrpSpPr/>
+        <p:nvPr/>
+      </p:nvGrpSpPr>
+      <p:grpSpPr>
+        <a:xfrm>
+          <a:off x="0" y="0"/>
+          <a:ext cx="0" cy="0"/>
+          <a:chOff x="0" y="0"/>
+          <a:chExt cx="0" cy="0"/>
+        </a:xfrm>
+      </p:grpSpPr>
+      <p:sp>
+        <p:nvSpPr>
+          <p:cNvPr id="2" name="Title 1">
+            <a:extLst>
+              <a:ext uri="{FF2B5EF4-FFF2-40B4-BE49-F238E27FC236}">
+                <a16:creationId xmlns:a16="http://schemas.microsoft.com/office/drawing/2014/main" id="{83BF754E-2586-4C54-A4C4-046EB3CC7ED3}"/>
+              </a:ext>
+            </a:extLst>
+          </p:cNvPr>
+          <p:cNvSpPr>
+            <a:spLocks noGrp="1"/>
+          </p:cNvSpPr>
+          <p:nvPr>
+            <p:ph type="title"/>
+          </p:nvPr>
+        </p:nvSpPr>
+        <p:spPr/>
+        <p:txBody>
+          <a:bodyPr/>
+          <a:lstStyle/>
+          <a:p>
+            <a:r>
+              <a:rPr lang="en-AU" sz="3200" dirty="0">
+                <a:solidFill>
+                  <a:srgbClr val="851902"/>
+                </a:solidFill>
+                <a:latin typeface="Arial Unicode MS" panose="020B0604020202020204" pitchFamily="34" charset="-128"/>
+                <a:ea typeface="Arial Unicode MS" panose="020B0604020202020204" pitchFamily="34" charset="-128"/>
+                <a:cs typeface="Arial Unicode MS" panose="020B0604020202020204" pitchFamily="34" charset="-128"/>
+              </a:rPr>
+              <a:t>Exemplar project – LOC-I</a:t>
+            </a:r>
+          </a:p>
+        </p:txBody>
+      </p:sp>
+      <p:sp>
+        <p:nvSpPr>
+          <p:cNvPr id="3" name="Text Placeholder 2">
+            <a:extLst>
+              <a:ext uri="{FF2B5EF4-FFF2-40B4-BE49-F238E27FC236}">
+                <a16:creationId xmlns:a16="http://schemas.microsoft.com/office/drawing/2014/main" id="{D69B4D34-5DC6-49AA-9C3C-A5C7CFFCFD36}"/>
+              </a:ext>
+            </a:extLst>
+          </p:cNvPr>
+          <p:cNvSpPr>
+            <a:spLocks noGrp="1"/>
+          </p:cNvSpPr>
+          <p:nvPr>
+            <p:ph type="body" idx="1"/>
+          </p:nvPr>
+        </p:nvSpPr>
+        <p:spPr/>
+        <p:txBody>
+          <a:bodyPr/>
+          <a:lstStyle/>
+          <a:p>
+            <a:r>
+              <a:rPr lang="en-AU" dirty="0"/>
+              <a:t>ABS NISA funded</a:t>
+            </a:r>
+          </a:p>
+          <a:p>
+            <a:r>
+              <a:rPr lang="en-AU" dirty="0"/>
+              <a:t>CSIRO, GA, ABS, </a:t>
+            </a:r>
+            <a:r>
+              <a:rPr lang="en-AU" dirty="0" err="1"/>
+              <a:t>DoEE</a:t>
+            </a:r>
+            <a:r>
+              <a:rPr lang="en-AU" dirty="0"/>
+              <a:t>, ATO?</a:t>
+            </a:r>
+          </a:p>
+          <a:p>
+            <a:endParaRPr lang="en-AU" dirty="0"/>
+          </a:p>
+          <a:p>
+            <a:r>
+              <a:rPr lang="en-AU" dirty="0"/>
+              <a:t>Will cross-walk independently-created datasets, integrating on location</a:t>
+            </a:r>
+          </a:p>
+        </p:txBody>
+      </p:sp>
+    </p:spTree>
+    <p:extLst>
+      <p:ext uri="{BB962C8B-B14F-4D97-AF65-F5344CB8AC3E}">
+        <p14:creationId xmlns:p14="http://schemas.microsoft.com/office/powerpoint/2010/main" val="1124897901"/>
+      </p:ext>
+    </p:extLst>
+  </p:cSld>
+  <p:clrMapOvr>
+    <a:masterClrMapping/>
+  </p:clrMapOvr>
+</p:sld>
+</file>
+
+<file path=ppt/slides/slide29.xml><?xml version="1.0" encoding="utf-8"?>
+<p:sld xmlns:a="http://schemas.openxmlformats.org/drawingml/2006/main" xmlns:r="http://schemas.openxmlformats.org/officeDocument/2006/relationships" xmlns:p="http://schemas.openxmlformats.org/presentationml/2006/main">
+  <p:cSld>
+    <p:spTree>
+      <p:nvGrpSpPr>
+        <p:cNvPr id="1" name=""/>
+        <p:cNvGrpSpPr/>
+        <p:nvPr/>
+      </p:nvGrpSpPr>
+      <p:grpSpPr>
+        <a:xfrm>
+          <a:off x="0" y="0"/>
+          <a:ext cx="0" cy="0"/>
+          <a:chOff x="0" y="0"/>
+          <a:chExt cx="0" cy="0"/>
+        </a:xfrm>
+      </p:grpSpPr>
+      <p:sp>
+        <p:nvSpPr>
+          <p:cNvPr id="2" name="Title 1">
+            <a:extLst>
+              <a:ext uri="{FF2B5EF4-FFF2-40B4-BE49-F238E27FC236}">
+                <a16:creationId xmlns:a16="http://schemas.microsoft.com/office/drawing/2014/main" id="{83BF754E-2586-4C54-A4C4-046EB3CC7ED3}"/>
+              </a:ext>
+            </a:extLst>
+          </p:cNvPr>
+          <p:cNvSpPr>
+            <a:spLocks noGrp="1"/>
+          </p:cNvSpPr>
+          <p:nvPr>
+            <p:ph type="title"/>
+          </p:nvPr>
+        </p:nvSpPr>
+        <p:spPr/>
+        <p:txBody>
+          <a:bodyPr/>
+          <a:lstStyle/>
+          <a:p>
+            <a:r>
+              <a:rPr lang="en-AU" sz="3200" dirty="0">
+                <a:solidFill>
+                  <a:srgbClr val="851902"/>
+                </a:solidFill>
+                <a:latin typeface="Arial Unicode MS" panose="020B0604020202020204" pitchFamily="34" charset="-128"/>
+                <a:ea typeface="Arial Unicode MS" panose="020B0604020202020204" pitchFamily="34" charset="-128"/>
+                <a:cs typeface="Arial Unicode MS" panose="020B0604020202020204" pitchFamily="34" charset="-128"/>
+              </a:rPr>
+              <a:t>Exemplar project – LOC-I</a:t>
+            </a:r>
+          </a:p>
+        </p:txBody>
+      </p:sp>
+      <p:sp>
+        <p:nvSpPr>
+          <p:cNvPr id="3" name="Text Placeholder 2">
+            <a:extLst>
+              <a:ext uri="{FF2B5EF4-FFF2-40B4-BE49-F238E27FC236}">
+                <a16:creationId xmlns:a16="http://schemas.microsoft.com/office/drawing/2014/main" id="{D69B4D34-5DC6-49AA-9C3C-A5C7CFFCFD36}"/>
+              </a:ext>
+            </a:extLst>
+          </p:cNvPr>
+          <p:cNvSpPr>
+            <a:spLocks noGrp="1"/>
+          </p:cNvSpPr>
+          <p:nvPr>
+            <p:ph type="body" idx="1"/>
+          </p:nvPr>
+        </p:nvSpPr>
+        <p:spPr/>
+        <p:txBody>
+          <a:bodyPr/>
+          <a:lstStyle/>
+          <a:p>
+            <a:endParaRPr lang="en-AU" dirty="0"/>
+          </a:p>
+        </p:txBody>
+      </p:sp>
+      <p:pic>
+        <p:nvPicPr>
+          <p:cNvPr id="59" name="Picture 58">
+            <a:extLst>
+              <a:ext uri="{FF2B5EF4-FFF2-40B4-BE49-F238E27FC236}">
+                <a16:creationId xmlns:a16="http://schemas.microsoft.com/office/drawing/2014/main" id="{37EBC28A-C298-4C69-B162-E67B3C454DDC}"/>
+              </a:ext>
+            </a:extLst>
+          </p:cNvPr>
+          <p:cNvPicPr>
+            <a:picLocks noChangeAspect="1"/>
+          </p:cNvPicPr>
+          <p:nvPr/>
+        </p:nvPicPr>
+        <p:blipFill rotWithShape="1">
+          <a:blip r:embed="rId2"/>
+          <a:srcRect/>
+          <a:stretch/>
+        </p:blipFill>
+        <p:spPr>
+          <a:xfrm>
+            <a:off x="1689542" y="1340989"/>
+            <a:ext cx="5793609" cy="5517011"/>
+          </a:xfrm>
+          <a:prstGeom prst="rect">
+            <a:avLst/>
+          </a:prstGeom>
+        </p:spPr>
+      </p:pic>
+    </p:spTree>
+    <p:extLst>
+      <p:ext uri="{BB962C8B-B14F-4D97-AF65-F5344CB8AC3E}">
+        <p14:creationId xmlns:p14="http://schemas.microsoft.com/office/powerpoint/2010/main" val="1530316574"/>
       </p:ext>
     </p:extLst>
   </p:cSld>
@@ -21692,6 +24023,329 @@
         <p14:creationId xmlns:p14="http://schemas.microsoft.com/office/powerpoint/2010/main" val="1343588587"/>
       </p:ext>
     </p:extLst>
+  </p:cSld>
+  <p:clrMapOvr>
+    <a:masterClrMapping/>
+  </p:clrMapOvr>
+</p:sld>
+</file>
+
+<file path=ppt/slides/slide30.xml><?xml version="1.0" encoding="utf-8"?>
+<p:sld xmlns:a="http://schemas.openxmlformats.org/drawingml/2006/main" xmlns:r="http://schemas.openxmlformats.org/officeDocument/2006/relationships" xmlns:p="http://schemas.openxmlformats.org/presentationml/2006/main">
+  <p:cSld>
+    <p:spTree>
+      <p:nvGrpSpPr>
+        <p:cNvPr id="1" name="Shape 255"/>
+        <p:cNvGrpSpPr/>
+        <p:nvPr/>
+      </p:nvGrpSpPr>
+      <p:grpSpPr>
+        <a:xfrm>
+          <a:off x="0" y="0"/>
+          <a:ext cx="0" cy="0"/>
+          <a:chOff x="0" y="0"/>
+          <a:chExt cx="0" cy="0"/>
+        </a:xfrm>
+      </p:grpSpPr>
+      <p:sp>
+        <p:nvSpPr>
+          <p:cNvPr id="256" name="Shape 256"/>
+          <p:cNvSpPr txBox="1">
+            <a:spLocks noGrp="1"/>
+          </p:cNvSpPr>
+          <p:nvPr>
+            <p:ph type="title"/>
+          </p:nvPr>
+        </p:nvSpPr>
+        <p:spPr>
+          <a:prstGeom prst="rect">
+            <a:avLst/>
+          </a:prstGeom>
+          <a:noFill/>
+          <a:ln>
+            <a:noFill/>
+          </a:ln>
+        </p:spPr>
+        <p:txBody>
+          <a:bodyPr spcFirstLastPara="1" wrap="square" lIns="91425" tIns="45700" rIns="91425" bIns="45700" anchor="t" anchorCtr="0">
+            <a:noAutofit/>
+          </a:bodyPr>
+          <a:lstStyle/>
+          <a:p>
+            <a:pPr marL="0" marR="0" lvl="0" indent="0" algn="l" rtl="0">
+              <a:spcBef>
+                <a:spcPts val="0"/>
+              </a:spcBef>
+              <a:spcAft>
+                <a:spcPts val="0"/>
+              </a:spcAft>
+              <a:buClr>
+                <a:srgbClr val="244061"/>
+              </a:buClr>
+              <a:buSzPts val="4000"/>
+              <a:buFont typeface="Avenir"/>
+              <a:buNone/>
+            </a:pPr>
+            <a:r>
+              <a:rPr lang="en-US" sz="3200" dirty="0">
+                <a:solidFill>
+                  <a:srgbClr val="851902"/>
+                </a:solidFill>
+                <a:latin typeface="Arial Unicode MS" panose="020B0604020202020204" pitchFamily="34" charset="-128"/>
+                <a:ea typeface="Arial Unicode MS" panose="020B0604020202020204" pitchFamily="34" charset="-128"/>
+                <a:cs typeface="Arial Unicode MS" panose="020B0604020202020204" pitchFamily="34" charset="-128"/>
+              </a:rPr>
+              <a:t>Join	      </a:t>
+            </a:r>
+            <a:r>
+              <a:rPr lang="en-US" sz="3200" b="0" dirty="0">
+                <a:solidFill>
+                  <a:srgbClr val="851902"/>
+                </a:solidFill>
+                <a:latin typeface="Arial Unicode MS" panose="020B0604020202020204" pitchFamily="34" charset="-128"/>
+                <a:ea typeface="Arial Unicode MS" panose="020B0604020202020204" pitchFamily="34" charset="-128"/>
+                <a:cs typeface="Arial Unicode MS" panose="020B0604020202020204" pitchFamily="34" charset="-128"/>
+                <a:hlinkClick r:id="rId3"/>
+              </a:rPr>
+              <a:t>http://linked.data.gov.au/join.html</a:t>
+            </a:r>
+            <a:r>
+              <a:rPr lang="en-US" sz="3200" b="0" dirty="0">
+                <a:solidFill>
+                  <a:srgbClr val="851902"/>
+                </a:solidFill>
+                <a:latin typeface="Arial Unicode MS" panose="020B0604020202020204" pitchFamily="34" charset="-128"/>
+                <a:ea typeface="Arial Unicode MS" panose="020B0604020202020204" pitchFamily="34" charset="-128"/>
+                <a:cs typeface="Arial Unicode MS" panose="020B0604020202020204" pitchFamily="34" charset="-128"/>
+              </a:rPr>
+              <a:t>  </a:t>
+            </a:r>
+            <a:endParaRPr sz="4000" b="0" i="0" u="none" strike="noStrike" cap="none" dirty="0">
+              <a:solidFill>
+                <a:srgbClr val="244061"/>
+              </a:solidFill>
+              <a:latin typeface="Avenir"/>
+              <a:ea typeface="Avenir"/>
+              <a:cs typeface="Avenir"/>
+              <a:sym typeface="Avenir"/>
+            </a:endParaRPr>
+          </a:p>
+        </p:txBody>
+      </p:sp>
+      <p:sp>
+        <p:nvSpPr>
+          <p:cNvPr id="257" name="Shape 257"/>
+          <p:cNvSpPr txBox="1">
+            <a:spLocks noGrp="1"/>
+          </p:cNvSpPr>
+          <p:nvPr>
+            <p:ph type="body" idx="1"/>
+          </p:nvPr>
+        </p:nvSpPr>
+        <p:spPr>
+          <a:xfrm>
+            <a:off x="722313" y="2015561"/>
+            <a:ext cx="7772400" cy="1500187"/>
+          </a:xfrm>
+          <a:prstGeom prst="rect">
+            <a:avLst/>
+          </a:prstGeom>
+          <a:noFill/>
+          <a:ln>
+            <a:noFill/>
+          </a:ln>
+        </p:spPr>
+        <p:txBody>
+          <a:bodyPr spcFirstLastPara="1" wrap="square" lIns="91425" tIns="45700" rIns="91425" bIns="45700" anchor="b" anchorCtr="0">
+            <a:noAutofit/>
+          </a:bodyPr>
+          <a:lstStyle/>
+          <a:p>
+            <a:pPr marL="0" marR="0" lvl="0" indent="0" algn="l" rtl="0">
+              <a:spcBef>
+                <a:spcPts val="0"/>
+              </a:spcBef>
+              <a:spcAft>
+                <a:spcPts val="0"/>
+              </a:spcAft>
+              <a:buClr>
+                <a:srgbClr val="723C3D"/>
+              </a:buClr>
+              <a:buSzPts val="2400"/>
+              <a:buFont typeface="Arial"/>
+              <a:buNone/>
+            </a:pPr>
+            <a:r>
+              <a:rPr lang="en-US" sz="3200" b="1" dirty="0">
+                <a:solidFill>
+                  <a:srgbClr val="851902"/>
+                </a:solidFill>
+                <a:latin typeface="Arial Unicode MS" panose="020B0604020202020204" pitchFamily="34" charset="-128"/>
+                <a:ea typeface="Arial Unicode MS" panose="020B0604020202020204" pitchFamily="34" charset="-128"/>
+                <a:cs typeface="Arial Unicode MS" panose="020B0604020202020204" pitchFamily="34" charset="-128"/>
+                <a:sym typeface="Calibri"/>
+              </a:rPr>
+              <a:t>Contacts</a:t>
+            </a:r>
+          </a:p>
+          <a:p>
+            <a:pPr marL="0" marR="0" lvl="0" indent="0" algn="l" rtl="0">
+              <a:spcBef>
+                <a:spcPts val="0"/>
+              </a:spcBef>
+              <a:spcAft>
+                <a:spcPts val="0"/>
+              </a:spcAft>
+              <a:buClr>
+                <a:srgbClr val="723C3D"/>
+              </a:buClr>
+              <a:buSzPts val="2400"/>
+              <a:buFont typeface="Arial"/>
+              <a:buNone/>
+            </a:pPr>
+            <a:endParaRPr lang="en-US" sz="2400" b="0" i="0" strike="noStrike" cap="none" dirty="0">
+              <a:solidFill>
+                <a:srgbClr val="723C3D"/>
+              </a:solidFill>
+              <a:latin typeface="Arial Unicode MS" panose="020B0604020202020204" pitchFamily="34" charset="-128"/>
+              <a:ea typeface="Arial Unicode MS" panose="020B0604020202020204" pitchFamily="34" charset="-128"/>
+              <a:cs typeface="Arial Unicode MS" panose="020B0604020202020204" pitchFamily="34" charset="-128"/>
+              <a:sym typeface="Calibri"/>
+            </a:endParaRPr>
+          </a:p>
+          <a:p>
+            <a:pPr marL="0" marR="0" lvl="0" indent="0" algn="l" rtl="0">
+              <a:spcBef>
+                <a:spcPts val="0"/>
+              </a:spcBef>
+              <a:spcAft>
+                <a:spcPts val="0"/>
+              </a:spcAft>
+              <a:buClr>
+                <a:srgbClr val="723C3D"/>
+              </a:buClr>
+              <a:buSzPts val="2400"/>
+              <a:buFont typeface="Arial"/>
+              <a:buNone/>
+            </a:pPr>
+            <a:r>
+              <a:rPr lang="en-US" sz="2400" b="0" i="0" strike="noStrike" cap="none" dirty="0">
+                <a:solidFill>
+                  <a:srgbClr val="723C3D"/>
+                </a:solidFill>
+                <a:latin typeface="Arial Unicode MS" panose="020B0604020202020204" pitchFamily="34" charset="-128"/>
+                <a:ea typeface="Arial Unicode MS" panose="020B0604020202020204" pitchFamily="34" charset="-128"/>
+                <a:cs typeface="Arial Unicode MS" panose="020B0604020202020204" pitchFamily="34" charset="-128"/>
+                <a:sym typeface="Calibri"/>
+              </a:rPr>
+              <a:t>AGLDWG:  </a:t>
+            </a:r>
+            <a:r>
+              <a:rPr lang="en-US" sz="2400" dirty="0">
+                <a:solidFill>
+                  <a:srgbClr val="723C3D"/>
+                </a:solidFill>
+                <a:latin typeface="Arial Unicode MS" panose="020B0604020202020204" pitchFamily="34" charset="-128"/>
+                <a:ea typeface="Arial Unicode MS" panose="020B0604020202020204" pitchFamily="34" charset="-128"/>
+                <a:cs typeface="Arial Unicode MS" panose="020B0604020202020204" pitchFamily="34" charset="-128"/>
+                <a:sym typeface="Calibri"/>
+                <a:hlinkClick r:id="rId4"/>
+              </a:rPr>
+              <a:t>http://linked.data.gov.au</a:t>
+            </a:r>
+            <a:endParaRPr lang="en-US" sz="2400" dirty="0">
+              <a:solidFill>
+                <a:srgbClr val="723C3D"/>
+              </a:solidFill>
+              <a:latin typeface="Arial Unicode MS" panose="020B0604020202020204" pitchFamily="34" charset="-128"/>
+              <a:ea typeface="Arial Unicode MS" panose="020B0604020202020204" pitchFamily="34" charset="-128"/>
+              <a:cs typeface="Arial Unicode MS" panose="020B0604020202020204" pitchFamily="34" charset="-128"/>
+              <a:sym typeface="Calibri"/>
+            </a:endParaRPr>
+          </a:p>
+          <a:p>
+            <a:pPr marL="0" marR="0" lvl="0" indent="0" algn="l" rtl="0">
+              <a:spcBef>
+                <a:spcPts val="0"/>
+              </a:spcBef>
+              <a:spcAft>
+                <a:spcPts val="0"/>
+              </a:spcAft>
+              <a:buClr>
+                <a:srgbClr val="723C3D"/>
+              </a:buClr>
+              <a:buSzPts val="2400"/>
+              <a:buFont typeface="Arial"/>
+              <a:buNone/>
+            </a:pPr>
+            <a:r>
+              <a:rPr lang="en-US" sz="2400" dirty="0">
+                <a:solidFill>
+                  <a:srgbClr val="723C3D"/>
+                </a:solidFill>
+                <a:latin typeface="Arial Unicode MS" panose="020B0604020202020204" pitchFamily="34" charset="-128"/>
+                <a:ea typeface="Arial Unicode MS" panose="020B0604020202020204" pitchFamily="34" charset="-128"/>
+                <a:cs typeface="Arial Unicode MS" panose="020B0604020202020204" pitchFamily="34" charset="-128"/>
+                <a:sym typeface="Calibri"/>
+              </a:rPr>
+              <a:t>Nick:           </a:t>
+            </a:r>
+            <a:r>
+              <a:rPr lang="en-US" sz="2400" dirty="0">
+                <a:solidFill>
+                  <a:srgbClr val="723C3D"/>
+                </a:solidFill>
+                <a:latin typeface="Arial Unicode MS" panose="020B0604020202020204" pitchFamily="34" charset="-128"/>
+                <a:ea typeface="Arial Unicode MS" panose="020B0604020202020204" pitchFamily="34" charset="-128"/>
+                <a:cs typeface="Arial Unicode MS" panose="020B0604020202020204" pitchFamily="34" charset="-128"/>
+                <a:sym typeface="Calibri"/>
+                <a:hlinkClick r:id="rId5"/>
+              </a:rPr>
+              <a:t>nicholas.car@csiro.au</a:t>
+            </a:r>
+            <a:r>
+              <a:rPr lang="en-US" sz="2400" dirty="0">
+                <a:solidFill>
+                  <a:srgbClr val="723C3D"/>
+                </a:solidFill>
+                <a:latin typeface="Arial Unicode MS" panose="020B0604020202020204" pitchFamily="34" charset="-128"/>
+                <a:ea typeface="Arial Unicode MS" panose="020B0604020202020204" pitchFamily="34" charset="-128"/>
+                <a:cs typeface="Arial Unicode MS" panose="020B0604020202020204" pitchFamily="34" charset="-128"/>
+                <a:sym typeface="Calibri"/>
+              </a:rPr>
+              <a:t> </a:t>
+            </a:r>
+            <a:endParaRPr lang="en-US" sz="2400" dirty="0">
+              <a:solidFill>
+                <a:srgbClr val="723C3D"/>
+              </a:solidFill>
+              <a:latin typeface="Arial Unicode MS" panose="020B0604020202020204" pitchFamily="34" charset="-128"/>
+              <a:ea typeface="Arial Unicode MS" panose="020B0604020202020204" pitchFamily="34" charset="-128"/>
+              <a:cs typeface="Arial Unicode MS" panose="020B0604020202020204" pitchFamily="34" charset="-128"/>
+            </a:endParaRPr>
+          </a:p>
+          <a:p>
+            <a:pPr marL="0" marR="0" lvl="0" indent="0" algn="l" rtl="0">
+              <a:spcBef>
+                <a:spcPts val="0"/>
+              </a:spcBef>
+              <a:spcAft>
+                <a:spcPts val="0"/>
+              </a:spcAft>
+              <a:buClr>
+                <a:srgbClr val="723C3D"/>
+              </a:buClr>
+              <a:buSzPts val="2400"/>
+              <a:buFont typeface="Arial"/>
+              <a:buNone/>
+            </a:pPr>
+            <a:endParaRPr dirty="0">
+              <a:latin typeface="Courier" pitchFamily="2" charset="0"/>
+            </a:endParaRPr>
+          </a:p>
+        </p:txBody>
+      </p:sp>
+    </p:spTree>
   </p:cSld>
   <p:clrMapOvr>
     <a:masterClrMapping/>
